--- a/lez 14/ex.pptx
+++ b/lez 14/ex.pptx
@@ -6,24 +6,29 @@
     <p:sldMasterId id="2147483654" r:id="rId2"/>
   </p:sldMasterIdLst>
   <p:notesMasterIdLst>
-    <p:notesMasterId r:id="rId10"/>
+    <p:notesMasterId r:id="rId15"/>
   </p:notesMasterIdLst>
   <p:handoutMasterIdLst>
-    <p:handoutMasterId r:id="rId11"/>
+    <p:handoutMasterId r:id="rId16"/>
   </p:handoutMasterIdLst>
   <p:sldIdLst>
     <p:sldId id="266" r:id="rId3"/>
     <p:sldId id="283" r:id="rId4"/>
     <p:sldId id="284" r:id="rId5"/>
     <p:sldId id="285" r:id="rId6"/>
-    <p:sldId id="288" r:id="rId7"/>
-    <p:sldId id="286" r:id="rId8"/>
-    <p:sldId id="287" r:id="rId9"/>
+    <p:sldId id="289" r:id="rId7"/>
+    <p:sldId id="290" r:id="rId8"/>
+    <p:sldId id="291" r:id="rId9"/>
+    <p:sldId id="292" r:id="rId10"/>
+    <p:sldId id="288" r:id="rId11"/>
+    <p:sldId id="293" r:id="rId12"/>
+    <p:sldId id="286" r:id="rId13"/>
+    <p:sldId id="287" r:id="rId14"/>
   </p:sldIdLst>
   <p:sldSz cx="9144000" cy="6858000" type="screen4x3"/>
   <p:notesSz cx="7099300" cy="10234613"/>
   <p:custDataLst>
-    <p:tags r:id="rId12"/>
+    <p:tags r:id="rId17"/>
   </p:custDataLst>
   <p:defaultTextStyle>
     <a:defPPr>
@@ -1163,6 +1168,950 @@
     <p:extLst>
       <p:ext uri="{BB962C8B-B14F-4D97-AF65-F5344CB8AC3E}">
         <p14:creationId xmlns:p14="http://schemas.microsoft.com/office/powerpoint/2010/main" val="974812186"/>
+      </p:ext>
+    </p:extLst>
+  </p:cSld>
+  <p:clrMapOvr>
+    <a:masterClrMapping/>
+  </p:clrMapOvr>
+</p:notes>
+</file>
+
+<file path=ppt/notesSlides/notesSlide2.xml><?xml version="1.0" encoding="utf-8"?>
+<p:notes xmlns:a="http://schemas.openxmlformats.org/drawingml/2006/main" xmlns:r="http://schemas.openxmlformats.org/officeDocument/2006/relationships" xmlns:p="http://schemas.openxmlformats.org/presentationml/2006/main">
+  <p:cSld>
+    <p:spTree>
+      <p:nvGrpSpPr>
+        <p:cNvPr id="1" name=""/>
+        <p:cNvGrpSpPr/>
+        <p:nvPr/>
+      </p:nvGrpSpPr>
+      <p:grpSpPr>
+        <a:xfrm>
+          <a:off x="0" y="0"/>
+          <a:ext cx="0" cy="0"/>
+          <a:chOff x="0" y="0"/>
+          <a:chExt cx="0" cy="0"/>
+        </a:xfrm>
+      </p:grpSpPr>
+      <p:sp>
+        <p:nvSpPr>
+          <p:cNvPr id="2" name="Slide Image Placeholder 1"/>
+          <p:cNvSpPr>
+            <a:spLocks noGrp="1" noRot="1" noChangeAspect="1"/>
+          </p:cNvSpPr>
+          <p:nvPr>
+            <p:ph type="sldImg"/>
+          </p:nvPr>
+        </p:nvSpPr>
+        <p:spPr/>
+      </p:sp>
+      <p:sp>
+        <p:nvSpPr>
+          <p:cNvPr id="3" name="Notes Placeholder 2"/>
+          <p:cNvSpPr>
+            <a:spLocks noGrp="1"/>
+          </p:cNvSpPr>
+          <p:nvPr>
+            <p:ph type="body" idx="1"/>
+          </p:nvPr>
+        </p:nvSpPr>
+        <p:spPr/>
+        <p:txBody>
+          <a:bodyPr/>
+          <a:lstStyle/>
+          <a:p>
+            <a:r>
+              <a:rPr lang="en-US" sz="1200" b="1" i="0" kern="1200" dirty="0" err="1" smtClean="0">
+                <a:solidFill>
+                  <a:schemeClr val="tx1"/>
+                </a:solidFill>
+                <a:effectLst/>
+                <a:latin typeface="Arial" charset="0"/>
+                <a:ea typeface="+mn-ea"/>
+                <a:cs typeface="+mn-cs"/>
+              </a:rPr>
+              <a:t>nswer</a:t>
+            </a:r>
+            <a:r>
+              <a:rPr lang="en-US" sz="1200" b="1" i="0" kern="1200" dirty="0" smtClean="0">
+                <a:solidFill>
+                  <a:schemeClr val="tx1"/>
+                </a:solidFill>
+                <a:effectLst/>
+                <a:latin typeface="Arial" charset="0"/>
+                <a:ea typeface="+mn-ea"/>
+                <a:cs typeface="+mn-cs"/>
+              </a:rPr>
+              <a:t>:</a:t>
+            </a:r>
+            <a:r>
+              <a:rPr lang="en-US" sz="1200" b="0" i="0" kern="1200" dirty="0" smtClean="0">
+                <a:solidFill>
+                  <a:schemeClr val="tx1"/>
+                </a:solidFill>
+                <a:effectLst/>
+                <a:latin typeface="Arial" charset="0"/>
+                <a:ea typeface="+mn-ea"/>
+                <a:cs typeface="+mn-cs"/>
+              </a:rPr>
+              <a:t> Option </a:t>
+            </a:r>
+            <a:r>
+              <a:rPr lang="en-US" sz="1200" b="1" i="0" kern="1200" dirty="0" smtClean="0">
+                <a:solidFill>
+                  <a:schemeClr val="tx1"/>
+                </a:solidFill>
+                <a:effectLst/>
+                <a:latin typeface="Arial" charset="0"/>
+                <a:ea typeface="+mn-ea"/>
+                <a:cs typeface="+mn-cs"/>
+              </a:rPr>
+              <a:t>C</a:t>
+            </a:r>
+            <a:endParaRPr lang="en-US" sz="1200" b="0" i="0" kern="1200" dirty="0" smtClean="0">
+              <a:solidFill>
+                <a:schemeClr val="tx1"/>
+              </a:solidFill>
+              <a:effectLst/>
+              <a:latin typeface="Arial" charset="0"/>
+              <a:ea typeface="+mn-ea"/>
+              <a:cs typeface="+mn-cs"/>
+            </a:endParaRPr>
+          </a:p>
+          <a:p>
+            <a:r>
+              <a:rPr lang="en-US" sz="1200" b="1" i="0" kern="1200" dirty="0" smtClean="0">
+                <a:solidFill>
+                  <a:schemeClr val="tx1"/>
+                </a:solidFill>
+                <a:effectLst/>
+                <a:latin typeface="Arial" charset="0"/>
+                <a:ea typeface="+mn-ea"/>
+                <a:cs typeface="+mn-cs"/>
+              </a:rPr>
+              <a:t>Explanation:</a:t>
+            </a:r>
+            <a:endParaRPr lang="en-US" sz="1200" b="0" i="0" kern="1200" dirty="0" smtClean="0">
+              <a:solidFill>
+                <a:schemeClr val="tx1"/>
+              </a:solidFill>
+              <a:effectLst/>
+              <a:latin typeface="Arial" charset="0"/>
+              <a:ea typeface="+mn-ea"/>
+              <a:cs typeface="+mn-cs"/>
+            </a:endParaRPr>
+          </a:p>
+          <a:p>
+            <a:r>
+              <a:rPr lang="en-US" sz="1200" b="0" i="0" kern="1200" dirty="0" smtClean="0">
+                <a:solidFill>
+                  <a:schemeClr val="tx1"/>
+                </a:solidFill>
+                <a:effectLst/>
+                <a:latin typeface="Arial" charset="0"/>
+                <a:ea typeface="+mn-ea"/>
+                <a:cs typeface="+mn-cs"/>
+              </a:rPr>
+              <a:t>Error is thrown but not </a:t>
+            </a:r>
+            <a:r>
+              <a:rPr lang="en-US" sz="1200" b="0" i="0" kern="1200" dirty="0" err="1" smtClean="0">
+                <a:solidFill>
+                  <a:schemeClr val="tx1"/>
+                </a:solidFill>
+                <a:effectLst/>
+                <a:latin typeface="Arial" charset="0"/>
+                <a:ea typeface="+mn-ea"/>
+                <a:cs typeface="+mn-cs"/>
+              </a:rPr>
+              <a:t>recognised</a:t>
+            </a:r>
+            <a:r>
+              <a:rPr lang="en-US" sz="1200" b="0" i="0" kern="1200" dirty="0" smtClean="0">
+                <a:solidFill>
+                  <a:schemeClr val="tx1"/>
+                </a:solidFill>
+                <a:effectLst/>
+                <a:latin typeface="Arial" charset="0"/>
+                <a:ea typeface="+mn-ea"/>
+                <a:cs typeface="+mn-cs"/>
+              </a:rPr>
+              <a:t> line(22) because the only catch attempts to catch an Exception and Exception is not a superclass of Error. Therefore only the code in the finally statement can be run before exiting with a runtime error (Exception in thread "main" </a:t>
+            </a:r>
+            <a:r>
+              <a:rPr lang="en-US" sz="1200" b="0" i="0" kern="1200" dirty="0" err="1" smtClean="0">
+                <a:solidFill>
+                  <a:schemeClr val="tx1"/>
+                </a:solidFill>
+                <a:effectLst/>
+                <a:latin typeface="Arial" charset="0"/>
+                <a:ea typeface="+mn-ea"/>
+                <a:cs typeface="+mn-cs"/>
+              </a:rPr>
+              <a:t>java.lang.Error</a:t>
+            </a:r>
+            <a:r>
+              <a:rPr lang="en-US" sz="1200" b="0" i="0" kern="1200" dirty="0" smtClean="0">
+                <a:solidFill>
+                  <a:schemeClr val="tx1"/>
+                </a:solidFill>
+                <a:effectLst/>
+                <a:latin typeface="Arial" charset="0"/>
+                <a:ea typeface="+mn-ea"/>
+                <a:cs typeface="+mn-cs"/>
+              </a:rPr>
+              <a:t>).</a:t>
+            </a:r>
+          </a:p>
+          <a:p>
+            <a:endParaRPr lang="en-US" dirty="0"/>
+          </a:p>
+        </p:txBody>
+      </p:sp>
+      <p:sp>
+        <p:nvSpPr>
+          <p:cNvPr id="4" name="Header Placeholder 3"/>
+          <p:cNvSpPr>
+            <a:spLocks noGrp="1"/>
+          </p:cNvSpPr>
+          <p:nvPr>
+            <p:ph type="hdr" sz="quarter" idx="10"/>
+          </p:nvPr>
+        </p:nvSpPr>
+        <p:spPr/>
+        <p:txBody>
+          <a:bodyPr/>
+          <a:lstStyle/>
+          <a:p>
+            <a:pPr>
+              <a:defRPr/>
+            </a:pPr>
+            <a:r>
+              <a:rPr lang="it-IT" smtClean="0"/>
+              <a:t>Modulo n - U.D. n - Lez. n</a:t>
+            </a:r>
+            <a:endParaRPr lang="it-IT"/>
+          </a:p>
+        </p:txBody>
+      </p:sp>
+      <p:sp>
+        <p:nvSpPr>
+          <p:cNvPr id="5" name="Footer Placeholder 4"/>
+          <p:cNvSpPr>
+            <a:spLocks noGrp="1"/>
+          </p:cNvSpPr>
+          <p:nvPr>
+            <p:ph type="ftr" sz="quarter" idx="11"/>
+          </p:nvPr>
+        </p:nvSpPr>
+        <p:spPr/>
+        <p:txBody>
+          <a:bodyPr/>
+          <a:lstStyle/>
+          <a:p>
+            <a:pPr>
+              <a:defRPr/>
+            </a:pPr>
+            <a:r>
+              <a:rPr lang="it-IT" smtClean="0"/>
+              <a:t>Chiara Braghin – Sicurezza nei sistemi Web e Mobile</a:t>
+            </a:r>
+            <a:endParaRPr lang="it-IT"/>
+          </a:p>
+        </p:txBody>
+      </p:sp>
+      <p:sp>
+        <p:nvSpPr>
+          <p:cNvPr id="6" name="Slide Number Placeholder 5"/>
+          <p:cNvSpPr>
+            <a:spLocks noGrp="1"/>
+          </p:cNvSpPr>
+          <p:nvPr>
+            <p:ph type="sldNum" sz="quarter" idx="12"/>
+          </p:nvPr>
+        </p:nvSpPr>
+        <p:spPr/>
+        <p:txBody>
+          <a:bodyPr/>
+          <a:lstStyle/>
+          <a:p>
+            <a:fld id="{E011B15E-5A40-4FE6-AD9B-CDBDA3C4F2C5}" type="slidenum">
+              <a:rPr lang="it-IT" altLang="it-IT" smtClean="0"/>
+              <a:pPr/>
+              <a:t>4</a:t>
+            </a:fld>
+            <a:endParaRPr lang="it-IT" altLang="it-IT"/>
+          </a:p>
+        </p:txBody>
+      </p:sp>
+    </p:spTree>
+    <p:extLst>
+      <p:ext uri="{BB962C8B-B14F-4D97-AF65-F5344CB8AC3E}">
+        <p14:creationId xmlns:p14="http://schemas.microsoft.com/office/powerpoint/2010/main" val="371207665"/>
+      </p:ext>
+    </p:extLst>
+  </p:cSld>
+  <p:clrMapOvr>
+    <a:masterClrMapping/>
+  </p:clrMapOvr>
+</p:notes>
+</file>
+
+<file path=ppt/notesSlides/notesSlide3.xml><?xml version="1.0" encoding="utf-8"?>
+<p:notes xmlns:a="http://schemas.openxmlformats.org/drawingml/2006/main" xmlns:r="http://schemas.openxmlformats.org/officeDocument/2006/relationships" xmlns:p="http://schemas.openxmlformats.org/presentationml/2006/main">
+  <p:cSld>
+    <p:spTree>
+      <p:nvGrpSpPr>
+        <p:cNvPr id="1" name=""/>
+        <p:cNvGrpSpPr/>
+        <p:nvPr/>
+      </p:nvGrpSpPr>
+      <p:grpSpPr>
+        <a:xfrm>
+          <a:off x="0" y="0"/>
+          <a:ext cx="0" cy="0"/>
+          <a:chOff x="0" y="0"/>
+          <a:chExt cx="0" cy="0"/>
+        </a:xfrm>
+      </p:grpSpPr>
+      <p:sp>
+        <p:nvSpPr>
+          <p:cNvPr id="2" name="Slide Image Placeholder 1"/>
+          <p:cNvSpPr>
+            <a:spLocks noGrp="1" noRot="1" noChangeAspect="1"/>
+          </p:cNvSpPr>
+          <p:nvPr>
+            <p:ph type="sldImg"/>
+          </p:nvPr>
+        </p:nvSpPr>
+        <p:spPr/>
+      </p:sp>
+      <p:sp>
+        <p:nvSpPr>
+          <p:cNvPr id="3" name="Notes Placeholder 2"/>
+          <p:cNvSpPr>
+            <a:spLocks noGrp="1"/>
+          </p:cNvSpPr>
+          <p:nvPr>
+            <p:ph type="body" idx="1"/>
+          </p:nvPr>
+        </p:nvSpPr>
+        <p:spPr/>
+        <p:txBody>
+          <a:bodyPr/>
+          <a:lstStyle/>
+          <a:p>
+            <a:r>
+              <a:rPr lang="en-US" sz="1200" b="1" i="0" kern="1200" dirty="0" smtClean="0">
+                <a:solidFill>
+                  <a:schemeClr val="tx1"/>
+                </a:solidFill>
+                <a:effectLst/>
+                <a:latin typeface="Arial" charset="0"/>
+                <a:ea typeface="+mn-ea"/>
+                <a:cs typeface="+mn-cs"/>
+              </a:rPr>
+              <a:t>Answer:</a:t>
+            </a:r>
+            <a:r>
+              <a:rPr lang="en-US" sz="1200" b="0" i="0" kern="1200" dirty="0" smtClean="0">
+                <a:solidFill>
+                  <a:schemeClr val="tx1"/>
+                </a:solidFill>
+                <a:effectLst/>
+                <a:latin typeface="Arial" charset="0"/>
+                <a:ea typeface="+mn-ea"/>
+                <a:cs typeface="+mn-cs"/>
+              </a:rPr>
+              <a:t> Option </a:t>
+            </a:r>
+            <a:r>
+              <a:rPr lang="en-US" sz="1200" b="1" i="0" kern="1200" dirty="0" smtClean="0">
+                <a:solidFill>
+                  <a:schemeClr val="tx1"/>
+                </a:solidFill>
+                <a:effectLst/>
+                <a:latin typeface="Arial" charset="0"/>
+                <a:ea typeface="+mn-ea"/>
+                <a:cs typeface="+mn-cs"/>
+              </a:rPr>
+              <a:t>C</a:t>
+            </a:r>
+            <a:endParaRPr lang="en-US" sz="1200" b="0" i="0" kern="1200" dirty="0" smtClean="0">
+              <a:solidFill>
+                <a:schemeClr val="tx1"/>
+              </a:solidFill>
+              <a:effectLst/>
+              <a:latin typeface="Arial" charset="0"/>
+              <a:ea typeface="+mn-ea"/>
+              <a:cs typeface="+mn-cs"/>
+            </a:endParaRPr>
+          </a:p>
+          <a:p>
+            <a:r>
+              <a:rPr lang="en-US" sz="1200" b="1" i="0" kern="1200" dirty="0" smtClean="0">
+                <a:solidFill>
+                  <a:schemeClr val="tx1"/>
+                </a:solidFill>
+                <a:effectLst/>
+                <a:latin typeface="Arial" charset="0"/>
+                <a:ea typeface="+mn-ea"/>
+                <a:cs typeface="+mn-cs"/>
+              </a:rPr>
+              <a:t>Explanation:</a:t>
+            </a:r>
+            <a:endParaRPr lang="en-US" sz="1200" b="0" i="0" kern="1200" dirty="0" smtClean="0">
+              <a:solidFill>
+                <a:schemeClr val="tx1"/>
+              </a:solidFill>
+              <a:effectLst/>
+              <a:latin typeface="Arial" charset="0"/>
+              <a:ea typeface="+mn-ea"/>
+              <a:cs typeface="+mn-cs"/>
+            </a:endParaRPr>
+          </a:p>
+          <a:p>
+            <a:r>
+              <a:rPr lang="en-US" sz="1200" b="0" i="0" kern="1200" dirty="0" smtClean="0">
+                <a:solidFill>
+                  <a:schemeClr val="tx1"/>
+                </a:solidFill>
+                <a:effectLst/>
+                <a:latin typeface="Arial" charset="0"/>
+                <a:ea typeface="+mn-ea"/>
+                <a:cs typeface="+mn-cs"/>
+              </a:rPr>
+              <a:t>A Run time exception is thrown and caught in the catch statement on line 10. All the code after the finally statement is run because the exception has been caught.</a:t>
+            </a:r>
+          </a:p>
+          <a:p>
+            <a:endParaRPr lang="en-US" dirty="0"/>
+          </a:p>
+        </p:txBody>
+      </p:sp>
+      <p:sp>
+        <p:nvSpPr>
+          <p:cNvPr id="4" name="Header Placeholder 3"/>
+          <p:cNvSpPr>
+            <a:spLocks noGrp="1"/>
+          </p:cNvSpPr>
+          <p:nvPr>
+            <p:ph type="hdr" sz="quarter" idx="10"/>
+          </p:nvPr>
+        </p:nvSpPr>
+        <p:spPr/>
+        <p:txBody>
+          <a:bodyPr/>
+          <a:lstStyle/>
+          <a:p>
+            <a:pPr>
+              <a:defRPr/>
+            </a:pPr>
+            <a:r>
+              <a:rPr lang="it-IT" smtClean="0"/>
+              <a:t>Modulo n - U.D. n - Lez. n</a:t>
+            </a:r>
+            <a:endParaRPr lang="it-IT"/>
+          </a:p>
+        </p:txBody>
+      </p:sp>
+      <p:sp>
+        <p:nvSpPr>
+          <p:cNvPr id="5" name="Footer Placeholder 4"/>
+          <p:cNvSpPr>
+            <a:spLocks noGrp="1"/>
+          </p:cNvSpPr>
+          <p:nvPr>
+            <p:ph type="ftr" sz="quarter" idx="11"/>
+          </p:nvPr>
+        </p:nvSpPr>
+        <p:spPr/>
+        <p:txBody>
+          <a:bodyPr/>
+          <a:lstStyle/>
+          <a:p>
+            <a:pPr>
+              <a:defRPr/>
+            </a:pPr>
+            <a:r>
+              <a:rPr lang="it-IT" smtClean="0"/>
+              <a:t>Chiara Braghin – Sicurezza nei sistemi Web e Mobile</a:t>
+            </a:r>
+            <a:endParaRPr lang="it-IT"/>
+          </a:p>
+        </p:txBody>
+      </p:sp>
+      <p:sp>
+        <p:nvSpPr>
+          <p:cNvPr id="6" name="Slide Number Placeholder 5"/>
+          <p:cNvSpPr>
+            <a:spLocks noGrp="1"/>
+          </p:cNvSpPr>
+          <p:nvPr>
+            <p:ph type="sldNum" sz="quarter" idx="12"/>
+          </p:nvPr>
+        </p:nvSpPr>
+        <p:spPr/>
+        <p:txBody>
+          <a:bodyPr/>
+          <a:lstStyle/>
+          <a:p>
+            <a:fld id="{E011B15E-5A40-4FE6-AD9B-CDBDA3C4F2C5}" type="slidenum">
+              <a:rPr lang="it-IT" altLang="it-IT" smtClean="0"/>
+              <a:pPr/>
+              <a:t>5</a:t>
+            </a:fld>
+            <a:endParaRPr lang="it-IT" altLang="it-IT"/>
+          </a:p>
+        </p:txBody>
+      </p:sp>
+    </p:spTree>
+    <p:extLst>
+      <p:ext uri="{BB962C8B-B14F-4D97-AF65-F5344CB8AC3E}">
+        <p14:creationId xmlns:p14="http://schemas.microsoft.com/office/powerpoint/2010/main" val="447231120"/>
+      </p:ext>
+    </p:extLst>
+  </p:cSld>
+  <p:clrMapOvr>
+    <a:masterClrMapping/>
+  </p:clrMapOvr>
+</p:notes>
+</file>
+
+<file path=ppt/notesSlides/notesSlide4.xml><?xml version="1.0" encoding="utf-8"?>
+<p:notes xmlns:a="http://schemas.openxmlformats.org/drawingml/2006/main" xmlns:r="http://schemas.openxmlformats.org/officeDocument/2006/relationships" xmlns:p="http://schemas.openxmlformats.org/presentationml/2006/main">
+  <p:cSld>
+    <p:spTree>
+      <p:nvGrpSpPr>
+        <p:cNvPr id="1" name=""/>
+        <p:cNvGrpSpPr/>
+        <p:nvPr/>
+      </p:nvGrpSpPr>
+      <p:grpSpPr>
+        <a:xfrm>
+          <a:off x="0" y="0"/>
+          <a:ext cx="0" cy="0"/>
+          <a:chOff x="0" y="0"/>
+          <a:chExt cx="0" cy="0"/>
+        </a:xfrm>
+      </p:grpSpPr>
+      <p:sp>
+        <p:nvSpPr>
+          <p:cNvPr id="2" name="Slide Image Placeholder 1"/>
+          <p:cNvSpPr>
+            <a:spLocks noGrp="1" noRot="1" noChangeAspect="1"/>
+          </p:cNvSpPr>
+          <p:nvPr>
+            <p:ph type="sldImg"/>
+          </p:nvPr>
+        </p:nvSpPr>
+        <p:spPr/>
+      </p:sp>
+      <p:sp>
+        <p:nvSpPr>
+          <p:cNvPr id="3" name="Notes Placeholder 2"/>
+          <p:cNvSpPr>
+            <a:spLocks noGrp="1"/>
+          </p:cNvSpPr>
+          <p:nvPr>
+            <p:ph type="body" idx="1"/>
+          </p:nvPr>
+        </p:nvSpPr>
+        <p:spPr/>
+        <p:txBody>
+          <a:bodyPr/>
+          <a:lstStyle/>
+          <a:p>
+            <a:r>
+              <a:rPr lang="en-US" sz="1200" b="1" i="0" kern="1200" dirty="0" smtClean="0">
+                <a:solidFill>
+                  <a:schemeClr val="tx1"/>
+                </a:solidFill>
+                <a:effectLst/>
+                <a:latin typeface="Arial" charset="0"/>
+                <a:ea typeface="+mn-ea"/>
+                <a:cs typeface="+mn-cs"/>
+              </a:rPr>
+              <a:t>Answer:</a:t>
+            </a:r>
+            <a:r>
+              <a:rPr lang="en-US" sz="1200" b="0" i="0" kern="1200" dirty="0" smtClean="0">
+                <a:solidFill>
+                  <a:schemeClr val="tx1"/>
+                </a:solidFill>
+                <a:effectLst/>
+                <a:latin typeface="Arial" charset="0"/>
+                <a:ea typeface="+mn-ea"/>
+                <a:cs typeface="+mn-cs"/>
+              </a:rPr>
+              <a:t> Option </a:t>
+            </a:r>
+            <a:r>
+              <a:rPr lang="en-US" sz="1200" b="1" i="0" kern="1200" dirty="0" smtClean="0">
+                <a:solidFill>
+                  <a:schemeClr val="tx1"/>
+                </a:solidFill>
+                <a:effectLst/>
+                <a:latin typeface="Arial" charset="0"/>
+                <a:ea typeface="+mn-ea"/>
+                <a:cs typeface="+mn-cs"/>
+              </a:rPr>
+              <a:t>C</a:t>
+            </a:r>
+            <a:endParaRPr lang="en-US" sz="1200" b="0" i="0" kern="1200" dirty="0" smtClean="0">
+              <a:solidFill>
+                <a:schemeClr val="tx1"/>
+              </a:solidFill>
+              <a:effectLst/>
+              <a:latin typeface="Arial" charset="0"/>
+              <a:ea typeface="+mn-ea"/>
+              <a:cs typeface="+mn-cs"/>
+            </a:endParaRPr>
+          </a:p>
+          <a:p>
+            <a:r>
+              <a:rPr lang="en-US" sz="1200" b="1" i="0" kern="1200" dirty="0" smtClean="0">
+                <a:solidFill>
+                  <a:schemeClr val="tx1"/>
+                </a:solidFill>
+                <a:effectLst/>
+                <a:latin typeface="Arial" charset="0"/>
+                <a:ea typeface="+mn-ea"/>
+                <a:cs typeface="+mn-cs"/>
+              </a:rPr>
+              <a:t>Explanation:</a:t>
+            </a:r>
+            <a:endParaRPr lang="en-US" sz="1200" b="0" i="0" kern="1200" dirty="0" smtClean="0">
+              <a:solidFill>
+                <a:schemeClr val="tx1"/>
+              </a:solidFill>
+              <a:effectLst/>
+              <a:latin typeface="Arial" charset="0"/>
+              <a:ea typeface="+mn-ea"/>
+              <a:cs typeface="+mn-cs"/>
+            </a:endParaRPr>
+          </a:p>
+          <a:p>
+            <a:r>
+              <a:rPr lang="en-US" sz="1200" b="0" i="0" kern="1200" dirty="0" smtClean="0">
+                <a:solidFill>
+                  <a:schemeClr val="tx1"/>
+                </a:solidFill>
+                <a:effectLst/>
+                <a:latin typeface="Arial" charset="0"/>
+                <a:ea typeface="+mn-ea"/>
+                <a:cs typeface="+mn-cs"/>
+              </a:rPr>
+              <a:t>A Run time exception is thrown and caught in the catch statement on line 10. All the code after the finally statement is run because the exception has been caught.</a:t>
+            </a:r>
+          </a:p>
+          <a:p>
+            <a:endParaRPr lang="en-US" dirty="0"/>
+          </a:p>
+        </p:txBody>
+      </p:sp>
+      <p:sp>
+        <p:nvSpPr>
+          <p:cNvPr id="4" name="Header Placeholder 3"/>
+          <p:cNvSpPr>
+            <a:spLocks noGrp="1"/>
+          </p:cNvSpPr>
+          <p:nvPr>
+            <p:ph type="hdr" sz="quarter" idx="10"/>
+          </p:nvPr>
+        </p:nvSpPr>
+        <p:spPr/>
+        <p:txBody>
+          <a:bodyPr/>
+          <a:lstStyle/>
+          <a:p>
+            <a:pPr>
+              <a:defRPr/>
+            </a:pPr>
+            <a:r>
+              <a:rPr lang="it-IT" smtClean="0"/>
+              <a:t>Modulo n - U.D. n - Lez. n</a:t>
+            </a:r>
+            <a:endParaRPr lang="it-IT"/>
+          </a:p>
+        </p:txBody>
+      </p:sp>
+      <p:sp>
+        <p:nvSpPr>
+          <p:cNvPr id="5" name="Footer Placeholder 4"/>
+          <p:cNvSpPr>
+            <a:spLocks noGrp="1"/>
+          </p:cNvSpPr>
+          <p:nvPr>
+            <p:ph type="ftr" sz="quarter" idx="11"/>
+          </p:nvPr>
+        </p:nvSpPr>
+        <p:spPr/>
+        <p:txBody>
+          <a:bodyPr/>
+          <a:lstStyle/>
+          <a:p>
+            <a:pPr>
+              <a:defRPr/>
+            </a:pPr>
+            <a:r>
+              <a:rPr lang="it-IT" smtClean="0"/>
+              <a:t>Chiara Braghin – Sicurezza nei sistemi Web e Mobile</a:t>
+            </a:r>
+            <a:endParaRPr lang="it-IT"/>
+          </a:p>
+        </p:txBody>
+      </p:sp>
+      <p:sp>
+        <p:nvSpPr>
+          <p:cNvPr id="6" name="Slide Number Placeholder 5"/>
+          <p:cNvSpPr>
+            <a:spLocks noGrp="1"/>
+          </p:cNvSpPr>
+          <p:nvPr>
+            <p:ph type="sldNum" sz="quarter" idx="12"/>
+          </p:nvPr>
+        </p:nvSpPr>
+        <p:spPr/>
+        <p:txBody>
+          <a:bodyPr/>
+          <a:lstStyle/>
+          <a:p>
+            <a:fld id="{E011B15E-5A40-4FE6-AD9B-CDBDA3C4F2C5}" type="slidenum">
+              <a:rPr lang="it-IT" altLang="it-IT" smtClean="0"/>
+              <a:pPr/>
+              <a:t>6</a:t>
+            </a:fld>
+            <a:endParaRPr lang="it-IT" altLang="it-IT"/>
+          </a:p>
+        </p:txBody>
+      </p:sp>
+    </p:spTree>
+    <p:extLst>
+      <p:ext uri="{BB962C8B-B14F-4D97-AF65-F5344CB8AC3E}">
+        <p14:creationId xmlns:p14="http://schemas.microsoft.com/office/powerpoint/2010/main" val="616650664"/>
+      </p:ext>
+    </p:extLst>
+  </p:cSld>
+  <p:clrMapOvr>
+    <a:masterClrMapping/>
+  </p:clrMapOvr>
+</p:notes>
+</file>
+
+<file path=ppt/notesSlides/notesSlide5.xml><?xml version="1.0" encoding="utf-8"?>
+<p:notes xmlns:a="http://schemas.openxmlformats.org/drawingml/2006/main" xmlns:r="http://schemas.openxmlformats.org/officeDocument/2006/relationships" xmlns:p="http://schemas.openxmlformats.org/presentationml/2006/main">
+  <p:cSld>
+    <p:spTree>
+      <p:nvGrpSpPr>
+        <p:cNvPr id="1" name=""/>
+        <p:cNvGrpSpPr/>
+        <p:nvPr/>
+      </p:nvGrpSpPr>
+      <p:grpSpPr>
+        <a:xfrm>
+          <a:off x="0" y="0"/>
+          <a:ext cx="0" cy="0"/>
+          <a:chOff x="0" y="0"/>
+          <a:chExt cx="0" cy="0"/>
+        </a:xfrm>
+      </p:grpSpPr>
+      <p:sp>
+        <p:nvSpPr>
+          <p:cNvPr id="2" name="Slide Image Placeholder 1"/>
+          <p:cNvSpPr>
+            <a:spLocks noGrp="1" noRot="1" noChangeAspect="1"/>
+          </p:cNvSpPr>
+          <p:nvPr>
+            <p:ph type="sldImg"/>
+          </p:nvPr>
+        </p:nvSpPr>
+        <p:spPr/>
+      </p:sp>
+      <p:sp>
+        <p:nvSpPr>
+          <p:cNvPr id="3" name="Notes Placeholder 2"/>
+          <p:cNvSpPr>
+            <a:spLocks noGrp="1"/>
+          </p:cNvSpPr>
+          <p:nvPr>
+            <p:ph type="body" idx="1"/>
+          </p:nvPr>
+        </p:nvSpPr>
+        <p:spPr/>
+        <p:txBody>
+          <a:bodyPr/>
+          <a:lstStyle/>
+          <a:p>
+            <a:r>
+              <a:rPr lang="en-US" sz="1200" b="1" i="0" kern="1200" dirty="0" smtClean="0">
+                <a:solidFill>
+                  <a:schemeClr val="tx1"/>
+                </a:solidFill>
+                <a:effectLst/>
+                <a:latin typeface="Arial" charset="0"/>
+                <a:ea typeface="+mn-ea"/>
+                <a:cs typeface="+mn-cs"/>
+              </a:rPr>
+              <a:t>Answer:</a:t>
+            </a:r>
+            <a:r>
+              <a:rPr lang="en-US" sz="1200" b="0" i="0" kern="1200" dirty="0" smtClean="0">
+                <a:solidFill>
+                  <a:schemeClr val="tx1"/>
+                </a:solidFill>
+                <a:effectLst/>
+                <a:latin typeface="Arial" charset="0"/>
+                <a:ea typeface="+mn-ea"/>
+                <a:cs typeface="+mn-cs"/>
+              </a:rPr>
+              <a:t> Option </a:t>
+            </a:r>
+            <a:r>
+              <a:rPr lang="en-US" sz="1200" b="1" i="0" kern="1200" dirty="0" smtClean="0">
+                <a:solidFill>
+                  <a:schemeClr val="tx1"/>
+                </a:solidFill>
+                <a:effectLst/>
+                <a:latin typeface="Arial" charset="0"/>
+                <a:ea typeface="+mn-ea"/>
+                <a:cs typeface="+mn-cs"/>
+              </a:rPr>
+              <a:t>C</a:t>
+            </a:r>
+            <a:endParaRPr lang="en-US" sz="1200" b="0" i="0" kern="1200" dirty="0" smtClean="0">
+              <a:solidFill>
+                <a:schemeClr val="tx1"/>
+              </a:solidFill>
+              <a:effectLst/>
+              <a:latin typeface="Arial" charset="0"/>
+              <a:ea typeface="+mn-ea"/>
+              <a:cs typeface="+mn-cs"/>
+            </a:endParaRPr>
+          </a:p>
+          <a:p>
+            <a:r>
+              <a:rPr lang="en-US" sz="1200" b="1" i="0" kern="1200" dirty="0" smtClean="0">
+                <a:solidFill>
+                  <a:schemeClr val="tx1"/>
+                </a:solidFill>
+                <a:effectLst/>
+                <a:latin typeface="Arial" charset="0"/>
+                <a:ea typeface="+mn-ea"/>
+                <a:cs typeface="+mn-cs"/>
+              </a:rPr>
+              <a:t>Explanation:</a:t>
+            </a:r>
+            <a:endParaRPr lang="en-US" sz="1200" b="0" i="0" kern="1200" dirty="0" smtClean="0">
+              <a:solidFill>
+                <a:schemeClr val="tx1"/>
+              </a:solidFill>
+              <a:effectLst/>
+              <a:latin typeface="Arial" charset="0"/>
+              <a:ea typeface="+mn-ea"/>
+              <a:cs typeface="+mn-cs"/>
+            </a:endParaRPr>
+          </a:p>
+          <a:p>
+            <a:r>
+              <a:rPr lang="en-US" sz="1200" b="0" i="0" kern="1200" dirty="0" smtClean="0">
+                <a:solidFill>
+                  <a:schemeClr val="tx1"/>
+                </a:solidFill>
+                <a:effectLst/>
+                <a:latin typeface="Arial" charset="0"/>
+                <a:ea typeface="+mn-ea"/>
+                <a:cs typeface="+mn-cs"/>
+              </a:rPr>
+              <a:t>A Run time exception is thrown and caught in the catch statement on line 10. All the code after the finally statement is run because the exception has been caught.</a:t>
+            </a:r>
+          </a:p>
+          <a:p>
+            <a:endParaRPr lang="en-US" dirty="0"/>
+          </a:p>
+        </p:txBody>
+      </p:sp>
+      <p:sp>
+        <p:nvSpPr>
+          <p:cNvPr id="4" name="Header Placeholder 3"/>
+          <p:cNvSpPr>
+            <a:spLocks noGrp="1"/>
+          </p:cNvSpPr>
+          <p:nvPr>
+            <p:ph type="hdr" sz="quarter" idx="10"/>
+          </p:nvPr>
+        </p:nvSpPr>
+        <p:spPr/>
+        <p:txBody>
+          <a:bodyPr/>
+          <a:lstStyle/>
+          <a:p>
+            <a:pPr>
+              <a:defRPr/>
+            </a:pPr>
+            <a:r>
+              <a:rPr lang="it-IT" smtClean="0"/>
+              <a:t>Modulo n - U.D. n - Lez. n</a:t>
+            </a:r>
+            <a:endParaRPr lang="it-IT"/>
+          </a:p>
+        </p:txBody>
+      </p:sp>
+      <p:sp>
+        <p:nvSpPr>
+          <p:cNvPr id="5" name="Footer Placeholder 4"/>
+          <p:cNvSpPr>
+            <a:spLocks noGrp="1"/>
+          </p:cNvSpPr>
+          <p:nvPr>
+            <p:ph type="ftr" sz="quarter" idx="11"/>
+          </p:nvPr>
+        </p:nvSpPr>
+        <p:spPr/>
+        <p:txBody>
+          <a:bodyPr/>
+          <a:lstStyle/>
+          <a:p>
+            <a:pPr>
+              <a:defRPr/>
+            </a:pPr>
+            <a:r>
+              <a:rPr lang="it-IT" smtClean="0"/>
+              <a:t>Chiara Braghin – Sicurezza nei sistemi Web e Mobile</a:t>
+            </a:r>
+            <a:endParaRPr lang="it-IT"/>
+          </a:p>
+        </p:txBody>
+      </p:sp>
+      <p:sp>
+        <p:nvSpPr>
+          <p:cNvPr id="6" name="Slide Number Placeholder 5"/>
+          <p:cNvSpPr>
+            <a:spLocks noGrp="1"/>
+          </p:cNvSpPr>
+          <p:nvPr>
+            <p:ph type="sldNum" sz="quarter" idx="12"/>
+          </p:nvPr>
+        </p:nvSpPr>
+        <p:spPr/>
+        <p:txBody>
+          <a:bodyPr/>
+          <a:lstStyle/>
+          <a:p>
+            <a:fld id="{E011B15E-5A40-4FE6-AD9B-CDBDA3C4F2C5}" type="slidenum">
+              <a:rPr lang="it-IT" altLang="it-IT" smtClean="0"/>
+              <a:pPr/>
+              <a:t>7</a:t>
+            </a:fld>
+            <a:endParaRPr lang="it-IT" altLang="it-IT"/>
+          </a:p>
+        </p:txBody>
+      </p:sp>
+    </p:spTree>
+    <p:extLst>
+      <p:ext uri="{BB962C8B-B14F-4D97-AF65-F5344CB8AC3E}">
+        <p14:creationId xmlns:p14="http://schemas.microsoft.com/office/powerpoint/2010/main" val="672682298"/>
       </p:ext>
     </p:extLst>
   </p:cSld>
@@ -7382,7 +8331,7 @@
             </a:r>
             <a:r>
               <a:rPr lang="it-IT" altLang="it-IT" sz="3200" dirty="0" smtClean="0"/>
-              <a:t>14</a:t>
+              <a:t>14 - EX</a:t>
             </a:r>
             <a:endParaRPr lang="it-IT" altLang="it-IT" sz="3200" dirty="0" smtClean="0"/>
           </a:p>
@@ -7893,6 +8842,18 @@
                 <a:latin typeface="Verdana" pitchFamily="34" charset="0"/>
               </a:rPr>
               <a:t>Exceptions</a:t>
+            </a:r>
+            <a:r>
+              <a:rPr lang="it-IT" altLang="it-IT" sz="2400" dirty="0" smtClean="0">
+                <a:latin typeface="Verdana" pitchFamily="34" charset="0"/>
+              </a:rPr>
+              <a:t> - </a:t>
+            </a:r>
+            <a:r>
+              <a:rPr lang="it-IT" altLang="it-IT" sz="2400" smtClean="0">
+                <a:latin typeface="Verdana" pitchFamily="34" charset="0"/>
+              </a:rPr>
+              <a:t>exercises</a:t>
             </a:r>
             <a:endParaRPr lang="it-IT" altLang="it-IT" sz="2400" dirty="0" smtClean="0">
               <a:latin typeface="Verdana" pitchFamily="34" charset="0"/>
@@ -8386,6 +9347,1615 @@
         </p:txBody>
       </p:sp>
     </p:spTree>
+  </p:cSld>
+  <p:clrMapOvr>
+    <a:masterClrMapping/>
+  </p:clrMapOvr>
+  <p:timing>
+    <p:tnLst>
+      <p:par>
+        <p:cTn id="1" dur="indefinite" restart="never" nodeType="tmRoot"/>
+      </p:par>
+    </p:tnLst>
+  </p:timing>
+</p:sld>
+</file>
+
+<file path=ppt/slides/slide10.xml><?xml version="1.0" encoding="utf-8"?>
+<p:sld xmlns:a="http://schemas.openxmlformats.org/drawingml/2006/main" xmlns:r="http://schemas.openxmlformats.org/officeDocument/2006/relationships" xmlns:p="http://schemas.openxmlformats.org/presentationml/2006/main">
+  <p:cSld>
+    <p:spTree>
+      <p:nvGrpSpPr>
+        <p:cNvPr id="1" name=""/>
+        <p:cNvGrpSpPr/>
+        <p:nvPr/>
+      </p:nvGrpSpPr>
+      <p:grpSpPr>
+        <a:xfrm>
+          <a:off x="0" y="0"/>
+          <a:ext cx="0" cy="0"/>
+          <a:chOff x="0" y="0"/>
+          <a:chExt cx="0" cy="0"/>
+        </a:xfrm>
+      </p:grpSpPr>
+      <p:sp>
+        <p:nvSpPr>
+          <p:cNvPr id="4098" name="Rectangle 2"/>
+          <p:cNvSpPr>
+            <a:spLocks noGrp="1" noChangeArrowheads="1"/>
+          </p:cNvSpPr>
+          <p:nvPr>
+            <p:ph type="title"/>
+          </p:nvPr>
+        </p:nvSpPr>
+        <p:spPr/>
+        <p:txBody>
+          <a:bodyPr/>
+          <a:lstStyle/>
+          <a:p>
+            <a:r>
+              <a:rPr lang="it-IT" altLang="it-IT" dirty="0" err="1" smtClean="0"/>
+              <a:t>Exception</a:t>
+            </a:r>
+            <a:r>
+              <a:rPr lang="it-IT" altLang="it-IT" dirty="0" smtClean="0"/>
+              <a:t/>
+            </a:r>
+            <a:br>
+              <a:rPr lang="it-IT" altLang="it-IT" dirty="0" smtClean="0"/>
+            </a:br>
+            <a:endParaRPr lang="it-IT" altLang="it-IT" dirty="0" smtClean="0"/>
+          </a:p>
+        </p:txBody>
+      </p:sp>
+      <p:sp>
+        <p:nvSpPr>
+          <p:cNvPr id="4" name="Rectangle 1"/>
+          <p:cNvSpPr>
+            <a:spLocks noChangeArrowheads="1"/>
+          </p:cNvSpPr>
+          <p:nvPr/>
+        </p:nvSpPr>
+        <p:spPr bwMode="auto">
+          <a:xfrm>
+            <a:off x="900239" y="1556953"/>
+            <a:ext cx="9144000" cy="0"/>
+          </a:xfrm>
+          <a:prstGeom prst="rect">
+            <a:avLst/>
+          </a:prstGeom>
+          <a:noFill/>
+          <a:ln>
+            <a:noFill/>
+          </a:ln>
+          <a:effectLst/>
+          <a:extLst>
+            <a:ext uri="{909E8E84-426E-40DD-AFC4-6F175D3DCCD1}">
+              <a14:hiddenFill xmlns:a14="http://schemas.microsoft.com/office/drawing/2010/main">
+                <a:solidFill>
+                  <a:schemeClr val="accent1"/>
+                </a:solidFill>
+              </a14:hiddenFill>
+            </a:ext>
+            <a:ext uri="{91240B29-F687-4F45-9708-019B960494DF}">
+              <a14:hiddenLine xmlns:a14="http://schemas.microsoft.com/office/drawing/2010/main" w="9525">
+                <a:solidFill>
+                  <a:schemeClr val="tx1"/>
+                </a:solidFill>
+                <a:miter lim="800000"/>
+                <a:headEnd/>
+                <a:tailEnd/>
+              </a14:hiddenLine>
+            </a:ext>
+            <a:ext uri="{AF507438-7753-43E0-B8FC-AC1667EBCBE1}">
+              <a14:hiddenEffects xmlns:a14="http://schemas.microsoft.com/office/drawing/2010/main">
+                <a:effectLst>
+                  <a:outerShdw blurRad="63500" dist="38099" dir="2700000" algn="ctr" rotWithShape="0">
+                    <a:schemeClr val="bg2">
+                      <a:alpha val="74998"/>
+                    </a:schemeClr>
+                  </a:outerShdw>
+                </a:effectLst>
+              </a14:hiddenEffects>
+            </a:ext>
+          </a:extLst>
+        </p:spPr>
+        <p:txBody>
+          <a:bodyPr vert="horz" wrap="none" lIns="91440" tIns="45720" rIns="91440" bIns="45720" numCol="1" anchor="ctr" anchorCtr="0" compatLnSpc="1">
+            <a:prstTxWarp prst="textNoShape">
+              <a:avLst/>
+            </a:prstTxWarp>
+            <a:spAutoFit/>
+          </a:bodyPr>
+          <a:lstStyle/>
+          <a:p>
+            <a:pPr marL="0" marR="0" lvl="0" indent="0" algn="l" defTabSz="914400" rtl="0" eaLnBrk="0" fontAlgn="base" latinLnBrk="0" hangingPunct="0">
+              <a:lnSpc>
+                <a:spcPct val="100000"/>
+              </a:lnSpc>
+              <a:spcBef>
+                <a:spcPct val="0"/>
+              </a:spcBef>
+              <a:spcAft>
+                <a:spcPct val="0"/>
+              </a:spcAft>
+              <a:buClrTx/>
+              <a:buSzTx/>
+              <a:buFontTx/>
+              <a:buNone/>
+              <a:tabLst/>
+            </a:pPr>
+            <a:r>
+              <a:rPr kumimoji="0" lang="en-US" altLang="en-US" sz="1800" b="0" i="0" u="none" strike="noStrike" cap="none" normalizeH="0" baseline="0">
+                <a:ln>
+                  <a:noFill/>
+                </a:ln>
+                <a:solidFill>
+                  <a:schemeClr val="tx1"/>
+                </a:solidFill>
+                <a:effectLst/>
+                <a:latin typeface="Arial" charset="0"/>
+              </a:rPr>
+              <a:t/>
+            </a:r>
+            <a:br>
+              <a:rPr kumimoji="0" lang="en-US" altLang="en-US" sz="1800" b="0" i="0" u="none" strike="noStrike" cap="none" normalizeH="0" baseline="0">
+                <a:ln>
+                  <a:noFill/>
+                </a:ln>
+                <a:solidFill>
+                  <a:schemeClr val="tx1"/>
+                </a:solidFill>
+                <a:effectLst/>
+                <a:latin typeface="Arial" charset="0"/>
+              </a:rPr>
+            </a:br>
+            <a:endParaRPr kumimoji="0" lang="en-US" altLang="en-US" sz="1800" b="0" i="0" u="none" strike="noStrike" cap="none" normalizeH="0" baseline="0">
+              <a:ln>
+                <a:noFill/>
+              </a:ln>
+              <a:solidFill>
+                <a:schemeClr val="tx1"/>
+              </a:solidFill>
+              <a:effectLst/>
+              <a:latin typeface="Arial" charset="0"/>
+            </a:endParaRPr>
+          </a:p>
+        </p:txBody>
+      </p:sp>
+      <p:sp>
+        <p:nvSpPr>
+          <p:cNvPr id="9" name="Rectangle 8"/>
+          <p:cNvSpPr/>
+          <p:nvPr/>
+        </p:nvSpPr>
+        <p:spPr>
+          <a:xfrm>
+            <a:off x="457200" y="692696"/>
+            <a:ext cx="7174632" cy="3139321"/>
+          </a:xfrm>
+          <a:prstGeom prst="rect">
+            <a:avLst/>
+          </a:prstGeom>
+        </p:spPr>
+        <p:txBody>
+          <a:bodyPr wrap="square">
+            <a:spAutoFit/>
+          </a:bodyPr>
+          <a:lstStyle/>
+          <a:p>
+            <a:r>
+              <a:rPr lang="en-US" dirty="0"/>
+              <a:t> Match each situation in the first list with an item in the second </a:t>
+            </a:r>
+            <a:r>
+              <a:rPr lang="en-US" dirty="0" smtClean="0"/>
+              <a:t>list.</a:t>
+            </a:r>
+          </a:p>
+          <a:p>
+            <a:r>
+              <a:rPr lang="en-US" dirty="0"/>
+              <a:t>	</a:t>
+            </a:r>
+            <a:endParaRPr lang="en-US" dirty="0"/>
+          </a:p>
+          <a:p>
+            <a:pPr marL="342900" indent="-342900">
+              <a:buFont typeface="+mj-lt"/>
+              <a:buAutoNum type="arabicPeriod"/>
+            </a:pPr>
+            <a:r>
+              <a:rPr lang="pt-BR" dirty="0" err="1"/>
+              <a:t>int</a:t>
+            </a:r>
+            <a:r>
+              <a:rPr lang="pt-BR" dirty="0"/>
+              <a:t>[] A; +A[0] = 0;</a:t>
+            </a:r>
+          </a:p>
+          <a:p>
+            <a:pPr marL="342900" indent="-342900">
+              <a:buFont typeface="+mj-lt"/>
+              <a:buAutoNum type="arabicPeriod"/>
+            </a:pPr>
+            <a:r>
+              <a:rPr lang="pt-BR" dirty="0"/>
+              <a:t>The JVM starts </a:t>
+            </a:r>
+            <a:r>
+              <a:rPr lang="pt-BR" dirty="0" err="1"/>
+              <a:t>running</a:t>
+            </a:r>
+            <a:r>
+              <a:rPr lang="pt-BR" dirty="0"/>
+              <a:t> </a:t>
+            </a:r>
+            <a:r>
+              <a:rPr lang="pt-BR" dirty="0" err="1"/>
+              <a:t>your</a:t>
+            </a:r>
+            <a:r>
+              <a:rPr lang="pt-BR" dirty="0"/>
+              <a:t> </a:t>
+            </a:r>
+            <a:r>
+              <a:rPr lang="pt-BR" dirty="0" err="1"/>
+              <a:t>program</a:t>
+            </a:r>
+            <a:r>
+              <a:rPr lang="pt-BR" dirty="0"/>
+              <a:t>, </a:t>
+            </a:r>
+            <a:r>
+              <a:rPr lang="pt-BR" dirty="0" err="1"/>
+              <a:t>but</a:t>
+            </a:r>
+            <a:r>
+              <a:rPr lang="pt-BR" dirty="0"/>
+              <a:t> </a:t>
+            </a:r>
+            <a:r>
+              <a:rPr lang="pt-BR" dirty="0" err="1"/>
+              <a:t>the</a:t>
+            </a:r>
+            <a:r>
+              <a:rPr lang="pt-BR" dirty="0"/>
+              <a:t> JVM </a:t>
+            </a:r>
+            <a:r>
+              <a:rPr lang="pt-BR" dirty="0" err="1"/>
+              <a:t>can't</a:t>
+            </a:r>
+            <a:r>
+              <a:rPr lang="pt-BR" dirty="0"/>
+              <a:t> </a:t>
+            </a:r>
+            <a:r>
+              <a:rPr lang="pt-BR" dirty="0" err="1"/>
+              <a:t>find</a:t>
+            </a:r>
+            <a:r>
+              <a:rPr lang="pt-BR" dirty="0"/>
+              <a:t> </a:t>
+            </a:r>
+            <a:r>
+              <a:rPr lang="pt-BR" dirty="0" err="1"/>
+              <a:t>the</a:t>
+            </a:r>
+            <a:r>
+              <a:rPr lang="pt-BR" dirty="0"/>
+              <a:t> Java </a:t>
+            </a:r>
+            <a:r>
+              <a:rPr lang="pt-BR" dirty="0" err="1"/>
+              <a:t>platform</a:t>
+            </a:r>
+            <a:r>
+              <a:rPr lang="pt-BR" dirty="0"/>
+              <a:t> classes. (The Java </a:t>
+            </a:r>
+            <a:r>
+              <a:rPr lang="pt-BR" dirty="0" err="1"/>
+              <a:t>platform</a:t>
+            </a:r>
+            <a:r>
+              <a:rPr lang="pt-BR" dirty="0"/>
+              <a:t> classes reside in </a:t>
+            </a:r>
+            <a:r>
+              <a:rPr lang="pt-BR" dirty="0" err="1"/>
+              <a:t>classes.zip</a:t>
+            </a:r>
+            <a:r>
+              <a:rPr lang="pt-BR" dirty="0"/>
+              <a:t> </a:t>
+            </a:r>
+            <a:r>
+              <a:rPr lang="pt-BR" dirty="0" err="1"/>
+              <a:t>or</a:t>
+            </a:r>
+            <a:r>
+              <a:rPr lang="pt-BR" dirty="0"/>
+              <a:t> </a:t>
+            </a:r>
+            <a:r>
+              <a:rPr lang="pt-BR" dirty="0" err="1"/>
+              <a:t>rt.jar</a:t>
+            </a:r>
+            <a:r>
+              <a:rPr lang="pt-BR" dirty="0"/>
+              <a:t>.)</a:t>
+            </a:r>
+          </a:p>
+          <a:p>
+            <a:pPr marL="342900" indent="-342900">
+              <a:buFont typeface="+mj-lt"/>
+              <a:buAutoNum type="arabicPeriod"/>
+            </a:pPr>
+            <a:r>
+              <a:rPr lang="pt-BR" dirty="0"/>
+              <a:t>A </a:t>
+            </a:r>
+            <a:r>
+              <a:rPr lang="pt-BR" dirty="0" err="1"/>
+              <a:t>program</a:t>
+            </a:r>
+            <a:r>
+              <a:rPr lang="pt-BR" dirty="0"/>
+              <a:t> </a:t>
+            </a:r>
+            <a:r>
+              <a:rPr lang="pt-BR" dirty="0" err="1"/>
+              <a:t>is</a:t>
+            </a:r>
+            <a:r>
+              <a:rPr lang="pt-BR" dirty="0"/>
+              <a:t> </a:t>
+            </a:r>
+            <a:r>
+              <a:rPr lang="pt-BR" dirty="0" err="1"/>
+              <a:t>reading</a:t>
+            </a:r>
+            <a:r>
+              <a:rPr lang="pt-BR" dirty="0"/>
+              <a:t> a </a:t>
+            </a:r>
+            <a:r>
+              <a:rPr lang="pt-BR" dirty="0" err="1"/>
+              <a:t>stream</a:t>
+            </a:r>
+            <a:r>
+              <a:rPr lang="pt-BR" dirty="0"/>
+              <a:t> </a:t>
+            </a:r>
+            <a:r>
+              <a:rPr lang="pt-BR" dirty="0" err="1"/>
+              <a:t>and</a:t>
+            </a:r>
+            <a:r>
+              <a:rPr lang="pt-BR" dirty="0"/>
+              <a:t> </a:t>
+            </a:r>
+            <a:r>
+              <a:rPr lang="pt-BR" dirty="0" err="1"/>
+              <a:t>reaches</a:t>
+            </a:r>
+            <a:r>
+              <a:rPr lang="pt-BR" dirty="0"/>
+              <a:t> </a:t>
+            </a:r>
+            <a:r>
+              <a:rPr lang="pt-BR" dirty="0" err="1"/>
+              <a:t>the</a:t>
+            </a:r>
+            <a:r>
+              <a:rPr lang="pt-BR" dirty="0"/>
+              <a:t> </a:t>
+            </a:r>
+            <a:r>
+              <a:rPr lang="pt-BR" dirty="0" err="1"/>
+              <a:t>end</a:t>
+            </a:r>
+            <a:r>
+              <a:rPr lang="pt-BR" dirty="0"/>
+              <a:t> </a:t>
+            </a:r>
+            <a:r>
+              <a:rPr lang="pt-BR" dirty="0" err="1"/>
+              <a:t>of</a:t>
+            </a:r>
+            <a:r>
+              <a:rPr lang="pt-BR" dirty="0"/>
+              <a:t> </a:t>
+            </a:r>
+            <a:r>
+              <a:rPr lang="pt-BR" dirty="0" err="1"/>
+              <a:t>stream</a:t>
+            </a:r>
+            <a:r>
+              <a:rPr lang="pt-BR" dirty="0"/>
+              <a:t> </a:t>
+            </a:r>
+            <a:r>
+              <a:rPr lang="pt-BR" dirty="0" err="1"/>
+              <a:t>marker</a:t>
+            </a:r>
+            <a:r>
+              <a:rPr lang="pt-BR" dirty="0"/>
+              <a:t>.</a:t>
+            </a:r>
+          </a:p>
+          <a:p>
+            <a:pPr marL="342900" indent="-342900">
+              <a:buFont typeface="+mj-lt"/>
+              <a:buAutoNum type="arabicPeriod"/>
+            </a:pPr>
+            <a:r>
+              <a:rPr lang="pt-BR" dirty="0" err="1"/>
+              <a:t>Before</a:t>
+            </a:r>
+            <a:r>
+              <a:rPr lang="pt-BR" dirty="0"/>
+              <a:t> </a:t>
+            </a:r>
+            <a:r>
+              <a:rPr lang="pt-BR" dirty="0" err="1"/>
+              <a:t>closing</a:t>
+            </a:r>
+            <a:r>
+              <a:rPr lang="pt-BR" dirty="0"/>
+              <a:t> </a:t>
+            </a:r>
+            <a:r>
+              <a:rPr lang="pt-BR" dirty="0" err="1"/>
+              <a:t>the</a:t>
+            </a:r>
+            <a:r>
+              <a:rPr lang="pt-BR" dirty="0"/>
+              <a:t> </a:t>
+            </a:r>
+            <a:r>
+              <a:rPr lang="pt-BR" dirty="0" err="1"/>
+              <a:t>stream</a:t>
+            </a:r>
+            <a:r>
+              <a:rPr lang="pt-BR" dirty="0"/>
+              <a:t> </a:t>
+            </a:r>
+            <a:r>
+              <a:rPr lang="pt-BR" dirty="0" err="1"/>
+              <a:t>and</a:t>
+            </a:r>
+            <a:r>
+              <a:rPr lang="pt-BR" dirty="0"/>
+              <a:t> </a:t>
+            </a:r>
+            <a:r>
+              <a:rPr lang="pt-BR" dirty="0" err="1"/>
+              <a:t>after</a:t>
+            </a:r>
+            <a:r>
+              <a:rPr lang="pt-BR" dirty="0"/>
+              <a:t> </a:t>
+            </a:r>
+            <a:r>
+              <a:rPr lang="pt-BR" dirty="0" err="1"/>
+              <a:t>reaching</a:t>
+            </a:r>
+            <a:r>
+              <a:rPr lang="pt-BR" dirty="0"/>
+              <a:t> </a:t>
+            </a:r>
+            <a:r>
+              <a:rPr lang="pt-BR" dirty="0" err="1"/>
+              <a:t>the</a:t>
+            </a:r>
+            <a:r>
+              <a:rPr lang="pt-BR" dirty="0"/>
+              <a:t> </a:t>
+            </a:r>
+            <a:r>
+              <a:rPr lang="pt-BR" dirty="0" err="1"/>
+              <a:t>end</a:t>
+            </a:r>
+            <a:r>
+              <a:rPr lang="pt-BR" dirty="0"/>
+              <a:t> </a:t>
+            </a:r>
+            <a:r>
+              <a:rPr lang="pt-BR" dirty="0" err="1"/>
+              <a:t>of</a:t>
+            </a:r>
+            <a:r>
+              <a:rPr lang="pt-BR" dirty="0"/>
+              <a:t> </a:t>
+            </a:r>
+            <a:r>
+              <a:rPr lang="pt-BR" dirty="0" err="1"/>
+              <a:t>stream</a:t>
+            </a:r>
+            <a:r>
+              <a:rPr lang="pt-BR" dirty="0"/>
+              <a:t> </a:t>
+            </a:r>
+            <a:r>
+              <a:rPr lang="pt-BR" dirty="0" err="1"/>
+              <a:t>marker</a:t>
+            </a:r>
+            <a:r>
+              <a:rPr lang="pt-BR" dirty="0"/>
+              <a:t>, a </a:t>
+            </a:r>
+            <a:r>
+              <a:rPr lang="pt-BR" dirty="0" err="1"/>
+              <a:t>program</a:t>
+            </a:r>
+            <a:r>
+              <a:rPr lang="pt-BR" dirty="0"/>
+              <a:t> tries </a:t>
+            </a:r>
+            <a:r>
+              <a:rPr lang="pt-BR" dirty="0" err="1"/>
+              <a:t>to</a:t>
+            </a:r>
+            <a:r>
+              <a:rPr lang="pt-BR" dirty="0"/>
+              <a:t> </a:t>
+            </a:r>
+            <a:r>
+              <a:rPr lang="pt-BR" dirty="0" err="1"/>
+              <a:t>read</a:t>
+            </a:r>
+            <a:r>
+              <a:rPr lang="pt-BR" dirty="0"/>
+              <a:t> </a:t>
+            </a:r>
+            <a:r>
+              <a:rPr lang="pt-BR" dirty="0" err="1"/>
+              <a:t>the</a:t>
+            </a:r>
+            <a:r>
+              <a:rPr lang="pt-BR" dirty="0"/>
+              <a:t> </a:t>
+            </a:r>
+            <a:r>
+              <a:rPr lang="pt-BR" dirty="0" err="1"/>
+              <a:t>stream</a:t>
+            </a:r>
+            <a:r>
+              <a:rPr lang="pt-BR" dirty="0"/>
+              <a:t> </a:t>
+            </a:r>
+            <a:r>
+              <a:rPr lang="pt-BR" dirty="0" err="1"/>
+              <a:t>again</a:t>
+            </a:r>
+            <a:r>
+              <a:rPr lang="pt-BR" dirty="0" smtClean="0"/>
+              <a:t>.</a:t>
+            </a:r>
+          </a:p>
+          <a:p>
+            <a:endParaRPr lang="de-DE" dirty="0"/>
+          </a:p>
+        </p:txBody>
+      </p:sp>
+      <p:sp>
+        <p:nvSpPr>
+          <p:cNvPr id="2" name="Rectangle 1"/>
+          <p:cNvSpPr/>
+          <p:nvPr/>
+        </p:nvSpPr>
+        <p:spPr>
+          <a:xfrm>
+            <a:off x="457200" y="3813693"/>
+            <a:ext cx="4572000" cy="1477328"/>
+          </a:xfrm>
+          <a:prstGeom prst="rect">
+            <a:avLst/>
+          </a:prstGeom>
+        </p:spPr>
+        <p:txBody>
+          <a:bodyPr>
+            <a:spAutoFit/>
+          </a:bodyPr>
+          <a:lstStyle/>
+          <a:p>
+            <a:pPr marL="342900" indent="-342900">
+              <a:buFont typeface="+mj-lt"/>
+              <a:buAutoNum type="alphaLcParenR"/>
+            </a:pPr>
+            <a:endParaRPr lang="pt-BR" dirty="0"/>
+          </a:p>
+          <a:p>
+            <a:pPr marL="342900" indent="-342900">
+              <a:buFont typeface="+mj-lt"/>
+              <a:buAutoNum type="alphaLcParenR"/>
+            </a:pPr>
+            <a:r>
+              <a:rPr lang="pt-BR" dirty="0"/>
+              <a:t>__</a:t>
+            </a:r>
+            <a:r>
+              <a:rPr lang="pt-BR" dirty="0" err="1"/>
+              <a:t>error</a:t>
+            </a:r>
+            <a:endParaRPr lang="pt-BR" dirty="0"/>
+          </a:p>
+          <a:p>
+            <a:pPr marL="342900" indent="-342900">
+              <a:buFont typeface="+mj-lt"/>
+              <a:buAutoNum type="alphaLcParenR"/>
+            </a:pPr>
+            <a:r>
+              <a:rPr lang="pt-BR" dirty="0"/>
+              <a:t>__</a:t>
+            </a:r>
+            <a:r>
+              <a:rPr lang="pt-BR" dirty="0" err="1"/>
+              <a:t>checked</a:t>
+            </a:r>
+            <a:r>
+              <a:rPr lang="pt-BR" dirty="0"/>
+              <a:t> </a:t>
+            </a:r>
+            <a:r>
+              <a:rPr lang="pt-BR" dirty="0" err="1"/>
+              <a:t>exception</a:t>
+            </a:r>
+            <a:endParaRPr lang="pt-BR" dirty="0"/>
+          </a:p>
+          <a:p>
+            <a:pPr marL="342900" indent="-342900">
+              <a:buFont typeface="+mj-lt"/>
+              <a:buAutoNum type="alphaLcParenR"/>
+            </a:pPr>
+            <a:r>
+              <a:rPr lang="pt-BR" dirty="0"/>
+              <a:t>__compile </a:t>
+            </a:r>
+            <a:r>
+              <a:rPr lang="pt-BR" dirty="0" err="1"/>
+              <a:t>error</a:t>
+            </a:r>
+            <a:endParaRPr lang="pt-BR" dirty="0"/>
+          </a:p>
+          <a:p>
+            <a:pPr marL="342900" indent="-342900">
+              <a:buFont typeface="+mj-lt"/>
+              <a:buAutoNum type="alphaLcParenR"/>
+            </a:pPr>
+            <a:r>
+              <a:rPr lang="pt-BR" dirty="0"/>
+              <a:t>__no </a:t>
+            </a:r>
+            <a:r>
+              <a:rPr lang="pt-BR" dirty="0" err="1"/>
+              <a:t>exception</a:t>
+            </a:r>
+            <a:endParaRPr lang="pt-BR" dirty="0"/>
+          </a:p>
+        </p:txBody>
+      </p:sp>
+    </p:spTree>
+    <p:extLst>
+      <p:ext uri="{BB962C8B-B14F-4D97-AF65-F5344CB8AC3E}">
+        <p14:creationId xmlns:p14="http://schemas.microsoft.com/office/powerpoint/2010/main" val="448895458"/>
+      </p:ext>
+    </p:extLst>
+  </p:cSld>
+  <p:clrMapOvr>
+    <a:masterClrMapping/>
+  </p:clrMapOvr>
+  <p:timing>
+    <p:tnLst>
+      <p:par>
+        <p:cTn id="1" dur="indefinite" restart="never" nodeType="tmRoot"/>
+      </p:par>
+    </p:tnLst>
+  </p:timing>
+</p:sld>
+</file>
+
+<file path=ppt/slides/slide11.xml><?xml version="1.0" encoding="utf-8"?>
+<p:sld xmlns:a="http://schemas.openxmlformats.org/drawingml/2006/main" xmlns:r="http://schemas.openxmlformats.org/officeDocument/2006/relationships" xmlns:p="http://schemas.openxmlformats.org/presentationml/2006/main">
+  <p:cSld>
+    <p:spTree>
+      <p:nvGrpSpPr>
+        <p:cNvPr id="1" name=""/>
+        <p:cNvGrpSpPr/>
+        <p:nvPr/>
+      </p:nvGrpSpPr>
+      <p:grpSpPr>
+        <a:xfrm>
+          <a:off x="0" y="0"/>
+          <a:ext cx="0" cy="0"/>
+          <a:chOff x="0" y="0"/>
+          <a:chExt cx="0" cy="0"/>
+        </a:xfrm>
+      </p:grpSpPr>
+      <p:sp>
+        <p:nvSpPr>
+          <p:cNvPr id="4098" name="Rectangle 2"/>
+          <p:cNvSpPr>
+            <a:spLocks noGrp="1" noChangeArrowheads="1"/>
+          </p:cNvSpPr>
+          <p:nvPr>
+            <p:ph type="title"/>
+          </p:nvPr>
+        </p:nvSpPr>
+        <p:spPr/>
+        <p:txBody>
+          <a:bodyPr/>
+          <a:lstStyle/>
+          <a:p>
+            <a:r>
+              <a:rPr lang="it-IT" altLang="it-IT" dirty="0" err="1" smtClean="0"/>
+              <a:t>Exception</a:t>
+            </a:r>
+            <a:r>
+              <a:rPr lang="it-IT" altLang="it-IT" dirty="0" smtClean="0"/>
+              <a:t/>
+            </a:r>
+            <a:br>
+              <a:rPr lang="it-IT" altLang="it-IT" dirty="0" smtClean="0"/>
+            </a:br>
+            <a:endParaRPr lang="it-IT" altLang="it-IT" dirty="0" smtClean="0"/>
+          </a:p>
+        </p:txBody>
+      </p:sp>
+      <p:sp>
+        <p:nvSpPr>
+          <p:cNvPr id="4" name="Rectangle 1"/>
+          <p:cNvSpPr>
+            <a:spLocks noChangeArrowheads="1"/>
+          </p:cNvSpPr>
+          <p:nvPr/>
+        </p:nvSpPr>
+        <p:spPr bwMode="auto">
+          <a:xfrm>
+            <a:off x="900239" y="1556953"/>
+            <a:ext cx="9144000" cy="0"/>
+          </a:xfrm>
+          <a:prstGeom prst="rect">
+            <a:avLst/>
+          </a:prstGeom>
+          <a:noFill/>
+          <a:ln>
+            <a:noFill/>
+          </a:ln>
+          <a:effectLst/>
+          <a:extLst>
+            <a:ext uri="{909E8E84-426E-40DD-AFC4-6F175D3DCCD1}">
+              <a14:hiddenFill xmlns:a14="http://schemas.microsoft.com/office/drawing/2010/main">
+                <a:solidFill>
+                  <a:schemeClr val="accent1"/>
+                </a:solidFill>
+              </a14:hiddenFill>
+            </a:ext>
+            <a:ext uri="{91240B29-F687-4F45-9708-019B960494DF}">
+              <a14:hiddenLine xmlns:a14="http://schemas.microsoft.com/office/drawing/2010/main" w="9525">
+                <a:solidFill>
+                  <a:schemeClr val="tx1"/>
+                </a:solidFill>
+                <a:miter lim="800000"/>
+                <a:headEnd/>
+                <a:tailEnd/>
+              </a14:hiddenLine>
+            </a:ext>
+            <a:ext uri="{AF507438-7753-43E0-B8FC-AC1667EBCBE1}">
+              <a14:hiddenEffects xmlns:a14="http://schemas.microsoft.com/office/drawing/2010/main">
+                <a:effectLst>
+                  <a:outerShdw blurRad="63500" dist="38099" dir="2700000" algn="ctr" rotWithShape="0">
+                    <a:schemeClr val="bg2">
+                      <a:alpha val="74998"/>
+                    </a:schemeClr>
+                  </a:outerShdw>
+                </a:effectLst>
+              </a14:hiddenEffects>
+            </a:ext>
+          </a:extLst>
+        </p:spPr>
+        <p:txBody>
+          <a:bodyPr vert="horz" wrap="none" lIns="91440" tIns="45720" rIns="91440" bIns="45720" numCol="1" anchor="ctr" anchorCtr="0" compatLnSpc="1">
+            <a:prstTxWarp prst="textNoShape">
+              <a:avLst/>
+            </a:prstTxWarp>
+            <a:spAutoFit/>
+          </a:bodyPr>
+          <a:lstStyle/>
+          <a:p>
+            <a:pPr marL="0" marR="0" lvl="0" indent="0" algn="l" defTabSz="914400" rtl="0" eaLnBrk="0" fontAlgn="base" latinLnBrk="0" hangingPunct="0">
+              <a:lnSpc>
+                <a:spcPct val="100000"/>
+              </a:lnSpc>
+              <a:spcBef>
+                <a:spcPct val="0"/>
+              </a:spcBef>
+              <a:spcAft>
+                <a:spcPct val="0"/>
+              </a:spcAft>
+              <a:buClrTx/>
+              <a:buSzTx/>
+              <a:buFontTx/>
+              <a:buNone/>
+              <a:tabLst/>
+            </a:pPr>
+            <a:r>
+              <a:rPr kumimoji="0" lang="en-US" altLang="en-US" sz="1800" b="0" i="0" u="none" strike="noStrike" cap="none" normalizeH="0" baseline="0">
+                <a:ln>
+                  <a:noFill/>
+                </a:ln>
+                <a:solidFill>
+                  <a:schemeClr val="tx1"/>
+                </a:solidFill>
+                <a:effectLst/>
+                <a:latin typeface="Arial" charset="0"/>
+              </a:rPr>
+              <a:t/>
+            </a:r>
+            <a:br>
+              <a:rPr kumimoji="0" lang="en-US" altLang="en-US" sz="1800" b="0" i="0" u="none" strike="noStrike" cap="none" normalizeH="0" baseline="0">
+                <a:ln>
+                  <a:noFill/>
+                </a:ln>
+                <a:solidFill>
+                  <a:schemeClr val="tx1"/>
+                </a:solidFill>
+                <a:effectLst/>
+                <a:latin typeface="Arial" charset="0"/>
+              </a:rPr>
+            </a:br>
+            <a:endParaRPr kumimoji="0" lang="en-US" altLang="en-US" sz="1800" b="0" i="0" u="none" strike="noStrike" cap="none" normalizeH="0" baseline="0">
+              <a:ln>
+                <a:noFill/>
+              </a:ln>
+              <a:solidFill>
+                <a:schemeClr val="tx1"/>
+              </a:solidFill>
+              <a:effectLst/>
+              <a:latin typeface="Arial" charset="0"/>
+            </a:endParaRPr>
+          </a:p>
+        </p:txBody>
+      </p:sp>
+      <p:sp>
+        <p:nvSpPr>
+          <p:cNvPr id="9" name="Rectangle 8"/>
+          <p:cNvSpPr/>
+          <p:nvPr/>
+        </p:nvSpPr>
+        <p:spPr>
+          <a:xfrm>
+            <a:off x="900239" y="555625"/>
+            <a:ext cx="4572000" cy="2970044"/>
+          </a:xfrm>
+          <a:prstGeom prst="rect">
+            <a:avLst/>
+          </a:prstGeom>
+        </p:spPr>
+        <p:txBody>
+          <a:bodyPr>
+            <a:spAutoFit/>
+          </a:bodyPr>
+          <a:lstStyle/>
+          <a:p>
+            <a:r>
+              <a:rPr lang="en-US" sz="1100" dirty="0">
+                <a:latin typeface="Consolas" charset="0"/>
+                <a:ea typeface="Consolas" charset="0"/>
+                <a:cs typeface="Consolas" charset="0"/>
+              </a:rPr>
+              <a:t>public static void cat(File file) {</a:t>
+            </a:r>
+          </a:p>
+          <a:p>
+            <a:r>
+              <a:rPr lang="en-US" sz="1100" dirty="0">
+                <a:latin typeface="Consolas" charset="0"/>
+                <a:ea typeface="Consolas" charset="0"/>
+                <a:cs typeface="Consolas" charset="0"/>
+              </a:rPr>
+              <a:t>    </a:t>
+            </a:r>
+            <a:r>
+              <a:rPr lang="en-US" sz="1100" dirty="0" err="1">
+                <a:latin typeface="Consolas" charset="0"/>
+                <a:ea typeface="Consolas" charset="0"/>
+                <a:cs typeface="Consolas" charset="0"/>
+              </a:rPr>
+              <a:t>RandomAccessFile</a:t>
+            </a:r>
+            <a:r>
+              <a:rPr lang="en-US" sz="1100" dirty="0">
+                <a:latin typeface="Consolas" charset="0"/>
+                <a:ea typeface="Consolas" charset="0"/>
+                <a:cs typeface="Consolas" charset="0"/>
+              </a:rPr>
+              <a:t> input = null;</a:t>
+            </a:r>
+          </a:p>
+          <a:p>
+            <a:r>
+              <a:rPr lang="en-US" sz="1100" dirty="0">
+                <a:latin typeface="Consolas" charset="0"/>
+                <a:ea typeface="Consolas" charset="0"/>
+                <a:cs typeface="Consolas" charset="0"/>
+              </a:rPr>
+              <a:t>    String line = null;</a:t>
+            </a:r>
+          </a:p>
+          <a:p>
+            <a:endParaRPr lang="en-US" sz="1100" dirty="0">
+              <a:latin typeface="Consolas" charset="0"/>
+              <a:ea typeface="Consolas" charset="0"/>
+              <a:cs typeface="Consolas" charset="0"/>
+            </a:endParaRPr>
+          </a:p>
+          <a:p>
+            <a:r>
+              <a:rPr lang="en-US" sz="1100" dirty="0">
+                <a:latin typeface="Consolas" charset="0"/>
+                <a:ea typeface="Consolas" charset="0"/>
+                <a:cs typeface="Consolas" charset="0"/>
+              </a:rPr>
+              <a:t>    try {</a:t>
+            </a:r>
+          </a:p>
+          <a:p>
+            <a:r>
+              <a:rPr lang="en-US" sz="1100" dirty="0">
+                <a:latin typeface="Consolas" charset="0"/>
+                <a:ea typeface="Consolas" charset="0"/>
+                <a:cs typeface="Consolas" charset="0"/>
+              </a:rPr>
+              <a:t>        input = new </a:t>
+            </a:r>
+            <a:r>
+              <a:rPr lang="en-US" sz="1100" dirty="0" err="1">
+                <a:latin typeface="Consolas" charset="0"/>
+                <a:ea typeface="Consolas" charset="0"/>
+                <a:cs typeface="Consolas" charset="0"/>
+              </a:rPr>
+              <a:t>RandomAccessFile</a:t>
+            </a:r>
+            <a:r>
+              <a:rPr lang="en-US" sz="1100" dirty="0">
+                <a:latin typeface="Consolas" charset="0"/>
+                <a:ea typeface="Consolas" charset="0"/>
+                <a:cs typeface="Consolas" charset="0"/>
+              </a:rPr>
+              <a:t>(file, "r");</a:t>
+            </a:r>
+          </a:p>
+          <a:p>
+            <a:r>
+              <a:rPr lang="en-US" sz="1100" dirty="0">
+                <a:latin typeface="Consolas" charset="0"/>
+                <a:ea typeface="Consolas" charset="0"/>
+                <a:cs typeface="Consolas" charset="0"/>
+              </a:rPr>
+              <a:t>        while ((line = </a:t>
+            </a:r>
+            <a:r>
+              <a:rPr lang="en-US" sz="1100" dirty="0" err="1">
+                <a:latin typeface="Consolas" charset="0"/>
+                <a:ea typeface="Consolas" charset="0"/>
+                <a:cs typeface="Consolas" charset="0"/>
+              </a:rPr>
+              <a:t>input.readLine</a:t>
+            </a:r>
+            <a:r>
+              <a:rPr lang="en-US" sz="1100" dirty="0">
+                <a:latin typeface="Consolas" charset="0"/>
+                <a:ea typeface="Consolas" charset="0"/>
+                <a:cs typeface="Consolas" charset="0"/>
+              </a:rPr>
+              <a:t>()) != null) {</a:t>
+            </a:r>
+          </a:p>
+          <a:p>
+            <a:r>
+              <a:rPr lang="en-US" sz="1100" dirty="0">
+                <a:latin typeface="Consolas" charset="0"/>
+                <a:ea typeface="Consolas" charset="0"/>
+                <a:cs typeface="Consolas" charset="0"/>
+              </a:rPr>
+              <a:t>            </a:t>
+            </a:r>
+            <a:r>
+              <a:rPr lang="en-US" sz="1100" dirty="0" err="1">
+                <a:latin typeface="Consolas" charset="0"/>
+                <a:ea typeface="Consolas" charset="0"/>
+                <a:cs typeface="Consolas" charset="0"/>
+              </a:rPr>
+              <a:t>System.out.println</a:t>
+            </a:r>
+            <a:r>
+              <a:rPr lang="en-US" sz="1100" dirty="0">
+                <a:latin typeface="Consolas" charset="0"/>
+                <a:ea typeface="Consolas" charset="0"/>
+                <a:cs typeface="Consolas" charset="0"/>
+              </a:rPr>
+              <a:t>(line);</a:t>
+            </a:r>
+          </a:p>
+          <a:p>
+            <a:r>
+              <a:rPr lang="de-DE" sz="1100" dirty="0">
+                <a:latin typeface="Consolas" charset="0"/>
+                <a:ea typeface="Consolas" charset="0"/>
+                <a:cs typeface="Consolas" charset="0"/>
+              </a:rPr>
+              <a:t>        }</a:t>
+            </a:r>
+          </a:p>
+          <a:p>
+            <a:r>
+              <a:rPr lang="ro-RO" sz="1100" dirty="0">
+                <a:latin typeface="Consolas" charset="0"/>
+                <a:ea typeface="Consolas" charset="0"/>
+                <a:cs typeface="Consolas" charset="0"/>
+              </a:rPr>
+              <a:t>        </a:t>
+            </a:r>
+            <a:r>
+              <a:rPr lang="ro-RO" sz="1100" dirty="0" err="1">
+                <a:latin typeface="Consolas" charset="0"/>
+                <a:ea typeface="Consolas" charset="0"/>
+                <a:cs typeface="Consolas" charset="0"/>
+              </a:rPr>
+              <a:t>return</a:t>
+            </a:r>
+            <a:r>
+              <a:rPr lang="ro-RO" sz="1100" dirty="0">
+                <a:latin typeface="Consolas" charset="0"/>
+                <a:ea typeface="Consolas" charset="0"/>
+                <a:cs typeface="Consolas" charset="0"/>
+              </a:rPr>
+              <a:t>;</a:t>
+            </a:r>
+          </a:p>
+          <a:p>
+            <a:r>
+              <a:rPr lang="en-US" sz="1100" dirty="0">
+                <a:latin typeface="Consolas" charset="0"/>
+                <a:ea typeface="Consolas" charset="0"/>
+                <a:cs typeface="Consolas" charset="0"/>
+              </a:rPr>
+              <a:t>    } finally {</a:t>
+            </a:r>
+          </a:p>
+          <a:p>
+            <a:r>
+              <a:rPr lang="en-US" sz="1100" dirty="0">
+                <a:latin typeface="Consolas" charset="0"/>
+                <a:ea typeface="Consolas" charset="0"/>
+                <a:cs typeface="Consolas" charset="0"/>
+              </a:rPr>
+              <a:t>        if (input != null) {</a:t>
+            </a:r>
+          </a:p>
+          <a:p>
+            <a:r>
+              <a:rPr lang="en-US" sz="1100" dirty="0">
+                <a:latin typeface="Consolas" charset="0"/>
+                <a:ea typeface="Consolas" charset="0"/>
+                <a:cs typeface="Consolas" charset="0"/>
+              </a:rPr>
+              <a:t>            </a:t>
+            </a:r>
+            <a:r>
+              <a:rPr lang="en-US" sz="1100" dirty="0" err="1">
+                <a:latin typeface="Consolas" charset="0"/>
+                <a:ea typeface="Consolas" charset="0"/>
+                <a:cs typeface="Consolas" charset="0"/>
+              </a:rPr>
+              <a:t>input.close</a:t>
+            </a:r>
+            <a:r>
+              <a:rPr lang="en-US" sz="1100" dirty="0">
+                <a:latin typeface="Consolas" charset="0"/>
+                <a:ea typeface="Consolas" charset="0"/>
+                <a:cs typeface="Consolas" charset="0"/>
+              </a:rPr>
+              <a:t>();</a:t>
+            </a:r>
+          </a:p>
+          <a:p>
+            <a:r>
+              <a:rPr lang="de-DE" sz="1100" dirty="0">
+                <a:latin typeface="Consolas" charset="0"/>
+                <a:ea typeface="Consolas" charset="0"/>
+                <a:cs typeface="Consolas" charset="0"/>
+              </a:rPr>
+              <a:t>        }</a:t>
+            </a:r>
+          </a:p>
+          <a:p>
+            <a:r>
+              <a:rPr lang="de-DE" sz="1100" dirty="0">
+                <a:latin typeface="Consolas" charset="0"/>
+                <a:ea typeface="Consolas" charset="0"/>
+                <a:cs typeface="Consolas" charset="0"/>
+              </a:rPr>
+              <a:t>    }</a:t>
+            </a:r>
+          </a:p>
+          <a:p>
+            <a:r>
+              <a:rPr lang="de-DE" sz="1100" dirty="0">
+                <a:latin typeface="Consolas" charset="0"/>
+                <a:ea typeface="Consolas" charset="0"/>
+                <a:cs typeface="Consolas" charset="0"/>
+              </a:rPr>
+              <a:t>}</a:t>
+            </a:r>
+          </a:p>
+          <a:p>
+            <a:endParaRPr lang="de-DE" sz="1100" dirty="0">
+              <a:latin typeface="Consolas" charset="0"/>
+              <a:ea typeface="Consolas" charset="0"/>
+              <a:cs typeface="Consolas" charset="0"/>
+            </a:endParaRPr>
+          </a:p>
+        </p:txBody>
+      </p:sp>
+      <p:sp>
+        <p:nvSpPr>
+          <p:cNvPr id="2" name="TextBox 1"/>
+          <p:cNvSpPr txBox="1"/>
+          <p:nvPr/>
+        </p:nvSpPr>
+        <p:spPr>
+          <a:xfrm>
+            <a:off x="457200" y="3806656"/>
+            <a:ext cx="4429418" cy="369332"/>
+          </a:xfrm>
+          <a:prstGeom prst="rect">
+            <a:avLst/>
+          </a:prstGeom>
+          <a:noFill/>
+        </p:spPr>
+        <p:txBody>
+          <a:bodyPr wrap="none" rtlCol="0">
+            <a:spAutoFit/>
+          </a:bodyPr>
+          <a:lstStyle/>
+          <a:p>
+            <a:r>
+              <a:rPr lang="en-US" dirty="0" err="1" smtClean="0"/>
+              <a:t>Compila</a:t>
+            </a:r>
+            <a:r>
+              <a:rPr lang="en-US" dirty="0" smtClean="0"/>
+              <a:t>? </a:t>
+            </a:r>
+            <a:r>
+              <a:rPr lang="en-US" dirty="0" err="1" smtClean="0"/>
+              <a:t>Modificatelo</a:t>
+            </a:r>
+            <a:r>
+              <a:rPr lang="en-US" dirty="0" smtClean="0"/>
+              <a:t> per </a:t>
+            </a:r>
+            <a:r>
+              <a:rPr lang="en-US" dirty="0" err="1" smtClean="0"/>
+              <a:t>farlo</a:t>
+            </a:r>
+            <a:r>
+              <a:rPr lang="en-US" dirty="0" smtClean="0"/>
+              <a:t> </a:t>
+            </a:r>
+            <a:r>
+              <a:rPr lang="en-US" dirty="0" err="1" smtClean="0"/>
+              <a:t>compilare</a:t>
+            </a:r>
+            <a:endParaRPr lang="en-US" dirty="0"/>
+          </a:p>
+        </p:txBody>
+      </p:sp>
+    </p:spTree>
+    <p:extLst>
+      <p:ext uri="{BB962C8B-B14F-4D97-AF65-F5344CB8AC3E}">
+        <p14:creationId xmlns:p14="http://schemas.microsoft.com/office/powerpoint/2010/main" val="2022769110"/>
+      </p:ext>
+    </p:extLst>
+  </p:cSld>
+  <p:clrMapOvr>
+    <a:masterClrMapping/>
+  </p:clrMapOvr>
+  <p:timing>
+    <p:tnLst>
+      <p:par>
+        <p:cTn id="1" dur="indefinite" restart="never" nodeType="tmRoot"/>
+      </p:par>
+    </p:tnLst>
+  </p:timing>
+</p:sld>
+</file>
+
+<file path=ppt/slides/slide12.xml><?xml version="1.0" encoding="utf-8"?>
+<p:sld xmlns:a="http://schemas.openxmlformats.org/drawingml/2006/main" xmlns:r="http://schemas.openxmlformats.org/officeDocument/2006/relationships" xmlns:p="http://schemas.openxmlformats.org/presentationml/2006/main">
+  <p:cSld>
+    <p:spTree>
+      <p:nvGrpSpPr>
+        <p:cNvPr id="1" name=""/>
+        <p:cNvGrpSpPr/>
+        <p:nvPr/>
+      </p:nvGrpSpPr>
+      <p:grpSpPr>
+        <a:xfrm>
+          <a:off x="0" y="0"/>
+          <a:ext cx="0" cy="0"/>
+          <a:chOff x="0" y="0"/>
+          <a:chExt cx="0" cy="0"/>
+        </a:xfrm>
+      </p:grpSpPr>
+      <p:sp>
+        <p:nvSpPr>
+          <p:cNvPr id="4098" name="Rectangle 2"/>
+          <p:cNvSpPr>
+            <a:spLocks noGrp="1" noChangeArrowheads="1"/>
+          </p:cNvSpPr>
+          <p:nvPr>
+            <p:ph type="title"/>
+          </p:nvPr>
+        </p:nvSpPr>
+        <p:spPr/>
+        <p:txBody>
+          <a:bodyPr/>
+          <a:lstStyle/>
+          <a:p>
+            <a:r>
+              <a:rPr lang="it-IT" altLang="it-IT" dirty="0" err="1" smtClean="0"/>
+              <a:t>Exception</a:t>
+            </a:r>
+            <a:r>
+              <a:rPr lang="it-IT" altLang="it-IT" dirty="0" smtClean="0"/>
+              <a:t/>
+            </a:r>
+            <a:br>
+              <a:rPr lang="it-IT" altLang="it-IT" dirty="0" smtClean="0"/>
+            </a:br>
+            <a:endParaRPr lang="it-IT" altLang="it-IT" dirty="0" smtClean="0"/>
+          </a:p>
+        </p:txBody>
+      </p:sp>
+      <p:sp>
+        <p:nvSpPr>
+          <p:cNvPr id="4" name="Rectangle 1"/>
+          <p:cNvSpPr>
+            <a:spLocks noChangeArrowheads="1"/>
+          </p:cNvSpPr>
+          <p:nvPr/>
+        </p:nvSpPr>
+        <p:spPr bwMode="auto">
+          <a:xfrm>
+            <a:off x="900239" y="1556953"/>
+            <a:ext cx="9144000" cy="0"/>
+          </a:xfrm>
+          <a:prstGeom prst="rect">
+            <a:avLst/>
+          </a:prstGeom>
+          <a:noFill/>
+          <a:ln>
+            <a:noFill/>
+          </a:ln>
+          <a:effectLst/>
+          <a:extLst>
+            <a:ext uri="{909E8E84-426E-40DD-AFC4-6F175D3DCCD1}">
+              <a14:hiddenFill xmlns:a14="http://schemas.microsoft.com/office/drawing/2010/main">
+                <a:solidFill>
+                  <a:schemeClr val="accent1"/>
+                </a:solidFill>
+              </a14:hiddenFill>
+            </a:ext>
+            <a:ext uri="{91240B29-F687-4F45-9708-019B960494DF}">
+              <a14:hiddenLine xmlns:a14="http://schemas.microsoft.com/office/drawing/2010/main" w="9525">
+                <a:solidFill>
+                  <a:schemeClr val="tx1"/>
+                </a:solidFill>
+                <a:miter lim="800000"/>
+                <a:headEnd/>
+                <a:tailEnd/>
+              </a14:hiddenLine>
+            </a:ext>
+            <a:ext uri="{AF507438-7753-43E0-B8FC-AC1667EBCBE1}">
+              <a14:hiddenEffects xmlns:a14="http://schemas.microsoft.com/office/drawing/2010/main">
+                <a:effectLst>
+                  <a:outerShdw blurRad="63500" dist="38099" dir="2700000" algn="ctr" rotWithShape="0">
+                    <a:schemeClr val="bg2">
+                      <a:alpha val="74998"/>
+                    </a:schemeClr>
+                  </a:outerShdw>
+                </a:effectLst>
+              </a14:hiddenEffects>
+            </a:ext>
+          </a:extLst>
+        </p:spPr>
+        <p:txBody>
+          <a:bodyPr vert="horz" wrap="none" lIns="91440" tIns="45720" rIns="91440" bIns="45720" numCol="1" anchor="ctr" anchorCtr="0" compatLnSpc="1">
+            <a:prstTxWarp prst="textNoShape">
+              <a:avLst/>
+            </a:prstTxWarp>
+            <a:spAutoFit/>
+          </a:bodyPr>
+          <a:lstStyle/>
+          <a:p>
+            <a:pPr marL="0" marR="0" lvl="0" indent="0" algn="l" defTabSz="914400" rtl="0" eaLnBrk="0" fontAlgn="base" latinLnBrk="0" hangingPunct="0">
+              <a:lnSpc>
+                <a:spcPct val="100000"/>
+              </a:lnSpc>
+              <a:spcBef>
+                <a:spcPct val="0"/>
+              </a:spcBef>
+              <a:spcAft>
+                <a:spcPct val="0"/>
+              </a:spcAft>
+              <a:buClrTx/>
+              <a:buSzTx/>
+              <a:buFontTx/>
+              <a:buNone/>
+              <a:tabLst/>
+            </a:pPr>
+            <a:r>
+              <a:rPr kumimoji="0" lang="en-US" altLang="en-US" sz="1800" b="0" i="0" u="none" strike="noStrike" cap="none" normalizeH="0" baseline="0">
+                <a:ln>
+                  <a:noFill/>
+                </a:ln>
+                <a:solidFill>
+                  <a:schemeClr val="tx1"/>
+                </a:solidFill>
+                <a:effectLst/>
+                <a:latin typeface="Arial" charset="0"/>
+              </a:rPr>
+              <a:t/>
+            </a:r>
+            <a:br>
+              <a:rPr kumimoji="0" lang="en-US" altLang="en-US" sz="1800" b="0" i="0" u="none" strike="noStrike" cap="none" normalizeH="0" baseline="0">
+                <a:ln>
+                  <a:noFill/>
+                </a:ln>
+                <a:solidFill>
+                  <a:schemeClr val="tx1"/>
+                </a:solidFill>
+                <a:effectLst/>
+                <a:latin typeface="Arial" charset="0"/>
+              </a:rPr>
+            </a:br>
+            <a:endParaRPr kumimoji="0" lang="en-US" altLang="en-US" sz="1800" b="0" i="0" u="none" strike="noStrike" cap="none" normalizeH="0" baseline="0">
+              <a:ln>
+                <a:noFill/>
+              </a:ln>
+              <a:solidFill>
+                <a:schemeClr val="tx1"/>
+              </a:solidFill>
+              <a:effectLst/>
+              <a:latin typeface="Arial" charset="0"/>
+            </a:endParaRPr>
+          </a:p>
+        </p:txBody>
+      </p:sp>
+      <p:sp>
+        <p:nvSpPr>
+          <p:cNvPr id="10" name="TextBox 9"/>
+          <p:cNvSpPr txBox="1"/>
+          <p:nvPr/>
+        </p:nvSpPr>
+        <p:spPr>
+          <a:xfrm>
+            <a:off x="900239" y="3933056"/>
+            <a:ext cx="184731" cy="369332"/>
+          </a:xfrm>
+          <a:prstGeom prst="rect">
+            <a:avLst/>
+          </a:prstGeom>
+          <a:noFill/>
+        </p:spPr>
+        <p:txBody>
+          <a:bodyPr wrap="none" rtlCol="0">
+            <a:spAutoFit/>
+          </a:bodyPr>
+          <a:lstStyle/>
+          <a:p>
+            <a:endParaRPr lang="en-US" dirty="0"/>
+          </a:p>
+        </p:txBody>
+      </p:sp>
+      <p:sp>
+        <p:nvSpPr>
+          <p:cNvPr id="2" name="TextBox 1"/>
+          <p:cNvSpPr txBox="1"/>
+          <p:nvPr/>
+        </p:nvSpPr>
+        <p:spPr>
+          <a:xfrm>
+            <a:off x="457200" y="836613"/>
+            <a:ext cx="7608768" cy="1200329"/>
+          </a:xfrm>
+          <a:prstGeom prst="rect">
+            <a:avLst/>
+          </a:prstGeom>
+          <a:noFill/>
+        </p:spPr>
+        <p:txBody>
+          <a:bodyPr wrap="square" rtlCol="0">
+            <a:spAutoFit/>
+          </a:bodyPr>
+          <a:lstStyle/>
+          <a:p>
+            <a:r>
+              <a:rPr lang="en-US" dirty="0" err="1" smtClean="0"/>
+              <a:t>Utilizzando</a:t>
+            </a:r>
+            <a:r>
+              <a:rPr lang="en-US" dirty="0" smtClean="0"/>
+              <a:t> </a:t>
+            </a:r>
+            <a:r>
+              <a:rPr lang="en-US" dirty="0" err="1" smtClean="0"/>
+              <a:t>ListOfNumbers</a:t>
+            </a:r>
+            <a:r>
+              <a:rPr lang="en-US" dirty="0" smtClean="0"/>
+              <a:t> </a:t>
+            </a:r>
+            <a:r>
+              <a:rPr lang="en-US" dirty="0" err="1" smtClean="0"/>
+              <a:t>aggiungere</a:t>
+            </a:r>
+            <a:r>
+              <a:rPr lang="en-US" dirty="0" smtClean="0"/>
+              <a:t> </a:t>
+            </a:r>
+            <a:r>
+              <a:rPr lang="en-US" dirty="0" err="1" smtClean="0"/>
+              <a:t>il</a:t>
+            </a:r>
+            <a:r>
+              <a:rPr lang="en-US" dirty="0" smtClean="0"/>
+              <a:t> </a:t>
+            </a:r>
+            <a:r>
+              <a:rPr lang="en-US" dirty="0" err="1" smtClean="0"/>
+              <a:t>metodo</a:t>
+            </a:r>
+            <a:r>
+              <a:rPr lang="en-US" dirty="0" smtClean="0"/>
+              <a:t> </a:t>
+            </a:r>
+            <a:r>
+              <a:rPr lang="en-US" dirty="0" err="1" smtClean="0"/>
+              <a:t>readList</a:t>
+            </a:r>
+            <a:r>
+              <a:rPr lang="en-US" dirty="0" smtClean="0"/>
+              <a:t>. </a:t>
+            </a:r>
+          </a:p>
+          <a:p>
+            <a:r>
+              <a:rPr lang="en-US" dirty="0" err="1" smtClean="0"/>
+              <a:t>Questo</a:t>
+            </a:r>
+            <a:r>
+              <a:rPr lang="en-US" dirty="0" smtClean="0"/>
+              <a:t> </a:t>
+            </a:r>
+            <a:r>
+              <a:rPr lang="en-US" dirty="0" err="1" smtClean="0"/>
+              <a:t>metodo</a:t>
+            </a:r>
+            <a:r>
+              <a:rPr lang="en-US" dirty="0" smtClean="0"/>
+              <a:t> </a:t>
+            </a:r>
+            <a:r>
+              <a:rPr lang="en-US" dirty="0" err="1" smtClean="0"/>
+              <a:t>deve</a:t>
+            </a:r>
+            <a:r>
+              <a:rPr lang="en-US" dirty="0" smtClean="0"/>
+              <a:t> </a:t>
+            </a:r>
+            <a:r>
+              <a:rPr lang="en-US" dirty="0" err="1" smtClean="0"/>
+              <a:t>ricevere</a:t>
+            </a:r>
+            <a:r>
+              <a:rPr lang="en-US" dirty="0" smtClean="0"/>
+              <a:t> </a:t>
+            </a:r>
+            <a:r>
+              <a:rPr lang="en-US" dirty="0" err="1" smtClean="0"/>
+              <a:t>leggere</a:t>
+            </a:r>
+            <a:r>
+              <a:rPr lang="en-US" dirty="0" smtClean="0"/>
+              <a:t> </a:t>
+            </a:r>
+            <a:r>
+              <a:rPr lang="en-US" dirty="0" err="1" smtClean="0"/>
+              <a:t>interi</a:t>
+            </a:r>
+            <a:r>
+              <a:rPr lang="en-US" dirty="0" smtClean="0"/>
+              <a:t> da un file, </a:t>
+            </a:r>
+            <a:r>
+              <a:rPr lang="en-US" dirty="0" err="1" smtClean="0"/>
+              <a:t>stamparli</a:t>
+            </a:r>
+            <a:r>
+              <a:rPr lang="en-US" dirty="0" smtClean="0"/>
+              <a:t> e </a:t>
+            </a:r>
+            <a:r>
+              <a:rPr lang="en-US" dirty="0" err="1" smtClean="0"/>
+              <a:t>aggiungerli</a:t>
+            </a:r>
+            <a:r>
+              <a:rPr lang="en-US" dirty="0" smtClean="0"/>
+              <a:t> </a:t>
+            </a:r>
+            <a:r>
+              <a:rPr lang="en-US" dirty="0" err="1" smtClean="0"/>
+              <a:t>alla</a:t>
+            </a:r>
+            <a:r>
+              <a:rPr lang="en-US" dirty="0"/>
+              <a:t> </a:t>
+            </a:r>
+            <a:r>
+              <a:rPr lang="en-US" dirty="0" smtClean="0"/>
+              <a:t>fine di un </a:t>
+            </a:r>
+            <a:r>
+              <a:rPr lang="en-US" dirty="0" err="1" smtClean="0"/>
+              <a:t>vettore</a:t>
+            </a:r>
+            <a:r>
+              <a:rPr lang="en-US" dirty="0" smtClean="0"/>
+              <a:t>.</a:t>
+            </a:r>
+          </a:p>
+          <a:p>
+            <a:r>
+              <a:rPr lang="en-US" dirty="0" err="1" smtClean="0"/>
+              <a:t>Avete</a:t>
+            </a:r>
+            <a:r>
+              <a:rPr lang="en-US" dirty="0" smtClean="0"/>
+              <a:t> </a:t>
+            </a:r>
+            <a:r>
+              <a:rPr lang="en-US" dirty="0" err="1" smtClean="0"/>
+              <a:t>bisogno</a:t>
+            </a:r>
+            <a:r>
+              <a:rPr lang="en-US" dirty="0" smtClean="0"/>
+              <a:t> di un file con </a:t>
+            </a:r>
+            <a:r>
+              <a:rPr lang="en-US" dirty="0" err="1" smtClean="0"/>
+              <a:t>interi</a:t>
+            </a:r>
+            <a:r>
+              <a:rPr lang="en-US" dirty="0" smtClean="0"/>
+              <a:t>.</a:t>
+            </a:r>
+          </a:p>
+        </p:txBody>
+      </p:sp>
+    </p:spTree>
+    <p:extLst>
+      <p:ext uri="{BB962C8B-B14F-4D97-AF65-F5344CB8AC3E}">
+        <p14:creationId xmlns:p14="http://schemas.microsoft.com/office/powerpoint/2010/main" val="1666647338"/>
+      </p:ext>
+    </p:extLst>
   </p:cSld>
   <p:clrMapOvr>
     <a:masterClrMapping/>
@@ -9455,420 +12025,37 @@
       </p:sp>
       <p:sp>
         <p:nvSpPr>
-          <p:cNvPr id="9" name="Rectangle 8"/>
-          <p:cNvSpPr/>
+          <p:cNvPr id="10" name="TextBox 9"/>
+          <p:cNvSpPr txBox="1"/>
           <p:nvPr/>
         </p:nvSpPr>
         <p:spPr>
           <a:xfrm>
-            <a:off x="457200" y="692696"/>
-            <a:ext cx="7174632" cy="3139321"/>
+            <a:off x="4333999" y="1089610"/>
+            <a:ext cx="1043876" cy="646331"/>
           </a:xfrm>
           <a:prstGeom prst="rect">
             <a:avLst/>
           </a:prstGeom>
+          <a:noFill/>
         </p:spPr>
         <p:txBody>
-          <a:bodyPr wrap="square">
+          <a:bodyPr wrap="none" rtlCol="0">
             <a:spAutoFit/>
           </a:bodyPr>
           <a:lstStyle/>
           <a:p>
             <a:r>
-              <a:rPr lang="en-US" dirty="0"/>
-              <a:t> Match each situation in the first list with an item in the second </a:t>
+              <a:rPr lang="en-US" dirty="0" err="1" smtClean="0"/>
+              <a:t>Stampa</a:t>
             </a:r>
             <a:r>
               <a:rPr lang="en-US" dirty="0" smtClean="0"/>
-              <a:t>list.</a:t>
-            </a:r>
-          </a:p>
-          <a:p>
-            <a:r>
-              <a:rPr lang="en-US" dirty="0"/>
-              <a:t>	</a:t>
-            </a:r>
+              <a:t>:</a:t>
+            </a:r>
+          </a:p>
+          <a:p>
             <a:endParaRPr lang="en-US" dirty="0"/>
-          </a:p>
-          <a:p>
-            <a:pPr marL="342900" indent="-342900">
-              <a:buFont typeface="+mj-lt"/>
-              <a:buAutoNum type="arabicPeriod"/>
-            </a:pPr>
-            <a:r>
-              <a:rPr lang="pt-BR" dirty="0" err="1"/>
-              <a:t>int</a:t>
-            </a:r>
-            <a:r>
-              <a:rPr lang="pt-BR" dirty="0"/>
-              <a:t>[] A; -A[0] = 0;</a:t>
-            </a:r>
-          </a:p>
-          <a:p>
-            <a:pPr marL="342900" indent="-342900">
-              <a:buFont typeface="+mj-lt"/>
-              <a:buAutoNum type="arabicPeriod"/>
-            </a:pPr>
-            <a:r>
-              <a:rPr lang="pt-BR" dirty="0"/>
-              <a:t>The JVM starts </a:t>
-            </a:r>
-            <a:r>
-              <a:rPr lang="pt-BR" dirty="0" err="1"/>
-              <a:t>running</a:t>
-            </a:r>
-            <a:r>
-              <a:rPr lang="pt-BR" dirty="0"/>
-              <a:t> </a:t>
-            </a:r>
-            <a:r>
-              <a:rPr lang="pt-BR" dirty="0" err="1"/>
-              <a:t>your</a:t>
-            </a:r>
-            <a:r>
-              <a:rPr lang="pt-BR" dirty="0"/>
-              <a:t> </a:t>
-            </a:r>
-            <a:r>
-              <a:rPr lang="pt-BR" dirty="0" err="1"/>
-              <a:t>program</a:t>
-            </a:r>
-            <a:r>
-              <a:rPr lang="pt-BR" dirty="0"/>
-              <a:t>, </a:t>
-            </a:r>
-            <a:r>
-              <a:rPr lang="pt-BR" dirty="0" err="1"/>
-              <a:t>but</a:t>
-            </a:r>
-            <a:r>
-              <a:rPr lang="pt-BR" dirty="0"/>
-              <a:t> </a:t>
-            </a:r>
-            <a:r>
-              <a:rPr lang="pt-BR" dirty="0" err="1"/>
-              <a:t>the</a:t>
-            </a:r>
-            <a:r>
-              <a:rPr lang="pt-BR" dirty="0"/>
-              <a:t> JVM </a:t>
-            </a:r>
-            <a:r>
-              <a:rPr lang="pt-BR" dirty="0" err="1"/>
-              <a:t>can't</a:t>
-            </a:r>
-            <a:r>
-              <a:rPr lang="pt-BR" dirty="0"/>
-              <a:t> </a:t>
-            </a:r>
-            <a:r>
-              <a:rPr lang="pt-BR" dirty="0" err="1"/>
-              <a:t>find</a:t>
-            </a:r>
-            <a:r>
-              <a:rPr lang="pt-BR" dirty="0"/>
-              <a:t> </a:t>
-            </a:r>
-            <a:r>
-              <a:rPr lang="pt-BR" dirty="0" err="1"/>
-              <a:t>the</a:t>
-            </a:r>
-            <a:r>
-              <a:rPr lang="pt-BR" dirty="0"/>
-              <a:t> Java </a:t>
-            </a:r>
-            <a:r>
-              <a:rPr lang="pt-BR" dirty="0" err="1"/>
-              <a:t>platform</a:t>
-            </a:r>
-            <a:r>
-              <a:rPr lang="pt-BR" dirty="0"/>
-              <a:t> classes. (The Java </a:t>
-            </a:r>
-            <a:r>
-              <a:rPr lang="pt-BR" dirty="0" err="1"/>
-              <a:t>platform</a:t>
-            </a:r>
-            <a:r>
-              <a:rPr lang="pt-BR" dirty="0"/>
-              <a:t> classes reside in </a:t>
-            </a:r>
-            <a:r>
-              <a:rPr lang="pt-BR" dirty="0" err="1"/>
-              <a:t>classes.zip</a:t>
-            </a:r>
-            <a:r>
-              <a:rPr lang="pt-BR" dirty="0"/>
-              <a:t> </a:t>
-            </a:r>
-            <a:r>
-              <a:rPr lang="pt-BR" dirty="0" err="1"/>
-              <a:t>or</a:t>
-            </a:r>
-            <a:r>
-              <a:rPr lang="pt-BR" dirty="0"/>
-              <a:t> </a:t>
-            </a:r>
-            <a:r>
-              <a:rPr lang="pt-BR" dirty="0" err="1"/>
-              <a:t>rt.jar</a:t>
-            </a:r>
-            <a:r>
-              <a:rPr lang="pt-BR" dirty="0"/>
-              <a:t>.)</a:t>
-            </a:r>
-          </a:p>
-          <a:p>
-            <a:pPr marL="342900" indent="-342900">
-              <a:buFont typeface="+mj-lt"/>
-              <a:buAutoNum type="arabicPeriod"/>
-            </a:pPr>
-            <a:r>
-              <a:rPr lang="pt-BR" dirty="0"/>
-              <a:t>A </a:t>
-            </a:r>
-            <a:r>
-              <a:rPr lang="pt-BR" dirty="0" err="1"/>
-              <a:t>program</a:t>
-            </a:r>
-            <a:r>
-              <a:rPr lang="pt-BR" dirty="0"/>
-              <a:t> </a:t>
-            </a:r>
-            <a:r>
-              <a:rPr lang="pt-BR" dirty="0" err="1"/>
-              <a:t>is</a:t>
-            </a:r>
-            <a:r>
-              <a:rPr lang="pt-BR" dirty="0"/>
-              <a:t> </a:t>
-            </a:r>
-            <a:r>
-              <a:rPr lang="pt-BR" dirty="0" err="1"/>
-              <a:t>reading</a:t>
-            </a:r>
-            <a:r>
-              <a:rPr lang="pt-BR" dirty="0"/>
-              <a:t> a </a:t>
-            </a:r>
-            <a:r>
-              <a:rPr lang="pt-BR" dirty="0" err="1"/>
-              <a:t>stream</a:t>
-            </a:r>
-            <a:r>
-              <a:rPr lang="pt-BR" dirty="0"/>
-              <a:t> </a:t>
-            </a:r>
-            <a:r>
-              <a:rPr lang="pt-BR" dirty="0" err="1"/>
-              <a:t>and</a:t>
-            </a:r>
-            <a:r>
-              <a:rPr lang="pt-BR" dirty="0"/>
-              <a:t> </a:t>
-            </a:r>
-            <a:r>
-              <a:rPr lang="pt-BR" dirty="0" err="1"/>
-              <a:t>reaches</a:t>
-            </a:r>
-            <a:r>
-              <a:rPr lang="pt-BR" dirty="0"/>
-              <a:t> </a:t>
-            </a:r>
-            <a:r>
-              <a:rPr lang="pt-BR" dirty="0" err="1"/>
-              <a:t>the</a:t>
-            </a:r>
-            <a:r>
-              <a:rPr lang="pt-BR" dirty="0"/>
-              <a:t> </a:t>
-            </a:r>
-            <a:r>
-              <a:rPr lang="pt-BR" dirty="0" err="1"/>
-              <a:t>end</a:t>
-            </a:r>
-            <a:r>
-              <a:rPr lang="pt-BR" dirty="0"/>
-              <a:t> </a:t>
-            </a:r>
-            <a:r>
-              <a:rPr lang="pt-BR" dirty="0" err="1"/>
-              <a:t>of</a:t>
-            </a:r>
-            <a:r>
-              <a:rPr lang="pt-BR" dirty="0"/>
-              <a:t> </a:t>
-            </a:r>
-            <a:r>
-              <a:rPr lang="pt-BR" dirty="0" err="1"/>
-              <a:t>stream</a:t>
-            </a:r>
-            <a:r>
-              <a:rPr lang="pt-BR" dirty="0"/>
-              <a:t> </a:t>
-            </a:r>
-            <a:r>
-              <a:rPr lang="pt-BR" dirty="0" err="1"/>
-              <a:t>marker</a:t>
-            </a:r>
-            <a:r>
-              <a:rPr lang="pt-BR" dirty="0"/>
-              <a:t>.</a:t>
-            </a:r>
-          </a:p>
-          <a:p>
-            <a:pPr marL="342900" indent="-342900">
-              <a:buFont typeface="+mj-lt"/>
-              <a:buAutoNum type="arabicPeriod"/>
-            </a:pPr>
-            <a:r>
-              <a:rPr lang="pt-BR" dirty="0" err="1"/>
-              <a:t>Before</a:t>
-            </a:r>
-            <a:r>
-              <a:rPr lang="pt-BR" dirty="0"/>
-              <a:t> </a:t>
-            </a:r>
-            <a:r>
-              <a:rPr lang="pt-BR" dirty="0" err="1"/>
-              <a:t>closing</a:t>
-            </a:r>
-            <a:r>
-              <a:rPr lang="pt-BR" dirty="0"/>
-              <a:t> </a:t>
-            </a:r>
-            <a:r>
-              <a:rPr lang="pt-BR" dirty="0" err="1"/>
-              <a:t>the</a:t>
-            </a:r>
-            <a:r>
-              <a:rPr lang="pt-BR" dirty="0"/>
-              <a:t> </a:t>
-            </a:r>
-            <a:r>
-              <a:rPr lang="pt-BR" dirty="0" err="1"/>
-              <a:t>stream</a:t>
-            </a:r>
-            <a:r>
-              <a:rPr lang="pt-BR" dirty="0"/>
-              <a:t> </a:t>
-            </a:r>
-            <a:r>
-              <a:rPr lang="pt-BR" dirty="0" err="1"/>
-              <a:t>and</a:t>
-            </a:r>
-            <a:r>
-              <a:rPr lang="pt-BR" dirty="0"/>
-              <a:t> </a:t>
-            </a:r>
-            <a:r>
-              <a:rPr lang="pt-BR" dirty="0" err="1"/>
-              <a:t>after</a:t>
-            </a:r>
-            <a:r>
-              <a:rPr lang="pt-BR" dirty="0"/>
-              <a:t> </a:t>
-            </a:r>
-            <a:r>
-              <a:rPr lang="pt-BR" dirty="0" err="1"/>
-              <a:t>reaching</a:t>
-            </a:r>
-            <a:r>
-              <a:rPr lang="pt-BR" dirty="0"/>
-              <a:t> </a:t>
-            </a:r>
-            <a:r>
-              <a:rPr lang="pt-BR" dirty="0" err="1"/>
-              <a:t>the</a:t>
-            </a:r>
-            <a:r>
-              <a:rPr lang="pt-BR" dirty="0"/>
-              <a:t> </a:t>
-            </a:r>
-            <a:r>
-              <a:rPr lang="pt-BR" dirty="0" err="1"/>
-              <a:t>end</a:t>
-            </a:r>
-            <a:r>
-              <a:rPr lang="pt-BR" dirty="0"/>
-              <a:t> </a:t>
-            </a:r>
-            <a:r>
-              <a:rPr lang="pt-BR" dirty="0" err="1"/>
-              <a:t>of</a:t>
-            </a:r>
-            <a:r>
-              <a:rPr lang="pt-BR" dirty="0"/>
-              <a:t> </a:t>
-            </a:r>
-            <a:r>
-              <a:rPr lang="pt-BR" dirty="0" err="1"/>
-              <a:t>stream</a:t>
-            </a:r>
-            <a:r>
-              <a:rPr lang="pt-BR" dirty="0"/>
-              <a:t> </a:t>
-            </a:r>
-            <a:r>
-              <a:rPr lang="pt-BR" dirty="0" err="1"/>
-              <a:t>marker</a:t>
-            </a:r>
-            <a:r>
-              <a:rPr lang="pt-BR" dirty="0"/>
-              <a:t>, a </a:t>
-            </a:r>
-            <a:r>
-              <a:rPr lang="pt-BR" dirty="0" err="1"/>
-              <a:t>program</a:t>
-            </a:r>
-            <a:r>
-              <a:rPr lang="pt-BR" dirty="0"/>
-              <a:t> tries </a:t>
-            </a:r>
-            <a:r>
-              <a:rPr lang="pt-BR" dirty="0" err="1"/>
-              <a:t>to</a:t>
-            </a:r>
-            <a:r>
-              <a:rPr lang="pt-BR" dirty="0"/>
-              <a:t> </a:t>
-            </a:r>
-            <a:r>
-              <a:rPr lang="pt-BR" dirty="0" err="1"/>
-              <a:t>read</a:t>
-            </a:r>
-            <a:r>
-              <a:rPr lang="pt-BR" dirty="0"/>
-              <a:t> </a:t>
-            </a:r>
-            <a:r>
-              <a:rPr lang="pt-BR" dirty="0" err="1"/>
-              <a:t>the</a:t>
-            </a:r>
-            <a:r>
-              <a:rPr lang="pt-BR" dirty="0"/>
-              <a:t> </a:t>
-            </a:r>
-            <a:r>
-              <a:rPr lang="pt-BR" dirty="0" err="1"/>
-              <a:t>stream</a:t>
-            </a:r>
-            <a:r>
-              <a:rPr lang="pt-BR" dirty="0"/>
-              <a:t> </a:t>
-            </a:r>
-            <a:r>
-              <a:rPr lang="pt-BR" dirty="0" err="1"/>
-              <a:t>again</a:t>
-            </a:r>
-            <a:r>
-              <a:rPr lang="pt-BR" dirty="0" smtClean="0"/>
-              <a:t>.</a:t>
-            </a:r>
-          </a:p>
-          <a:p>
-            <a:endParaRPr lang="de-DE" dirty="0"/>
           </a:p>
         </p:txBody>
       </p:sp>
@@ -9880,8 +12067,8 @@
         </p:nvSpPr>
         <p:spPr>
           <a:xfrm>
-            <a:off x="457200" y="3813693"/>
-            <a:ext cx="4572000" cy="1477328"/>
+            <a:off x="324707" y="548953"/>
+            <a:ext cx="4572000" cy="4154984"/>
           </a:xfrm>
           <a:prstGeom prst="rect">
             <a:avLst/>
@@ -9893,86 +12080,1004 @@
           </a:bodyPr>
           <a:lstStyle/>
           <a:p>
+            <a:r>
+              <a:rPr lang="en-US" sz="1100" dirty="0">
+                <a:solidFill>
+                  <a:srgbClr val="0000FF"/>
+                </a:solidFill>
+                <a:latin typeface="Consolas" charset="0"/>
+                <a:ea typeface="Consolas" charset="0"/>
+                <a:cs typeface="Consolas" charset="0"/>
+              </a:rPr>
+              <a:t>public</a:t>
+            </a:r>
+            <a:r>
+              <a:rPr lang="en-US" sz="1100" dirty="0">
+                <a:solidFill>
+                  <a:srgbClr val="000000"/>
+                </a:solidFill>
+                <a:latin typeface="Consolas" charset="0"/>
+                <a:ea typeface="Consolas" charset="0"/>
+                <a:cs typeface="Consolas" charset="0"/>
+              </a:rPr>
+              <a:t> </a:t>
+            </a:r>
+            <a:r>
+              <a:rPr lang="en-US" sz="1100" dirty="0">
+                <a:solidFill>
+                  <a:srgbClr val="0000FF"/>
+                </a:solidFill>
+                <a:latin typeface="Consolas" charset="0"/>
+                <a:ea typeface="Consolas" charset="0"/>
+                <a:cs typeface="Consolas" charset="0"/>
+              </a:rPr>
+              <a:t>class</a:t>
+            </a:r>
+            <a:r>
+              <a:rPr lang="en-US" sz="1100" dirty="0">
+                <a:solidFill>
+                  <a:srgbClr val="000000"/>
+                </a:solidFill>
+                <a:latin typeface="Consolas" charset="0"/>
+                <a:ea typeface="Consolas" charset="0"/>
+                <a:cs typeface="Consolas" charset="0"/>
+              </a:rPr>
+              <a:t> </a:t>
+            </a:r>
+            <a:r>
+              <a:rPr lang="en-US" sz="1100" dirty="0">
+                <a:solidFill>
+                  <a:srgbClr val="E7232E"/>
+                </a:solidFill>
+                <a:latin typeface="Consolas" charset="0"/>
+                <a:ea typeface="Consolas" charset="0"/>
+                <a:cs typeface="Consolas" charset="0"/>
+              </a:rPr>
+              <a:t>X</a:t>
+            </a:r>
+            <a:r>
+              <a:rPr lang="en-US" sz="1100" dirty="0">
+                <a:solidFill>
+                  <a:srgbClr val="000000"/>
+                </a:solidFill>
+                <a:latin typeface="Consolas" charset="0"/>
+                <a:ea typeface="Consolas" charset="0"/>
+                <a:cs typeface="Consolas" charset="0"/>
+              </a:rPr>
+              <a:t> </a:t>
+            </a:r>
+          </a:p>
+          <a:p>
+            <a:r>
+              <a:rPr lang="de-DE" sz="1100" dirty="0">
+                <a:solidFill>
+                  <a:srgbClr val="000000"/>
+                </a:solidFill>
+                <a:latin typeface="Consolas" charset="0"/>
+                <a:ea typeface="Consolas" charset="0"/>
+                <a:cs typeface="Consolas" charset="0"/>
+              </a:rPr>
+              <a:t>{  </a:t>
+            </a:r>
+          </a:p>
+          <a:p>
+            <a:r>
+              <a:rPr lang="de-DE" sz="1100" dirty="0">
+                <a:solidFill>
+                  <a:srgbClr val="000000"/>
+                </a:solidFill>
+                <a:latin typeface="Consolas" charset="0"/>
+                <a:ea typeface="Consolas" charset="0"/>
+                <a:cs typeface="Consolas" charset="0"/>
+              </a:rPr>
+              <a:t>    </a:t>
+            </a:r>
+            <a:r>
+              <a:rPr lang="de-DE" sz="1100" dirty="0" err="1">
+                <a:solidFill>
+                  <a:srgbClr val="0000FF"/>
+                </a:solidFill>
+                <a:latin typeface="Consolas" charset="0"/>
+                <a:ea typeface="Consolas" charset="0"/>
+                <a:cs typeface="Consolas" charset="0"/>
+              </a:rPr>
+              <a:t>public</a:t>
+            </a:r>
+            <a:r>
+              <a:rPr lang="de-DE" sz="1100" dirty="0">
+                <a:solidFill>
+                  <a:srgbClr val="000000"/>
+                </a:solidFill>
+                <a:latin typeface="Consolas" charset="0"/>
+                <a:ea typeface="Consolas" charset="0"/>
+                <a:cs typeface="Consolas" charset="0"/>
+              </a:rPr>
+              <a:t> </a:t>
+            </a:r>
+            <a:r>
+              <a:rPr lang="de-DE" sz="1100" dirty="0" err="1">
+                <a:solidFill>
+                  <a:srgbClr val="0000FF"/>
+                </a:solidFill>
+                <a:latin typeface="Consolas" charset="0"/>
+                <a:ea typeface="Consolas" charset="0"/>
+                <a:cs typeface="Consolas" charset="0"/>
+              </a:rPr>
+              <a:t>static</a:t>
+            </a:r>
+            <a:r>
+              <a:rPr lang="de-DE" sz="1100" dirty="0">
+                <a:solidFill>
+                  <a:srgbClr val="000000"/>
+                </a:solidFill>
+                <a:latin typeface="Consolas" charset="0"/>
+                <a:ea typeface="Consolas" charset="0"/>
+                <a:cs typeface="Consolas" charset="0"/>
+              </a:rPr>
+              <a:t> </a:t>
+            </a:r>
+            <a:r>
+              <a:rPr lang="de-DE" sz="1100" dirty="0" err="1">
+                <a:solidFill>
+                  <a:srgbClr val="0000FF"/>
+                </a:solidFill>
+                <a:latin typeface="Consolas" charset="0"/>
+                <a:ea typeface="Consolas" charset="0"/>
+                <a:cs typeface="Consolas" charset="0"/>
+              </a:rPr>
+              <a:t>void</a:t>
+            </a:r>
+            <a:r>
+              <a:rPr lang="de-DE" sz="1100" dirty="0">
+                <a:solidFill>
+                  <a:srgbClr val="000000"/>
+                </a:solidFill>
+                <a:latin typeface="Consolas" charset="0"/>
+                <a:ea typeface="Consolas" charset="0"/>
+                <a:cs typeface="Consolas" charset="0"/>
+              </a:rPr>
+              <a:t> </a:t>
+            </a:r>
+            <a:r>
+              <a:rPr lang="de-DE" sz="1100" dirty="0" err="1">
+                <a:solidFill>
+                  <a:srgbClr val="000000"/>
+                </a:solidFill>
+                <a:latin typeface="Consolas" charset="0"/>
+                <a:ea typeface="Consolas" charset="0"/>
+                <a:cs typeface="Consolas" charset="0"/>
+              </a:rPr>
+              <a:t>main</a:t>
+            </a:r>
+            <a:r>
+              <a:rPr lang="de-DE" sz="1100" dirty="0">
+                <a:solidFill>
+                  <a:srgbClr val="000000"/>
+                </a:solidFill>
+                <a:latin typeface="Consolas" charset="0"/>
+                <a:ea typeface="Consolas" charset="0"/>
+                <a:cs typeface="Consolas" charset="0"/>
+              </a:rPr>
+              <a:t>(String [] </a:t>
+            </a:r>
+            <a:r>
+              <a:rPr lang="de-DE" sz="1100" dirty="0" err="1">
+                <a:solidFill>
+                  <a:srgbClr val="000000"/>
+                </a:solidFill>
+                <a:latin typeface="Consolas" charset="0"/>
+                <a:ea typeface="Consolas" charset="0"/>
+                <a:cs typeface="Consolas" charset="0"/>
+              </a:rPr>
+              <a:t>args</a:t>
+            </a:r>
+            <a:r>
+              <a:rPr lang="de-DE" sz="1100" dirty="0">
+                <a:solidFill>
+                  <a:srgbClr val="000000"/>
+                </a:solidFill>
+                <a:latin typeface="Consolas" charset="0"/>
+                <a:ea typeface="Consolas" charset="0"/>
+                <a:cs typeface="Consolas" charset="0"/>
+              </a:rPr>
+              <a:t>) </a:t>
+            </a:r>
+          </a:p>
+          <a:p>
+            <a:r>
+              <a:rPr lang="de-DE" sz="1100" dirty="0">
+                <a:solidFill>
+                  <a:srgbClr val="000000"/>
+                </a:solidFill>
+                <a:latin typeface="Consolas" charset="0"/>
+                <a:ea typeface="Consolas" charset="0"/>
+                <a:cs typeface="Consolas" charset="0"/>
+              </a:rPr>
+              <a:t>    {</a:t>
+            </a:r>
+          </a:p>
+          <a:p>
+            <a:r>
+              <a:rPr lang="en-US" sz="1100" dirty="0">
+                <a:solidFill>
+                  <a:srgbClr val="000000"/>
+                </a:solidFill>
+                <a:latin typeface="Consolas" charset="0"/>
+                <a:ea typeface="Consolas" charset="0"/>
+                <a:cs typeface="Consolas" charset="0"/>
+              </a:rPr>
+              <a:t>        </a:t>
+            </a:r>
+            <a:r>
+              <a:rPr lang="en-US" sz="1100" dirty="0">
+                <a:solidFill>
+                  <a:srgbClr val="0000FF"/>
+                </a:solidFill>
+                <a:latin typeface="Consolas" charset="0"/>
+                <a:ea typeface="Consolas" charset="0"/>
+                <a:cs typeface="Consolas" charset="0"/>
+              </a:rPr>
+              <a:t>try</a:t>
+            </a:r>
+            <a:r>
+              <a:rPr lang="en-US" sz="1100" dirty="0">
+                <a:solidFill>
+                  <a:srgbClr val="000000"/>
+                </a:solidFill>
+                <a:latin typeface="Consolas" charset="0"/>
+                <a:ea typeface="Consolas" charset="0"/>
+                <a:cs typeface="Consolas" charset="0"/>
+              </a:rPr>
+              <a:t> </a:t>
+            </a:r>
+          </a:p>
+          <a:p>
+            <a:r>
+              <a:rPr lang="de-DE" sz="1100" dirty="0">
+                <a:solidFill>
+                  <a:srgbClr val="000000"/>
+                </a:solidFill>
+                <a:latin typeface="Consolas" charset="0"/>
+                <a:ea typeface="Consolas" charset="0"/>
+                <a:cs typeface="Consolas" charset="0"/>
+              </a:rPr>
+              <a:t>        {</a:t>
+            </a:r>
+          </a:p>
+          <a:p>
+            <a:r>
+              <a:rPr lang="de-DE" sz="1100" dirty="0">
+                <a:solidFill>
+                  <a:srgbClr val="000000"/>
+                </a:solidFill>
+                <a:latin typeface="Consolas" charset="0"/>
+                <a:ea typeface="Consolas" charset="0"/>
+                <a:cs typeface="Consolas" charset="0"/>
+              </a:rPr>
+              <a:t>            </a:t>
+            </a:r>
+            <a:r>
+              <a:rPr lang="de-DE" sz="1100" dirty="0" err="1">
+                <a:solidFill>
+                  <a:srgbClr val="000000"/>
+                </a:solidFill>
+                <a:latin typeface="Consolas" charset="0"/>
+                <a:ea typeface="Consolas" charset="0"/>
+                <a:cs typeface="Consolas" charset="0"/>
+              </a:rPr>
+              <a:t>badMethod</a:t>
+            </a:r>
+            <a:r>
+              <a:rPr lang="de-DE" sz="1100" dirty="0">
+                <a:solidFill>
+                  <a:srgbClr val="000000"/>
+                </a:solidFill>
+                <a:latin typeface="Consolas" charset="0"/>
+                <a:ea typeface="Consolas" charset="0"/>
+                <a:cs typeface="Consolas" charset="0"/>
+              </a:rPr>
+              <a:t>();  </a:t>
+            </a:r>
+          </a:p>
+          <a:p>
+            <a:r>
+              <a:rPr lang="de-DE" sz="1100" dirty="0">
+                <a:solidFill>
+                  <a:srgbClr val="000000"/>
+                </a:solidFill>
+                <a:latin typeface="Consolas" charset="0"/>
+                <a:ea typeface="Consolas" charset="0"/>
+                <a:cs typeface="Consolas" charset="0"/>
+              </a:rPr>
+              <a:t>            </a:t>
+            </a:r>
+            <a:r>
+              <a:rPr lang="de-DE" sz="1100" dirty="0" err="1">
+                <a:solidFill>
+                  <a:srgbClr val="000000"/>
+                </a:solidFill>
+                <a:latin typeface="Consolas" charset="0"/>
+                <a:ea typeface="Consolas" charset="0"/>
+                <a:cs typeface="Consolas" charset="0"/>
+              </a:rPr>
+              <a:t>System.out.print</a:t>
+            </a:r>
+            <a:r>
+              <a:rPr lang="de-DE" sz="1100" dirty="0">
+                <a:solidFill>
+                  <a:srgbClr val="000000"/>
+                </a:solidFill>
+                <a:latin typeface="Consolas" charset="0"/>
+                <a:ea typeface="Consolas" charset="0"/>
+                <a:cs typeface="Consolas" charset="0"/>
+              </a:rPr>
+              <a:t>(</a:t>
+            </a:r>
+            <a:r>
+              <a:rPr lang="de-DE" sz="1100" dirty="0">
+                <a:solidFill>
+                  <a:srgbClr val="E7232E"/>
+                </a:solidFill>
+                <a:latin typeface="Consolas" charset="0"/>
+                <a:ea typeface="Consolas" charset="0"/>
+                <a:cs typeface="Consolas" charset="0"/>
+              </a:rPr>
+              <a:t>"A"</a:t>
+            </a:r>
+            <a:r>
+              <a:rPr lang="de-DE" sz="1100" dirty="0">
+                <a:solidFill>
+                  <a:srgbClr val="000000"/>
+                </a:solidFill>
+                <a:latin typeface="Consolas" charset="0"/>
+                <a:ea typeface="Consolas" charset="0"/>
+                <a:cs typeface="Consolas" charset="0"/>
+              </a:rPr>
+              <a:t>); </a:t>
+            </a:r>
+          </a:p>
+          <a:p>
+            <a:r>
+              <a:rPr lang="de-DE" sz="1100" dirty="0">
+                <a:solidFill>
+                  <a:srgbClr val="000000"/>
+                </a:solidFill>
+                <a:latin typeface="Consolas" charset="0"/>
+                <a:ea typeface="Consolas" charset="0"/>
+                <a:cs typeface="Consolas" charset="0"/>
+              </a:rPr>
+              <a:t>        }  </a:t>
+            </a:r>
+          </a:p>
+          <a:p>
+            <a:r>
+              <a:rPr lang="de-DE" sz="1100" dirty="0">
+                <a:solidFill>
+                  <a:srgbClr val="000000"/>
+                </a:solidFill>
+                <a:latin typeface="Consolas" charset="0"/>
+                <a:ea typeface="Consolas" charset="0"/>
+                <a:cs typeface="Consolas" charset="0"/>
+              </a:rPr>
+              <a:t>        </a:t>
+            </a:r>
+            <a:r>
+              <a:rPr lang="de-DE" sz="1100" dirty="0">
+                <a:solidFill>
+                  <a:srgbClr val="0000FF"/>
+                </a:solidFill>
+                <a:latin typeface="Consolas" charset="0"/>
+                <a:ea typeface="Consolas" charset="0"/>
+                <a:cs typeface="Consolas" charset="0"/>
+              </a:rPr>
+              <a:t>catch</a:t>
+            </a:r>
+            <a:r>
+              <a:rPr lang="de-DE" sz="1100" dirty="0">
+                <a:solidFill>
+                  <a:srgbClr val="000000"/>
+                </a:solidFill>
+                <a:latin typeface="Consolas" charset="0"/>
+                <a:ea typeface="Consolas" charset="0"/>
+                <a:cs typeface="Consolas" charset="0"/>
+              </a:rPr>
+              <a:t> (</a:t>
+            </a:r>
+            <a:r>
+              <a:rPr lang="de-DE" sz="1100" dirty="0" err="1">
+                <a:solidFill>
+                  <a:srgbClr val="000000"/>
+                </a:solidFill>
+                <a:latin typeface="Consolas" charset="0"/>
+                <a:ea typeface="Consolas" charset="0"/>
+                <a:cs typeface="Consolas" charset="0"/>
+              </a:rPr>
+              <a:t>Exception</a:t>
+            </a:r>
+            <a:r>
+              <a:rPr lang="de-DE" sz="1100" dirty="0">
+                <a:solidFill>
+                  <a:srgbClr val="000000"/>
+                </a:solidFill>
+                <a:latin typeface="Consolas" charset="0"/>
+                <a:ea typeface="Consolas" charset="0"/>
+                <a:cs typeface="Consolas" charset="0"/>
+              </a:rPr>
+              <a:t> ex) </a:t>
+            </a:r>
+          </a:p>
+          <a:p>
+            <a:r>
+              <a:rPr lang="de-DE" sz="1100" dirty="0">
+                <a:solidFill>
+                  <a:srgbClr val="000000"/>
+                </a:solidFill>
+                <a:latin typeface="Consolas" charset="0"/>
+                <a:ea typeface="Consolas" charset="0"/>
+                <a:cs typeface="Consolas" charset="0"/>
+              </a:rPr>
+              <a:t>        {</a:t>
+            </a:r>
+          </a:p>
+          <a:p>
+            <a:r>
+              <a:rPr lang="de-DE" sz="1100" dirty="0">
+                <a:solidFill>
+                  <a:srgbClr val="000000"/>
+                </a:solidFill>
+                <a:latin typeface="Consolas" charset="0"/>
+                <a:ea typeface="Consolas" charset="0"/>
+                <a:cs typeface="Consolas" charset="0"/>
+              </a:rPr>
+              <a:t>            </a:t>
+            </a:r>
+            <a:r>
+              <a:rPr lang="de-DE" sz="1100" dirty="0" err="1">
+                <a:solidFill>
+                  <a:srgbClr val="000000"/>
+                </a:solidFill>
+                <a:latin typeface="Consolas" charset="0"/>
+                <a:ea typeface="Consolas" charset="0"/>
+                <a:cs typeface="Consolas" charset="0"/>
+              </a:rPr>
+              <a:t>System.out.print</a:t>
+            </a:r>
+            <a:r>
+              <a:rPr lang="de-DE" sz="1100" dirty="0">
+                <a:solidFill>
+                  <a:srgbClr val="000000"/>
+                </a:solidFill>
+                <a:latin typeface="Consolas" charset="0"/>
+                <a:ea typeface="Consolas" charset="0"/>
+                <a:cs typeface="Consolas" charset="0"/>
+              </a:rPr>
+              <a:t>(</a:t>
+            </a:r>
+            <a:r>
+              <a:rPr lang="de-DE" sz="1100" dirty="0">
+                <a:solidFill>
+                  <a:srgbClr val="E7232E"/>
+                </a:solidFill>
+                <a:latin typeface="Consolas" charset="0"/>
+                <a:ea typeface="Consolas" charset="0"/>
+                <a:cs typeface="Consolas" charset="0"/>
+              </a:rPr>
+              <a:t>"B"</a:t>
+            </a:r>
+            <a:r>
+              <a:rPr lang="de-DE" sz="1100" dirty="0">
+                <a:solidFill>
+                  <a:srgbClr val="000000"/>
+                </a:solidFill>
+                <a:latin typeface="Consolas" charset="0"/>
+                <a:ea typeface="Consolas" charset="0"/>
+                <a:cs typeface="Consolas" charset="0"/>
+              </a:rPr>
+              <a:t>);  </a:t>
+            </a:r>
+          </a:p>
+          <a:p>
+            <a:r>
+              <a:rPr lang="de-DE" sz="1100" dirty="0">
+                <a:solidFill>
+                  <a:srgbClr val="000000"/>
+                </a:solidFill>
+                <a:latin typeface="Consolas" charset="0"/>
+                <a:ea typeface="Consolas" charset="0"/>
+                <a:cs typeface="Consolas" charset="0"/>
+              </a:rPr>
+              <a:t>        } </a:t>
+            </a:r>
+          </a:p>
+          <a:p>
+            <a:r>
+              <a:rPr lang="en-US" sz="1100" dirty="0">
+                <a:solidFill>
+                  <a:srgbClr val="000000"/>
+                </a:solidFill>
+                <a:latin typeface="Consolas" charset="0"/>
+                <a:ea typeface="Consolas" charset="0"/>
+                <a:cs typeface="Consolas" charset="0"/>
+              </a:rPr>
+              <a:t>        </a:t>
+            </a:r>
+            <a:r>
+              <a:rPr lang="en-US" sz="1100" dirty="0">
+                <a:solidFill>
+                  <a:srgbClr val="0000FF"/>
+                </a:solidFill>
+                <a:latin typeface="Consolas" charset="0"/>
+                <a:ea typeface="Consolas" charset="0"/>
+                <a:cs typeface="Consolas" charset="0"/>
+              </a:rPr>
+              <a:t>finally</a:t>
+            </a:r>
+            <a:r>
+              <a:rPr lang="en-US" sz="1100" dirty="0">
+                <a:solidFill>
+                  <a:srgbClr val="000000"/>
+                </a:solidFill>
+                <a:latin typeface="Consolas" charset="0"/>
+                <a:ea typeface="Consolas" charset="0"/>
+                <a:cs typeface="Consolas" charset="0"/>
+              </a:rPr>
+              <a:t> </a:t>
+            </a:r>
+          </a:p>
+          <a:p>
+            <a:r>
+              <a:rPr lang="de-DE" sz="1100" dirty="0">
+                <a:solidFill>
+                  <a:srgbClr val="000000"/>
+                </a:solidFill>
+                <a:latin typeface="Consolas" charset="0"/>
+                <a:ea typeface="Consolas" charset="0"/>
+                <a:cs typeface="Consolas" charset="0"/>
+              </a:rPr>
+              <a:t>        {</a:t>
+            </a:r>
+          </a:p>
+          <a:p>
+            <a:r>
+              <a:rPr lang="de-DE" sz="1100" dirty="0">
+                <a:solidFill>
+                  <a:srgbClr val="000000"/>
+                </a:solidFill>
+                <a:latin typeface="Consolas" charset="0"/>
+                <a:ea typeface="Consolas" charset="0"/>
+                <a:cs typeface="Consolas" charset="0"/>
+              </a:rPr>
+              <a:t>            </a:t>
+            </a:r>
+            <a:r>
+              <a:rPr lang="de-DE" sz="1100" dirty="0" err="1">
+                <a:solidFill>
+                  <a:srgbClr val="000000"/>
+                </a:solidFill>
+                <a:latin typeface="Consolas" charset="0"/>
+                <a:ea typeface="Consolas" charset="0"/>
+                <a:cs typeface="Consolas" charset="0"/>
+              </a:rPr>
+              <a:t>System.out.print</a:t>
+            </a:r>
+            <a:r>
+              <a:rPr lang="de-DE" sz="1100" dirty="0">
+                <a:solidFill>
+                  <a:srgbClr val="000000"/>
+                </a:solidFill>
+                <a:latin typeface="Consolas" charset="0"/>
+                <a:ea typeface="Consolas" charset="0"/>
+                <a:cs typeface="Consolas" charset="0"/>
+              </a:rPr>
+              <a:t>(</a:t>
+            </a:r>
+            <a:r>
+              <a:rPr lang="de-DE" sz="1100" dirty="0">
+                <a:solidFill>
+                  <a:srgbClr val="E7232E"/>
+                </a:solidFill>
+                <a:latin typeface="Consolas" charset="0"/>
+                <a:ea typeface="Consolas" charset="0"/>
+                <a:cs typeface="Consolas" charset="0"/>
+              </a:rPr>
+              <a:t>"C"</a:t>
+            </a:r>
+            <a:r>
+              <a:rPr lang="de-DE" sz="1100" dirty="0">
+                <a:solidFill>
+                  <a:srgbClr val="000000"/>
+                </a:solidFill>
+                <a:latin typeface="Consolas" charset="0"/>
+                <a:ea typeface="Consolas" charset="0"/>
+                <a:cs typeface="Consolas" charset="0"/>
+              </a:rPr>
+              <a:t>); </a:t>
+            </a:r>
+          </a:p>
+          <a:p>
+            <a:r>
+              <a:rPr lang="de-DE" sz="1100" dirty="0">
+                <a:solidFill>
+                  <a:srgbClr val="000000"/>
+                </a:solidFill>
+                <a:latin typeface="Consolas" charset="0"/>
+                <a:ea typeface="Consolas" charset="0"/>
+                <a:cs typeface="Consolas" charset="0"/>
+              </a:rPr>
+              <a:t>        } </a:t>
+            </a:r>
+          </a:p>
+          <a:p>
+            <a:r>
+              <a:rPr lang="de-DE" sz="1100" dirty="0">
+                <a:solidFill>
+                  <a:srgbClr val="000000"/>
+                </a:solidFill>
+                <a:latin typeface="Consolas" charset="0"/>
+                <a:ea typeface="Consolas" charset="0"/>
+                <a:cs typeface="Consolas" charset="0"/>
+              </a:rPr>
+              <a:t>        </a:t>
+            </a:r>
+            <a:r>
+              <a:rPr lang="de-DE" sz="1100" dirty="0" err="1">
+                <a:solidFill>
+                  <a:srgbClr val="000000"/>
+                </a:solidFill>
+                <a:latin typeface="Consolas" charset="0"/>
+                <a:ea typeface="Consolas" charset="0"/>
+                <a:cs typeface="Consolas" charset="0"/>
+              </a:rPr>
+              <a:t>System.out.print</a:t>
+            </a:r>
+            <a:r>
+              <a:rPr lang="de-DE" sz="1100" dirty="0">
+                <a:solidFill>
+                  <a:srgbClr val="000000"/>
+                </a:solidFill>
+                <a:latin typeface="Consolas" charset="0"/>
+                <a:ea typeface="Consolas" charset="0"/>
+                <a:cs typeface="Consolas" charset="0"/>
+              </a:rPr>
+              <a:t>(</a:t>
+            </a:r>
+            <a:r>
+              <a:rPr lang="de-DE" sz="1100" dirty="0">
+                <a:solidFill>
+                  <a:srgbClr val="E7232E"/>
+                </a:solidFill>
+                <a:latin typeface="Consolas" charset="0"/>
+                <a:ea typeface="Consolas" charset="0"/>
+                <a:cs typeface="Consolas" charset="0"/>
+              </a:rPr>
+              <a:t>"D"</a:t>
+            </a:r>
+            <a:r>
+              <a:rPr lang="de-DE" sz="1100" dirty="0">
+                <a:solidFill>
+                  <a:srgbClr val="000000"/>
+                </a:solidFill>
+                <a:latin typeface="Consolas" charset="0"/>
+                <a:ea typeface="Consolas" charset="0"/>
+                <a:cs typeface="Consolas" charset="0"/>
+              </a:rPr>
+              <a:t>); </a:t>
+            </a:r>
+          </a:p>
+          <a:p>
+            <a:r>
+              <a:rPr lang="de-DE" sz="1100" dirty="0">
+                <a:solidFill>
+                  <a:srgbClr val="000000"/>
+                </a:solidFill>
+                <a:latin typeface="Consolas" charset="0"/>
+                <a:ea typeface="Consolas" charset="0"/>
+                <a:cs typeface="Consolas" charset="0"/>
+              </a:rPr>
+              <a:t>    }  </a:t>
+            </a:r>
+          </a:p>
+          <a:p>
+            <a:r>
+              <a:rPr lang="de-DE" sz="1100" dirty="0">
+                <a:solidFill>
+                  <a:srgbClr val="000000"/>
+                </a:solidFill>
+                <a:latin typeface="Consolas" charset="0"/>
+                <a:ea typeface="Consolas" charset="0"/>
+                <a:cs typeface="Consolas" charset="0"/>
+              </a:rPr>
+              <a:t>    </a:t>
+            </a:r>
+            <a:r>
+              <a:rPr lang="de-DE" sz="1100" dirty="0" err="1">
+                <a:solidFill>
+                  <a:srgbClr val="0000FF"/>
+                </a:solidFill>
+                <a:latin typeface="Consolas" charset="0"/>
+                <a:ea typeface="Consolas" charset="0"/>
+                <a:cs typeface="Consolas" charset="0"/>
+              </a:rPr>
+              <a:t>public</a:t>
+            </a:r>
+            <a:r>
+              <a:rPr lang="de-DE" sz="1100" dirty="0">
+                <a:solidFill>
+                  <a:srgbClr val="000000"/>
+                </a:solidFill>
+                <a:latin typeface="Consolas" charset="0"/>
+                <a:ea typeface="Consolas" charset="0"/>
+                <a:cs typeface="Consolas" charset="0"/>
+              </a:rPr>
+              <a:t> </a:t>
+            </a:r>
+            <a:r>
+              <a:rPr lang="de-DE" sz="1100" dirty="0" err="1">
+                <a:solidFill>
+                  <a:srgbClr val="0000FF"/>
+                </a:solidFill>
+                <a:latin typeface="Consolas" charset="0"/>
+                <a:ea typeface="Consolas" charset="0"/>
+                <a:cs typeface="Consolas" charset="0"/>
+              </a:rPr>
+              <a:t>static</a:t>
+            </a:r>
+            <a:r>
+              <a:rPr lang="de-DE" sz="1100" dirty="0">
+                <a:solidFill>
+                  <a:srgbClr val="000000"/>
+                </a:solidFill>
+                <a:latin typeface="Consolas" charset="0"/>
+                <a:ea typeface="Consolas" charset="0"/>
+                <a:cs typeface="Consolas" charset="0"/>
+              </a:rPr>
+              <a:t> </a:t>
+            </a:r>
+            <a:r>
+              <a:rPr lang="de-DE" sz="1100" dirty="0" err="1">
+                <a:solidFill>
+                  <a:srgbClr val="0000FF"/>
+                </a:solidFill>
+                <a:latin typeface="Consolas" charset="0"/>
+                <a:ea typeface="Consolas" charset="0"/>
+                <a:cs typeface="Consolas" charset="0"/>
+              </a:rPr>
+              <a:t>void</a:t>
+            </a:r>
+            <a:r>
+              <a:rPr lang="de-DE" sz="1100" dirty="0">
+                <a:solidFill>
+                  <a:srgbClr val="000000"/>
+                </a:solidFill>
+                <a:latin typeface="Consolas" charset="0"/>
+                <a:ea typeface="Consolas" charset="0"/>
+                <a:cs typeface="Consolas" charset="0"/>
+              </a:rPr>
+              <a:t> </a:t>
+            </a:r>
+            <a:r>
+              <a:rPr lang="de-DE" sz="1100" dirty="0" err="1">
+                <a:solidFill>
+                  <a:srgbClr val="000000"/>
+                </a:solidFill>
+                <a:latin typeface="Consolas" charset="0"/>
+                <a:ea typeface="Consolas" charset="0"/>
+                <a:cs typeface="Consolas" charset="0"/>
+              </a:rPr>
+              <a:t>badMethod</a:t>
+            </a:r>
+            <a:r>
+              <a:rPr lang="de-DE" sz="1100" dirty="0">
+                <a:solidFill>
+                  <a:srgbClr val="000000"/>
+                </a:solidFill>
+                <a:latin typeface="Consolas" charset="0"/>
+                <a:ea typeface="Consolas" charset="0"/>
+                <a:cs typeface="Consolas" charset="0"/>
+              </a:rPr>
+              <a:t>() </a:t>
+            </a:r>
+          </a:p>
+          <a:p>
+            <a:r>
+              <a:rPr lang="de-DE" sz="1100" dirty="0">
+                <a:solidFill>
+                  <a:srgbClr val="000000"/>
+                </a:solidFill>
+                <a:latin typeface="Consolas" charset="0"/>
+                <a:ea typeface="Consolas" charset="0"/>
+                <a:cs typeface="Consolas" charset="0"/>
+              </a:rPr>
+              <a:t>    {</a:t>
+            </a:r>
+          </a:p>
+          <a:p>
+            <a:r>
+              <a:rPr lang="en-US" sz="1100" dirty="0">
+                <a:solidFill>
+                  <a:srgbClr val="000000"/>
+                </a:solidFill>
+                <a:latin typeface="Consolas" charset="0"/>
+                <a:ea typeface="Consolas" charset="0"/>
+                <a:cs typeface="Consolas" charset="0"/>
+              </a:rPr>
+              <a:t>        </a:t>
+            </a:r>
+            <a:r>
+              <a:rPr lang="en-US" sz="1100" dirty="0">
+                <a:solidFill>
+                  <a:srgbClr val="0000FF"/>
+                </a:solidFill>
+                <a:latin typeface="Consolas" charset="0"/>
+                <a:ea typeface="Consolas" charset="0"/>
+                <a:cs typeface="Consolas" charset="0"/>
+              </a:rPr>
+              <a:t>throw</a:t>
+            </a:r>
+            <a:r>
+              <a:rPr lang="en-US" sz="1100" dirty="0">
+                <a:solidFill>
+                  <a:srgbClr val="000000"/>
+                </a:solidFill>
+                <a:latin typeface="Consolas" charset="0"/>
+                <a:ea typeface="Consolas" charset="0"/>
+                <a:cs typeface="Consolas" charset="0"/>
+              </a:rPr>
+              <a:t> </a:t>
+            </a:r>
+            <a:r>
+              <a:rPr lang="en-US" sz="1100" dirty="0">
+                <a:solidFill>
+                  <a:srgbClr val="0000FF"/>
+                </a:solidFill>
+                <a:latin typeface="Consolas" charset="0"/>
+                <a:ea typeface="Consolas" charset="0"/>
+                <a:cs typeface="Consolas" charset="0"/>
+              </a:rPr>
+              <a:t>new</a:t>
+            </a:r>
+            <a:r>
+              <a:rPr lang="en-US" sz="1100" dirty="0">
+                <a:solidFill>
+                  <a:srgbClr val="000000"/>
+                </a:solidFill>
+                <a:latin typeface="Consolas" charset="0"/>
+                <a:ea typeface="Consolas" charset="0"/>
+                <a:cs typeface="Consolas" charset="0"/>
+              </a:rPr>
+              <a:t> Error(); </a:t>
+            </a:r>
+            <a:r>
+              <a:rPr lang="en-US" sz="1100" dirty="0">
+                <a:solidFill>
+                  <a:srgbClr val="128B02"/>
+                </a:solidFill>
+                <a:latin typeface="Consolas" charset="0"/>
+                <a:ea typeface="Consolas" charset="0"/>
+                <a:cs typeface="Consolas" charset="0"/>
+              </a:rPr>
+              <a:t>/* Line 22 */</a:t>
+            </a:r>
+            <a:endParaRPr lang="en-US" sz="1100" dirty="0">
+              <a:solidFill>
+                <a:srgbClr val="000000"/>
+              </a:solidFill>
+              <a:latin typeface="Consolas" charset="0"/>
+              <a:ea typeface="Consolas" charset="0"/>
+              <a:cs typeface="Consolas" charset="0"/>
+            </a:endParaRPr>
+          </a:p>
+          <a:p>
+            <a:r>
+              <a:rPr lang="de-DE" sz="1100" dirty="0">
+                <a:solidFill>
+                  <a:srgbClr val="000000"/>
+                </a:solidFill>
+                <a:latin typeface="Consolas" charset="0"/>
+                <a:ea typeface="Consolas" charset="0"/>
+                <a:cs typeface="Consolas" charset="0"/>
+              </a:rPr>
+              <a:t>    } </a:t>
+            </a:r>
+          </a:p>
+          <a:p>
+            <a:r>
+              <a:rPr lang="de-DE" sz="1100" dirty="0">
+                <a:solidFill>
+                  <a:srgbClr val="000000"/>
+                </a:solidFill>
+                <a:latin typeface="Consolas" charset="0"/>
+                <a:ea typeface="Consolas" charset="0"/>
+                <a:cs typeface="Consolas" charset="0"/>
+              </a:rPr>
+              <a:t>}</a:t>
+            </a:r>
+            <a:endParaRPr lang="en-US" sz="1100" dirty="0">
+              <a:latin typeface="Consolas" charset="0"/>
+              <a:ea typeface="Consolas" charset="0"/>
+              <a:cs typeface="Consolas" charset="0"/>
+            </a:endParaRPr>
+          </a:p>
+        </p:txBody>
+      </p:sp>
+      <p:sp>
+        <p:nvSpPr>
+          <p:cNvPr id="7" name="Rectangle 6"/>
+          <p:cNvSpPr/>
+          <p:nvPr/>
+        </p:nvSpPr>
+        <p:spPr>
+          <a:xfrm>
+            <a:off x="4321175" y="1412776"/>
+            <a:ext cx="4572000" cy="1754326"/>
+          </a:xfrm>
+          <a:prstGeom prst="rect">
+            <a:avLst/>
+          </a:prstGeom>
+        </p:spPr>
+        <p:txBody>
+          <a:bodyPr>
+            <a:spAutoFit/>
+          </a:bodyPr>
+          <a:lstStyle/>
+          <a:p>
             <a:pPr marL="342900" indent="-342900">
               <a:buFont typeface="+mj-lt"/>
-              <a:buAutoNum type="alphaLcParenR"/>
+              <a:buAutoNum type="arabicPeriod"/>
             </a:pPr>
-            <a:endParaRPr lang="pt-BR" dirty="0"/>
+            <a:r>
+              <a:rPr lang="en-US" dirty="0"/>
+              <a:t>ABCD	</a:t>
+            </a:r>
           </a:p>
           <a:p>
             <a:pPr marL="342900" indent="-342900">
               <a:buFont typeface="+mj-lt"/>
-              <a:buAutoNum type="alphaLcParenR"/>
+              <a:buAutoNum type="arabicPeriod"/>
             </a:pPr>
             <a:r>
-              <a:rPr lang="pt-BR" dirty="0"/>
-              <a:t>__</a:t>
-            </a:r>
-            <a:r>
-              <a:rPr lang="pt-BR" dirty="0" err="1"/>
-              <a:t>error</a:t>
-            </a:r>
-            <a:endParaRPr lang="pt-BR" dirty="0"/>
+              <a:rPr lang="en-US" dirty="0" smtClean="0"/>
+              <a:t>Compilation </a:t>
+            </a:r>
+            <a:r>
+              <a:rPr lang="en-US" dirty="0"/>
+              <a:t>fails.	</a:t>
+            </a:r>
           </a:p>
           <a:p>
             <a:pPr marL="342900" indent="-342900">
               <a:buFont typeface="+mj-lt"/>
-              <a:buAutoNum type="alphaLcParenR"/>
+              <a:buAutoNum type="arabicPeriod"/>
             </a:pPr>
             <a:r>
-              <a:rPr lang="pt-BR" dirty="0"/>
-              <a:t>__</a:t>
-            </a:r>
-            <a:r>
-              <a:rPr lang="pt-BR" dirty="0" err="1"/>
-              <a:t>checked</a:t>
-            </a:r>
-            <a:r>
-              <a:rPr lang="pt-BR" dirty="0"/>
-              <a:t> </a:t>
-            </a:r>
-            <a:r>
-              <a:rPr lang="pt-BR" dirty="0" err="1"/>
-              <a:t>exception</a:t>
-            </a:r>
-            <a:endParaRPr lang="pt-BR" dirty="0"/>
+              <a:rPr lang="en-US" dirty="0" smtClean="0"/>
+              <a:t>C </a:t>
+            </a:r>
+            <a:r>
+              <a:rPr lang="en-US" dirty="0"/>
+              <a:t>is printed before exiting with an error message.	</a:t>
+            </a:r>
           </a:p>
           <a:p>
             <a:pPr marL="342900" indent="-342900">
               <a:buFont typeface="+mj-lt"/>
-              <a:buAutoNum type="alphaLcParenR"/>
+              <a:buAutoNum type="arabicPeriod"/>
             </a:pPr>
             <a:r>
-              <a:rPr lang="pt-BR" dirty="0"/>
-              <a:t>__compile </a:t>
-            </a:r>
-            <a:r>
-              <a:rPr lang="pt-BR" dirty="0" err="1"/>
-              <a:t>error</a:t>
-            </a:r>
-            <a:endParaRPr lang="pt-BR" dirty="0"/>
-          </a:p>
-          <a:p>
-            <a:pPr marL="342900" indent="-342900">
-              <a:buFont typeface="+mj-lt"/>
-              <a:buAutoNum type="alphaLcParenR"/>
-            </a:pPr>
-            <a:r>
-              <a:rPr lang="pt-BR" dirty="0"/>
-              <a:t>__no </a:t>
-            </a:r>
-            <a:r>
-              <a:rPr lang="pt-BR" dirty="0" err="1"/>
-              <a:t>exception</a:t>
-            </a:r>
-            <a:endParaRPr lang="pt-BR" dirty="0"/>
+              <a:rPr lang="en-US" dirty="0" smtClean="0"/>
+              <a:t>BC </a:t>
+            </a:r>
+            <a:r>
+              <a:rPr lang="en-US" dirty="0"/>
+              <a:t>is printed before exiting with an error message.</a:t>
+            </a:r>
           </a:p>
         </p:txBody>
       </p:sp>
     </p:spTree>
     <p:extLst>
       <p:ext uri="{BB962C8B-B14F-4D97-AF65-F5344CB8AC3E}">
-        <p14:creationId xmlns:p14="http://schemas.microsoft.com/office/powerpoint/2010/main" val="1540398265"/>
+        <p14:creationId xmlns:p14="http://schemas.microsoft.com/office/powerpoint/2010/main" val="521508169"/>
       </p:ext>
     </p:extLst>
   </p:cSld>
@@ -10153,14 +13258,50 @@
       </p:sp>
       <p:sp>
         <p:nvSpPr>
-          <p:cNvPr id="9" name="Rectangle 8"/>
+          <p:cNvPr id="10" name="TextBox 9"/>
+          <p:cNvSpPr txBox="1"/>
+          <p:nvPr/>
+        </p:nvSpPr>
+        <p:spPr>
+          <a:xfrm>
+            <a:off x="4333999" y="1089610"/>
+            <a:ext cx="1043876" cy="646331"/>
+          </a:xfrm>
+          <a:prstGeom prst="rect">
+            <a:avLst/>
+          </a:prstGeom>
+          <a:noFill/>
+        </p:spPr>
+        <p:txBody>
+          <a:bodyPr wrap="none" rtlCol="0">
+            <a:spAutoFit/>
+          </a:bodyPr>
+          <a:lstStyle/>
+          <a:p>
+            <a:r>
+              <a:rPr lang="en-US" dirty="0" err="1" smtClean="0"/>
+              <a:t>Stampa</a:t>
+            </a:r>
+            <a:r>
+              <a:rPr lang="en-US" dirty="0" smtClean="0"/>
+              <a:t>:</a:t>
+            </a:r>
+          </a:p>
+          <a:p>
+            <a:endParaRPr lang="en-US" dirty="0"/>
+          </a:p>
+        </p:txBody>
+      </p:sp>
+      <p:sp>
+        <p:nvSpPr>
+          <p:cNvPr id="7" name="Rectangle 6"/>
           <p:cNvSpPr/>
           <p:nvPr/>
         </p:nvSpPr>
         <p:spPr>
           <a:xfrm>
-            <a:off x="900239" y="555625"/>
-            <a:ext cx="4572000" cy="2970044"/>
+            <a:off x="4321175" y="1412776"/>
+            <a:ext cx="4572000" cy="1200329"/>
           </a:xfrm>
           <a:prstGeom prst="rect">
             <a:avLst/>
@@ -10172,18 +13313,165 @@
           </a:bodyPr>
           <a:lstStyle/>
           <a:p>
+            <a:pPr marL="342900" indent="-342900">
+              <a:buFont typeface="+mj-lt"/>
+              <a:buAutoNum type="arabicPeriod"/>
+            </a:pPr>
+            <a:r>
+              <a:rPr lang="en-US" dirty="0"/>
+              <a:t>BD </a:t>
+            </a:r>
+            <a:r>
+              <a:rPr lang="en-US" dirty="0"/>
+              <a:t>	</a:t>
+            </a:r>
+            <a:endParaRPr lang="en-US" dirty="0" smtClean="0"/>
+          </a:p>
+          <a:p>
+            <a:pPr marL="342900" indent="-342900">
+              <a:buFont typeface="+mj-lt"/>
+              <a:buAutoNum type="arabicPeriod"/>
+            </a:pPr>
+            <a:r>
+              <a:rPr lang="en-US" dirty="0" smtClean="0"/>
+              <a:t>BCD</a:t>
+            </a:r>
+            <a:endParaRPr lang="en-US" dirty="0"/>
+          </a:p>
+          <a:p>
+            <a:pPr marL="342900" indent="-342900">
+              <a:buFont typeface="+mj-lt"/>
+              <a:buAutoNum type="arabicPeriod"/>
+            </a:pPr>
+            <a:r>
+              <a:rPr lang="en-US" dirty="0" smtClean="0"/>
+              <a:t>BDE</a:t>
+            </a:r>
+            <a:r>
+              <a:rPr lang="en-US" dirty="0"/>
+              <a:t>	</a:t>
+            </a:r>
+          </a:p>
+          <a:p>
+            <a:pPr marL="342900" indent="-342900">
+              <a:buFont typeface="+mj-lt"/>
+              <a:buAutoNum type="arabicPeriod"/>
+            </a:pPr>
+            <a:r>
+              <a:rPr lang="en-US" dirty="0"/>
+              <a:t>BCDE</a:t>
+            </a:r>
+            <a:endParaRPr lang="en-US" dirty="0"/>
+          </a:p>
+        </p:txBody>
+      </p:sp>
+      <p:sp>
+        <p:nvSpPr>
+          <p:cNvPr id="3" name="Rectangle 2"/>
+          <p:cNvSpPr/>
+          <p:nvPr/>
+        </p:nvSpPr>
+        <p:spPr>
+          <a:xfrm>
+            <a:off x="103187" y="404664"/>
+            <a:ext cx="4572000" cy="4832092"/>
+          </a:xfrm>
+          <a:prstGeom prst="rect">
+            <a:avLst/>
+          </a:prstGeom>
+        </p:spPr>
+        <p:txBody>
+          <a:bodyPr>
+            <a:spAutoFit/>
+          </a:bodyPr>
+          <a:lstStyle/>
+          <a:p>
             <a:r>
               <a:rPr lang="en-US" sz="1100" dirty="0">
-                <a:latin typeface="Consolas" charset="0"/>
-                <a:ea typeface="Consolas" charset="0"/>
-                <a:cs typeface="Consolas" charset="0"/>
-              </a:rPr>
-              <a:t>public static void cat(File file) {</a:t>
-            </a:r>
-          </a:p>
-          <a:p>
+                <a:solidFill>
+                  <a:srgbClr val="0000FF"/>
+                </a:solidFill>
+                <a:latin typeface="Consolas" charset="0"/>
+                <a:ea typeface="Consolas" charset="0"/>
+                <a:cs typeface="Consolas" charset="0"/>
+              </a:rPr>
+              <a:t>public</a:t>
+            </a:r>
             <a:r>
               <a:rPr lang="en-US" sz="1100" dirty="0">
+                <a:solidFill>
+                  <a:srgbClr val="000000"/>
+                </a:solidFill>
+                <a:latin typeface="Consolas" charset="0"/>
+                <a:ea typeface="Consolas" charset="0"/>
+                <a:cs typeface="Consolas" charset="0"/>
+              </a:rPr>
+              <a:t> </a:t>
+            </a:r>
+            <a:r>
+              <a:rPr lang="en-US" sz="1100" dirty="0">
+                <a:solidFill>
+                  <a:srgbClr val="0000FF"/>
+                </a:solidFill>
+                <a:latin typeface="Consolas" charset="0"/>
+                <a:ea typeface="Consolas" charset="0"/>
+                <a:cs typeface="Consolas" charset="0"/>
+              </a:rPr>
+              <a:t>class</a:t>
+            </a:r>
+            <a:r>
+              <a:rPr lang="en-US" sz="1100" dirty="0">
+                <a:solidFill>
+                  <a:srgbClr val="000000"/>
+                </a:solidFill>
+                <a:latin typeface="Consolas" charset="0"/>
+                <a:ea typeface="Consolas" charset="0"/>
+                <a:cs typeface="Consolas" charset="0"/>
+              </a:rPr>
+              <a:t> </a:t>
+            </a:r>
+            <a:r>
+              <a:rPr lang="en-US" sz="1100" dirty="0">
+                <a:solidFill>
+                  <a:srgbClr val="E7232E"/>
+                </a:solidFill>
+                <a:latin typeface="Consolas" charset="0"/>
+                <a:ea typeface="Consolas" charset="0"/>
+                <a:cs typeface="Consolas" charset="0"/>
+              </a:rPr>
+              <a:t>X</a:t>
+            </a:r>
+            <a:r>
+              <a:rPr lang="en-US" sz="1100" dirty="0">
+                <a:solidFill>
+                  <a:srgbClr val="000000"/>
+                </a:solidFill>
+                <a:latin typeface="Consolas" charset="0"/>
+                <a:ea typeface="Consolas" charset="0"/>
+                <a:cs typeface="Consolas" charset="0"/>
+              </a:rPr>
+              <a:t> </a:t>
+            </a:r>
+          </a:p>
+          <a:p>
+            <a:r>
+              <a:rPr lang="de-DE" sz="1100" dirty="0">
+                <a:solidFill>
+                  <a:srgbClr val="000000"/>
+                </a:solidFill>
+                <a:latin typeface="Consolas" charset="0"/>
+                <a:ea typeface="Consolas" charset="0"/>
+                <a:cs typeface="Consolas" charset="0"/>
+              </a:rPr>
+              <a:t>{  </a:t>
+            </a:r>
+          </a:p>
+          <a:p>
+            <a:r>
+              <a:rPr lang="de-DE" sz="1100" dirty="0">
+                <a:solidFill>
+                  <a:srgbClr val="000000"/>
+                </a:solidFill>
                 <a:latin typeface="Consolas" charset="0"/>
                 <a:ea typeface="Consolas" charset="0"/>
                 <a:cs typeface="Consolas" charset="0"/>
@@ -10191,34 +13479,353 @@
               <a:t>    </a:t>
             </a:r>
             <a:r>
-              <a:rPr lang="en-US" sz="1100" dirty="0" err="1">
-                <a:latin typeface="Consolas" charset="0"/>
-                <a:ea typeface="Consolas" charset="0"/>
-                <a:cs typeface="Consolas" charset="0"/>
-              </a:rPr>
-              <a:t>RandomAccessFile</a:t>
-            </a:r>
+              <a:rPr lang="de-DE" sz="1100" dirty="0" err="1">
+                <a:solidFill>
+                  <a:srgbClr val="0000FF"/>
+                </a:solidFill>
+                <a:latin typeface="Consolas" charset="0"/>
+                <a:ea typeface="Consolas" charset="0"/>
+                <a:cs typeface="Consolas" charset="0"/>
+              </a:rPr>
+              <a:t>public</a:t>
+            </a:r>
+            <a:r>
+              <a:rPr lang="de-DE" sz="1100" dirty="0">
+                <a:solidFill>
+                  <a:srgbClr val="000000"/>
+                </a:solidFill>
+                <a:latin typeface="Consolas" charset="0"/>
+                <a:ea typeface="Consolas" charset="0"/>
+                <a:cs typeface="Consolas" charset="0"/>
+              </a:rPr>
+              <a:t> </a:t>
+            </a:r>
+            <a:r>
+              <a:rPr lang="de-DE" sz="1100" dirty="0" err="1">
+                <a:solidFill>
+                  <a:srgbClr val="0000FF"/>
+                </a:solidFill>
+                <a:latin typeface="Consolas" charset="0"/>
+                <a:ea typeface="Consolas" charset="0"/>
+                <a:cs typeface="Consolas" charset="0"/>
+              </a:rPr>
+              <a:t>static</a:t>
+            </a:r>
+            <a:r>
+              <a:rPr lang="de-DE" sz="1100" dirty="0">
+                <a:solidFill>
+                  <a:srgbClr val="000000"/>
+                </a:solidFill>
+                <a:latin typeface="Consolas" charset="0"/>
+                <a:ea typeface="Consolas" charset="0"/>
+                <a:cs typeface="Consolas" charset="0"/>
+              </a:rPr>
+              <a:t> </a:t>
+            </a:r>
+            <a:r>
+              <a:rPr lang="de-DE" sz="1100" dirty="0" err="1">
+                <a:solidFill>
+                  <a:srgbClr val="0000FF"/>
+                </a:solidFill>
+                <a:latin typeface="Consolas" charset="0"/>
+                <a:ea typeface="Consolas" charset="0"/>
+                <a:cs typeface="Consolas" charset="0"/>
+              </a:rPr>
+              <a:t>void</a:t>
+            </a:r>
+            <a:r>
+              <a:rPr lang="de-DE" sz="1100" dirty="0">
+                <a:solidFill>
+                  <a:srgbClr val="000000"/>
+                </a:solidFill>
+                <a:latin typeface="Consolas" charset="0"/>
+                <a:ea typeface="Consolas" charset="0"/>
+                <a:cs typeface="Consolas" charset="0"/>
+              </a:rPr>
+              <a:t> </a:t>
+            </a:r>
+            <a:r>
+              <a:rPr lang="de-DE" sz="1100" dirty="0" err="1">
+                <a:solidFill>
+                  <a:srgbClr val="000000"/>
+                </a:solidFill>
+                <a:latin typeface="Consolas" charset="0"/>
+                <a:ea typeface="Consolas" charset="0"/>
+                <a:cs typeface="Consolas" charset="0"/>
+              </a:rPr>
+              <a:t>main</a:t>
+            </a:r>
+            <a:r>
+              <a:rPr lang="de-DE" sz="1100" dirty="0">
+                <a:solidFill>
+                  <a:srgbClr val="000000"/>
+                </a:solidFill>
+                <a:latin typeface="Consolas" charset="0"/>
+                <a:ea typeface="Consolas" charset="0"/>
+                <a:cs typeface="Consolas" charset="0"/>
+              </a:rPr>
+              <a:t>(String [] </a:t>
+            </a:r>
+            <a:r>
+              <a:rPr lang="de-DE" sz="1100" dirty="0" err="1">
+                <a:solidFill>
+                  <a:srgbClr val="000000"/>
+                </a:solidFill>
+                <a:latin typeface="Consolas" charset="0"/>
+                <a:ea typeface="Consolas" charset="0"/>
+                <a:cs typeface="Consolas" charset="0"/>
+              </a:rPr>
+              <a:t>args</a:t>
+            </a:r>
+            <a:r>
+              <a:rPr lang="de-DE" sz="1100" dirty="0">
+                <a:solidFill>
+                  <a:srgbClr val="000000"/>
+                </a:solidFill>
+                <a:latin typeface="Consolas" charset="0"/>
+                <a:ea typeface="Consolas" charset="0"/>
+                <a:cs typeface="Consolas" charset="0"/>
+              </a:rPr>
+              <a:t>) </a:t>
+            </a:r>
+          </a:p>
+          <a:p>
+            <a:r>
+              <a:rPr lang="de-DE" sz="1100" dirty="0">
+                <a:solidFill>
+                  <a:srgbClr val="000000"/>
+                </a:solidFill>
+                <a:latin typeface="Consolas" charset="0"/>
+                <a:ea typeface="Consolas" charset="0"/>
+                <a:cs typeface="Consolas" charset="0"/>
+              </a:rPr>
+              <a:t>    {</a:t>
+            </a:r>
+          </a:p>
+          <a:p>
             <a:r>
               <a:rPr lang="en-US" sz="1100" dirty="0">
-                <a:latin typeface="Consolas" charset="0"/>
-                <a:ea typeface="Consolas" charset="0"/>
-                <a:cs typeface="Consolas" charset="0"/>
-              </a:rPr>
-              <a:t> input = null;</a:t>
-            </a:r>
-          </a:p>
-          <a:p>
+                <a:solidFill>
+                  <a:srgbClr val="000000"/>
+                </a:solidFill>
+                <a:latin typeface="Consolas" charset="0"/>
+                <a:ea typeface="Consolas" charset="0"/>
+                <a:cs typeface="Consolas" charset="0"/>
+              </a:rPr>
+              <a:t>        </a:t>
+            </a:r>
             <a:r>
               <a:rPr lang="en-US" sz="1100" dirty="0">
-                <a:latin typeface="Consolas" charset="0"/>
-                <a:ea typeface="Consolas" charset="0"/>
-                <a:cs typeface="Consolas" charset="0"/>
-              </a:rPr>
-              <a:t>    String line = null;</a:t>
-            </a:r>
-          </a:p>
-          <a:p>
-            <a:endParaRPr lang="en-US" sz="1100" dirty="0">
+                <a:solidFill>
+                  <a:srgbClr val="0000FF"/>
+                </a:solidFill>
+                <a:latin typeface="Consolas" charset="0"/>
+                <a:ea typeface="Consolas" charset="0"/>
+                <a:cs typeface="Consolas" charset="0"/>
+              </a:rPr>
+              <a:t>try</a:t>
+            </a:r>
+            <a:r>
+              <a:rPr lang="en-US" sz="1100" dirty="0">
+                <a:solidFill>
+                  <a:srgbClr val="000000"/>
+                </a:solidFill>
+                <a:latin typeface="Consolas" charset="0"/>
+                <a:ea typeface="Consolas" charset="0"/>
+                <a:cs typeface="Consolas" charset="0"/>
+              </a:rPr>
+              <a:t> </a:t>
+            </a:r>
+          </a:p>
+          <a:p>
+            <a:r>
+              <a:rPr lang="de-DE" sz="1100" dirty="0">
+                <a:solidFill>
+                  <a:srgbClr val="000000"/>
+                </a:solidFill>
+                <a:latin typeface="Consolas" charset="0"/>
+                <a:ea typeface="Consolas" charset="0"/>
+                <a:cs typeface="Consolas" charset="0"/>
+              </a:rPr>
+              <a:t>        {</a:t>
+            </a:r>
+          </a:p>
+          <a:p>
+            <a:r>
+              <a:rPr lang="de-DE" sz="1100" dirty="0">
+                <a:solidFill>
+                  <a:srgbClr val="000000"/>
+                </a:solidFill>
+                <a:latin typeface="Consolas" charset="0"/>
+                <a:ea typeface="Consolas" charset="0"/>
+                <a:cs typeface="Consolas" charset="0"/>
+              </a:rPr>
+              <a:t>            </a:t>
+            </a:r>
+            <a:r>
+              <a:rPr lang="de-DE" sz="1100" dirty="0" err="1">
+                <a:solidFill>
+                  <a:srgbClr val="000000"/>
+                </a:solidFill>
+                <a:latin typeface="Consolas" charset="0"/>
+                <a:ea typeface="Consolas" charset="0"/>
+                <a:cs typeface="Consolas" charset="0"/>
+              </a:rPr>
+              <a:t>badMethod</a:t>
+            </a:r>
+            <a:r>
+              <a:rPr lang="de-DE" sz="1100" dirty="0">
+                <a:solidFill>
+                  <a:srgbClr val="000000"/>
+                </a:solidFill>
+                <a:latin typeface="Consolas" charset="0"/>
+                <a:ea typeface="Consolas" charset="0"/>
+                <a:cs typeface="Consolas" charset="0"/>
+              </a:rPr>
+              <a:t>();  </a:t>
+            </a:r>
+          </a:p>
+          <a:p>
+            <a:r>
+              <a:rPr lang="de-DE" sz="1100" dirty="0">
+                <a:solidFill>
+                  <a:srgbClr val="000000"/>
+                </a:solidFill>
+                <a:latin typeface="Consolas" charset="0"/>
+                <a:ea typeface="Consolas" charset="0"/>
+                <a:cs typeface="Consolas" charset="0"/>
+              </a:rPr>
+              <a:t>            </a:t>
+            </a:r>
+            <a:r>
+              <a:rPr lang="de-DE" sz="1100" dirty="0" err="1">
+                <a:solidFill>
+                  <a:srgbClr val="000000"/>
+                </a:solidFill>
+                <a:latin typeface="Consolas" charset="0"/>
+                <a:ea typeface="Consolas" charset="0"/>
+                <a:cs typeface="Consolas" charset="0"/>
+              </a:rPr>
+              <a:t>System.out.print</a:t>
+            </a:r>
+            <a:r>
+              <a:rPr lang="de-DE" sz="1100" dirty="0">
+                <a:solidFill>
+                  <a:srgbClr val="000000"/>
+                </a:solidFill>
+                <a:latin typeface="Consolas" charset="0"/>
+                <a:ea typeface="Consolas" charset="0"/>
+                <a:cs typeface="Consolas" charset="0"/>
+              </a:rPr>
+              <a:t>(</a:t>
+            </a:r>
+            <a:r>
+              <a:rPr lang="de-DE" sz="1100" dirty="0">
+                <a:solidFill>
+                  <a:srgbClr val="E7232E"/>
+                </a:solidFill>
+                <a:latin typeface="Consolas" charset="0"/>
+                <a:ea typeface="Consolas" charset="0"/>
+                <a:cs typeface="Consolas" charset="0"/>
+              </a:rPr>
+              <a:t>"A"</a:t>
+            </a:r>
+            <a:r>
+              <a:rPr lang="de-DE" sz="1100" dirty="0">
+                <a:solidFill>
+                  <a:srgbClr val="000000"/>
+                </a:solidFill>
+                <a:latin typeface="Consolas" charset="0"/>
+                <a:ea typeface="Consolas" charset="0"/>
+                <a:cs typeface="Consolas" charset="0"/>
+              </a:rPr>
+              <a:t>);  </a:t>
+            </a:r>
+          </a:p>
+          <a:p>
+            <a:r>
+              <a:rPr lang="de-DE" sz="1100" dirty="0">
+                <a:solidFill>
+                  <a:srgbClr val="000000"/>
+                </a:solidFill>
+                <a:latin typeface="Consolas" charset="0"/>
+                <a:ea typeface="Consolas" charset="0"/>
+                <a:cs typeface="Consolas" charset="0"/>
+              </a:rPr>
+              <a:t>        } </a:t>
+            </a:r>
+          </a:p>
+          <a:p>
+            <a:r>
+              <a:rPr lang="de-DE" sz="1100" dirty="0">
+                <a:solidFill>
+                  <a:srgbClr val="000000"/>
+                </a:solidFill>
+                <a:latin typeface="Consolas" charset="0"/>
+                <a:ea typeface="Consolas" charset="0"/>
+                <a:cs typeface="Consolas" charset="0"/>
+              </a:rPr>
+              <a:t>        </a:t>
+            </a:r>
+            <a:r>
+              <a:rPr lang="de-DE" sz="1100" dirty="0">
+                <a:solidFill>
+                  <a:srgbClr val="0000FF"/>
+                </a:solidFill>
+                <a:latin typeface="Consolas" charset="0"/>
+                <a:ea typeface="Consolas" charset="0"/>
+                <a:cs typeface="Consolas" charset="0"/>
+              </a:rPr>
+              <a:t>catch</a:t>
+            </a:r>
+            <a:r>
+              <a:rPr lang="de-DE" sz="1100" dirty="0">
+                <a:solidFill>
+                  <a:srgbClr val="000000"/>
+                </a:solidFill>
+                <a:latin typeface="Consolas" charset="0"/>
+                <a:ea typeface="Consolas" charset="0"/>
+                <a:cs typeface="Consolas" charset="0"/>
+              </a:rPr>
+              <a:t> (</a:t>
+            </a:r>
+            <a:r>
+              <a:rPr lang="de-DE" sz="1100" dirty="0" err="1">
+                <a:solidFill>
+                  <a:srgbClr val="000000"/>
+                </a:solidFill>
+                <a:latin typeface="Consolas" charset="0"/>
+                <a:ea typeface="Consolas" charset="0"/>
+                <a:cs typeface="Consolas" charset="0"/>
+              </a:rPr>
+              <a:t>RuntimeException</a:t>
+            </a:r>
+            <a:r>
+              <a:rPr lang="de-DE" sz="1100" dirty="0">
+                <a:solidFill>
+                  <a:srgbClr val="000000"/>
+                </a:solidFill>
+                <a:latin typeface="Consolas" charset="0"/>
+                <a:ea typeface="Consolas" charset="0"/>
+                <a:cs typeface="Consolas" charset="0"/>
+              </a:rPr>
+              <a:t> ex) </a:t>
+            </a:r>
+            <a:r>
+              <a:rPr lang="de-DE" sz="1100" dirty="0">
+                <a:solidFill>
+                  <a:srgbClr val="128B02"/>
+                </a:solidFill>
+                <a:latin typeface="Consolas" charset="0"/>
+                <a:ea typeface="Consolas" charset="0"/>
+                <a:cs typeface="Consolas" charset="0"/>
+              </a:rPr>
+              <a:t>/* Line 10 */</a:t>
+            </a:r>
+            <a:endParaRPr lang="de-DE" sz="1100" dirty="0">
+              <a:solidFill>
+                <a:srgbClr val="000000"/>
+              </a:solidFill>
               <a:latin typeface="Consolas" charset="0"/>
               <a:ea typeface="Consolas" charset="0"/>
               <a:cs typeface="Consolas" charset="0"/>
@@ -10226,69 +13833,281 @@
           </a:p>
           <a:p>
             <a:r>
+              <a:rPr lang="de-DE" sz="1100" dirty="0">
+                <a:solidFill>
+                  <a:srgbClr val="000000"/>
+                </a:solidFill>
+                <a:latin typeface="Consolas" charset="0"/>
+                <a:ea typeface="Consolas" charset="0"/>
+                <a:cs typeface="Consolas" charset="0"/>
+              </a:rPr>
+              <a:t>        { </a:t>
+            </a:r>
+          </a:p>
+          <a:p>
+            <a:r>
+              <a:rPr lang="de-DE" sz="1100" dirty="0">
+                <a:solidFill>
+                  <a:srgbClr val="000000"/>
+                </a:solidFill>
+                <a:latin typeface="Consolas" charset="0"/>
+                <a:ea typeface="Consolas" charset="0"/>
+                <a:cs typeface="Consolas" charset="0"/>
+              </a:rPr>
+              <a:t>            </a:t>
+            </a:r>
+            <a:r>
+              <a:rPr lang="de-DE" sz="1100" dirty="0" err="1">
+                <a:solidFill>
+                  <a:srgbClr val="000000"/>
+                </a:solidFill>
+                <a:latin typeface="Consolas" charset="0"/>
+                <a:ea typeface="Consolas" charset="0"/>
+                <a:cs typeface="Consolas" charset="0"/>
+              </a:rPr>
+              <a:t>System.out.print</a:t>
+            </a:r>
+            <a:r>
+              <a:rPr lang="de-DE" sz="1100" dirty="0">
+                <a:solidFill>
+                  <a:srgbClr val="000000"/>
+                </a:solidFill>
+                <a:latin typeface="Consolas" charset="0"/>
+                <a:ea typeface="Consolas" charset="0"/>
+                <a:cs typeface="Consolas" charset="0"/>
+              </a:rPr>
+              <a:t>(</a:t>
+            </a:r>
+            <a:r>
+              <a:rPr lang="de-DE" sz="1100" dirty="0">
+                <a:solidFill>
+                  <a:srgbClr val="E7232E"/>
+                </a:solidFill>
+                <a:latin typeface="Consolas" charset="0"/>
+                <a:ea typeface="Consolas" charset="0"/>
+                <a:cs typeface="Consolas" charset="0"/>
+              </a:rPr>
+              <a:t>"B"</a:t>
+            </a:r>
+            <a:r>
+              <a:rPr lang="de-DE" sz="1100" dirty="0">
+                <a:solidFill>
+                  <a:srgbClr val="000000"/>
+                </a:solidFill>
+                <a:latin typeface="Consolas" charset="0"/>
+                <a:ea typeface="Consolas" charset="0"/>
+                <a:cs typeface="Consolas" charset="0"/>
+              </a:rPr>
+              <a:t>); </a:t>
+            </a:r>
+          </a:p>
+          <a:p>
+            <a:r>
+              <a:rPr lang="de-DE" sz="1100" dirty="0">
+                <a:solidFill>
+                  <a:srgbClr val="000000"/>
+                </a:solidFill>
+                <a:latin typeface="Consolas" charset="0"/>
+                <a:ea typeface="Consolas" charset="0"/>
+                <a:cs typeface="Consolas" charset="0"/>
+              </a:rPr>
+              <a:t>        } </a:t>
+            </a:r>
+          </a:p>
+          <a:p>
+            <a:r>
+              <a:rPr lang="de-DE" sz="1100" dirty="0">
+                <a:solidFill>
+                  <a:srgbClr val="000000"/>
+                </a:solidFill>
+                <a:latin typeface="Consolas" charset="0"/>
+                <a:ea typeface="Consolas" charset="0"/>
+                <a:cs typeface="Consolas" charset="0"/>
+              </a:rPr>
+              <a:t>        </a:t>
+            </a:r>
+            <a:r>
+              <a:rPr lang="de-DE" sz="1100" dirty="0">
+                <a:solidFill>
+                  <a:srgbClr val="0000FF"/>
+                </a:solidFill>
+                <a:latin typeface="Consolas" charset="0"/>
+                <a:ea typeface="Consolas" charset="0"/>
+                <a:cs typeface="Consolas" charset="0"/>
+              </a:rPr>
+              <a:t>catch</a:t>
+            </a:r>
+            <a:r>
+              <a:rPr lang="de-DE" sz="1100" dirty="0">
+                <a:solidFill>
+                  <a:srgbClr val="000000"/>
+                </a:solidFill>
+                <a:latin typeface="Consolas" charset="0"/>
+                <a:ea typeface="Consolas" charset="0"/>
+                <a:cs typeface="Consolas" charset="0"/>
+              </a:rPr>
+              <a:t> (</a:t>
+            </a:r>
+            <a:r>
+              <a:rPr lang="de-DE" sz="1100" dirty="0" err="1">
+                <a:solidFill>
+                  <a:srgbClr val="000000"/>
+                </a:solidFill>
+                <a:latin typeface="Consolas" charset="0"/>
+                <a:ea typeface="Consolas" charset="0"/>
+                <a:cs typeface="Consolas" charset="0"/>
+              </a:rPr>
+              <a:t>Exception</a:t>
+            </a:r>
+            <a:r>
+              <a:rPr lang="de-DE" sz="1100" dirty="0">
+                <a:solidFill>
+                  <a:srgbClr val="000000"/>
+                </a:solidFill>
+                <a:latin typeface="Consolas" charset="0"/>
+                <a:ea typeface="Consolas" charset="0"/>
+                <a:cs typeface="Consolas" charset="0"/>
+              </a:rPr>
+              <a:t> ex1) </a:t>
+            </a:r>
+          </a:p>
+          <a:p>
+            <a:r>
+              <a:rPr lang="de-DE" sz="1100" dirty="0">
+                <a:solidFill>
+                  <a:srgbClr val="000000"/>
+                </a:solidFill>
+                <a:latin typeface="Consolas" charset="0"/>
+                <a:ea typeface="Consolas" charset="0"/>
+                <a:cs typeface="Consolas" charset="0"/>
+              </a:rPr>
+              <a:t>        { </a:t>
+            </a:r>
+          </a:p>
+          <a:p>
+            <a:r>
+              <a:rPr lang="de-DE" sz="1100" dirty="0">
+                <a:solidFill>
+                  <a:srgbClr val="000000"/>
+                </a:solidFill>
+                <a:latin typeface="Consolas" charset="0"/>
+                <a:ea typeface="Consolas" charset="0"/>
+                <a:cs typeface="Consolas" charset="0"/>
+              </a:rPr>
+              <a:t>            </a:t>
+            </a:r>
+            <a:r>
+              <a:rPr lang="de-DE" sz="1100" dirty="0" err="1">
+                <a:solidFill>
+                  <a:srgbClr val="000000"/>
+                </a:solidFill>
+                <a:latin typeface="Consolas" charset="0"/>
+                <a:ea typeface="Consolas" charset="0"/>
+                <a:cs typeface="Consolas" charset="0"/>
+              </a:rPr>
+              <a:t>System.out.print</a:t>
+            </a:r>
+            <a:r>
+              <a:rPr lang="de-DE" sz="1100" dirty="0">
+                <a:solidFill>
+                  <a:srgbClr val="000000"/>
+                </a:solidFill>
+                <a:latin typeface="Consolas" charset="0"/>
+                <a:ea typeface="Consolas" charset="0"/>
+                <a:cs typeface="Consolas" charset="0"/>
+              </a:rPr>
+              <a:t>(</a:t>
+            </a:r>
+            <a:r>
+              <a:rPr lang="de-DE" sz="1100" dirty="0">
+                <a:solidFill>
+                  <a:srgbClr val="E7232E"/>
+                </a:solidFill>
+                <a:latin typeface="Consolas" charset="0"/>
+                <a:ea typeface="Consolas" charset="0"/>
+                <a:cs typeface="Consolas" charset="0"/>
+              </a:rPr>
+              <a:t>"C"</a:t>
+            </a:r>
+            <a:r>
+              <a:rPr lang="de-DE" sz="1100" dirty="0">
+                <a:solidFill>
+                  <a:srgbClr val="000000"/>
+                </a:solidFill>
+                <a:latin typeface="Consolas" charset="0"/>
+                <a:ea typeface="Consolas" charset="0"/>
+                <a:cs typeface="Consolas" charset="0"/>
+              </a:rPr>
+              <a:t>); </a:t>
+            </a:r>
+          </a:p>
+          <a:p>
+            <a:r>
+              <a:rPr lang="de-DE" sz="1100" dirty="0">
+                <a:solidFill>
+                  <a:srgbClr val="000000"/>
+                </a:solidFill>
+                <a:latin typeface="Consolas" charset="0"/>
+                <a:ea typeface="Consolas" charset="0"/>
+                <a:cs typeface="Consolas" charset="0"/>
+              </a:rPr>
+              <a:t>        } </a:t>
+            </a:r>
+          </a:p>
+          <a:p>
+            <a:r>
               <a:rPr lang="en-US" sz="1100" dirty="0">
-                <a:latin typeface="Consolas" charset="0"/>
-                <a:ea typeface="Consolas" charset="0"/>
-                <a:cs typeface="Consolas" charset="0"/>
-              </a:rPr>
-              <a:t>    try {</a:t>
-            </a:r>
-          </a:p>
-          <a:p>
+                <a:solidFill>
+                  <a:srgbClr val="000000"/>
+                </a:solidFill>
+                <a:latin typeface="Consolas" charset="0"/>
+                <a:ea typeface="Consolas" charset="0"/>
+                <a:cs typeface="Consolas" charset="0"/>
+              </a:rPr>
+              <a:t>        </a:t>
+            </a:r>
             <a:r>
               <a:rPr lang="en-US" sz="1100" dirty="0">
-                <a:latin typeface="Consolas" charset="0"/>
-                <a:ea typeface="Consolas" charset="0"/>
-                <a:cs typeface="Consolas" charset="0"/>
-              </a:rPr>
-              <a:t>        input = new </a:t>
-            </a:r>
-            <a:r>
-              <a:rPr lang="en-US" sz="1100" dirty="0" err="1">
-                <a:latin typeface="Consolas" charset="0"/>
-                <a:ea typeface="Consolas" charset="0"/>
-                <a:cs typeface="Consolas" charset="0"/>
-              </a:rPr>
-              <a:t>RandomAccessFile</a:t>
+                <a:solidFill>
+                  <a:srgbClr val="0000FF"/>
+                </a:solidFill>
+                <a:latin typeface="Consolas" charset="0"/>
+                <a:ea typeface="Consolas" charset="0"/>
+                <a:cs typeface="Consolas" charset="0"/>
+              </a:rPr>
+              <a:t>finally</a:t>
             </a:r>
             <a:r>
               <a:rPr lang="en-US" sz="1100" dirty="0">
-                <a:latin typeface="Consolas" charset="0"/>
-                <a:ea typeface="Consolas" charset="0"/>
-                <a:cs typeface="Consolas" charset="0"/>
-              </a:rPr>
-              <a:t>(file, "r");</a:t>
-            </a:r>
-          </a:p>
-          <a:p>
-            <a:r>
-              <a:rPr lang="en-US" sz="1100" dirty="0">
-                <a:latin typeface="Consolas" charset="0"/>
-                <a:ea typeface="Consolas" charset="0"/>
-                <a:cs typeface="Consolas" charset="0"/>
-              </a:rPr>
-              <a:t>        while ((line = </a:t>
-            </a:r>
-            <a:r>
-              <a:rPr lang="en-US" sz="1100" dirty="0" err="1">
-                <a:latin typeface="Consolas" charset="0"/>
-                <a:ea typeface="Consolas" charset="0"/>
-                <a:cs typeface="Consolas" charset="0"/>
-              </a:rPr>
-              <a:t>input.readLine</a:t>
-            </a:r>
-            <a:r>
-              <a:rPr lang="en-US" sz="1100" dirty="0">
-                <a:latin typeface="Consolas" charset="0"/>
-                <a:ea typeface="Consolas" charset="0"/>
-                <a:cs typeface="Consolas" charset="0"/>
-              </a:rPr>
-              <a:t>()) != null) {</a:t>
-            </a:r>
-          </a:p>
-          <a:p>
-            <a:r>
-              <a:rPr lang="en-US" sz="1100" dirty="0">
+                <a:solidFill>
+                  <a:srgbClr val="000000"/>
+                </a:solidFill>
+                <a:latin typeface="Consolas" charset="0"/>
+                <a:ea typeface="Consolas" charset="0"/>
+                <a:cs typeface="Consolas" charset="0"/>
+              </a:rPr>
+              <a:t> </a:t>
+            </a:r>
+          </a:p>
+          <a:p>
+            <a:r>
+              <a:rPr lang="de-DE" sz="1100" dirty="0">
+                <a:solidFill>
+                  <a:srgbClr val="000000"/>
+                </a:solidFill>
+                <a:latin typeface="Consolas" charset="0"/>
+                <a:ea typeface="Consolas" charset="0"/>
+                <a:cs typeface="Consolas" charset="0"/>
+              </a:rPr>
+              <a:t>        {</a:t>
+            </a:r>
+          </a:p>
+          <a:p>
+            <a:r>
+              <a:rPr lang="de-DE" sz="1100" dirty="0">
+                <a:solidFill>
+                  <a:srgbClr val="000000"/>
+                </a:solidFill>
                 <a:latin typeface="Consolas" charset="0"/>
                 <a:ea typeface="Consolas" charset="0"/>
                 <a:cs typeface="Consolas" charset="0"/>
@@ -10296,35 +14115,69 @@
               <a:t>            </a:t>
             </a:r>
             <a:r>
-              <a:rPr lang="en-US" sz="1100" dirty="0" err="1">
-                <a:latin typeface="Consolas" charset="0"/>
-                <a:ea typeface="Consolas" charset="0"/>
-                <a:cs typeface="Consolas" charset="0"/>
-              </a:rPr>
-              <a:t>System.out.println</a:t>
-            </a:r>
-            <a:r>
-              <a:rPr lang="en-US" sz="1100" dirty="0">
-                <a:latin typeface="Consolas" charset="0"/>
-                <a:ea typeface="Consolas" charset="0"/>
-                <a:cs typeface="Consolas" charset="0"/>
-              </a:rPr>
-              <a:t>(line);</a:t>
-            </a:r>
-          </a:p>
-          <a:p>
+              <a:rPr lang="de-DE" sz="1100" dirty="0" err="1">
+                <a:solidFill>
+                  <a:srgbClr val="000000"/>
+                </a:solidFill>
+                <a:latin typeface="Consolas" charset="0"/>
+                <a:ea typeface="Consolas" charset="0"/>
+                <a:cs typeface="Consolas" charset="0"/>
+              </a:rPr>
+              <a:t>System.out.print</a:t>
+            </a:r>
             <a:r>
               <a:rPr lang="de-DE" sz="1100" dirty="0">
-                <a:latin typeface="Consolas" charset="0"/>
-                <a:ea typeface="Consolas" charset="0"/>
-                <a:cs typeface="Consolas" charset="0"/>
-              </a:rPr>
-              <a:t>        }</a:t>
-            </a:r>
-          </a:p>
-          <a:p>
-            <a:r>
-              <a:rPr lang="ro-RO" sz="1100" dirty="0">
+                <a:solidFill>
+                  <a:srgbClr val="000000"/>
+                </a:solidFill>
+                <a:latin typeface="Consolas" charset="0"/>
+                <a:ea typeface="Consolas" charset="0"/>
+                <a:cs typeface="Consolas" charset="0"/>
+              </a:rPr>
+              <a:t>(</a:t>
+            </a:r>
+            <a:r>
+              <a:rPr lang="de-DE" sz="1100" dirty="0">
+                <a:solidFill>
+                  <a:srgbClr val="E7232E"/>
+                </a:solidFill>
+                <a:latin typeface="Consolas" charset="0"/>
+                <a:ea typeface="Consolas" charset="0"/>
+                <a:cs typeface="Consolas" charset="0"/>
+              </a:rPr>
+              <a:t>"D"</a:t>
+            </a:r>
+            <a:r>
+              <a:rPr lang="de-DE" sz="1100" dirty="0">
+                <a:solidFill>
+                  <a:srgbClr val="000000"/>
+                </a:solidFill>
+                <a:latin typeface="Consolas" charset="0"/>
+                <a:ea typeface="Consolas" charset="0"/>
+                <a:cs typeface="Consolas" charset="0"/>
+              </a:rPr>
+              <a:t>); </a:t>
+            </a:r>
+          </a:p>
+          <a:p>
+            <a:r>
+              <a:rPr lang="de-DE" sz="1100" dirty="0">
+                <a:solidFill>
+                  <a:srgbClr val="000000"/>
+                </a:solidFill>
+                <a:latin typeface="Consolas" charset="0"/>
+                <a:ea typeface="Consolas" charset="0"/>
+                <a:cs typeface="Consolas" charset="0"/>
+              </a:rPr>
+              <a:t>        } </a:t>
+            </a:r>
+          </a:p>
+          <a:p>
+            <a:r>
+              <a:rPr lang="de-DE" sz="1100" dirty="0">
+                <a:solidFill>
+                  <a:srgbClr val="000000"/>
+                </a:solidFill>
                 <a:latin typeface="Consolas" charset="0"/>
                 <a:ea typeface="Consolas" charset="0"/>
                 <a:cs typeface="Consolas" charset="0"/>
@@ -10332,111 +14185,288 @@
               <a:t>        </a:t>
             </a:r>
             <a:r>
-              <a:rPr lang="ro-RO" sz="1100" dirty="0" err="1">
-                <a:latin typeface="Consolas" charset="0"/>
-                <a:ea typeface="Consolas" charset="0"/>
-                <a:cs typeface="Consolas" charset="0"/>
-              </a:rPr>
-              <a:t>return</a:t>
-            </a:r>
-            <a:r>
-              <a:rPr lang="ro-RO" sz="1100" dirty="0">
-                <a:latin typeface="Consolas" charset="0"/>
-                <a:ea typeface="Consolas" charset="0"/>
-                <a:cs typeface="Consolas" charset="0"/>
-              </a:rPr>
-              <a:t>;</a:t>
-            </a:r>
-          </a:p>
-          <a:p>
-            <a:r>
-              <a:rPr lang="en-US" sz="1100" dirty="0">
-                <a:latin typeface="Consolas" charset="0"/>
-                <a:ea typeface="Consolas" charset="0"/>
-                <a:cs typeface="Consolas" charset="0"/>
-              </a:rPr>
-              <a:t>    } finally {</a:t>
-            </a:r>
-          </a:p>
-          <a:p>
-            <a:r>
-              <a:rPr lang="en-US" sz="1100" dirty="0">
-                <a:latin typeface="Consolas" charset="0"/>
-                <a:ea typeface="Consolas" charset="0"/>
-                <a:cs typeface="Consolas" charset="0"/>
-              </a:rPr>
-              <a:t>        if (input != null) {</a:t>
-            </a:r>
-          </a:p>
-          <a:p>
-            <a:r>
-              <a:rPr lang="en-US" sz="1100" dirty="0">
-                <a:latin typeface="Consolas" charset="0"/>
-                <a:ea typeface="Consolas" charset="0"/>
-                <a:cs typeface="Consolas" charset="0"/>
-              </a:rPr>
-              <a:t>            </a:t>
-            </a:r>
-            <a:r>
-              <a:rPr lang="en-US" sz="1100" dirty="0" err="1">
-                <a:latin typeface="Consolas" charset="0"/>
-                <a:ea typeface="Consolas" charset="0"/>
-                <a:cs typeface="Consolas" charset="0"/>
-              </a:rPr>
-              <a:t>input.close</a:t>
-            </a:r>
-            <a:r>
-              <a:rPr lang="en-US" sz="1100" dirty="0">
-                <a:latin typeface="Consolas" charset="0"/>
-                <a:ea typeface="Consolas" charset="0"/>
-                <a:cs typeface="Consolas" charset="0"/>
-              </a:rPr>
-              <a:t>();</a:t>
-            </a:r>
-          </a:p>
-          <a:p>
+              <a:rPr lang="de-DE" sz="1100" dirty="0" err="1">
+                <a:solidFill>
+                  <a:srgbClr val="000000"/>
+                </a:solidFill>
+                <a:latin typeface="Consolas" charset="0"/>
+                <a:ea typeface="Consolas" charset="0"/>
+                <a:cs typeface="Consolas" charset="0"/>
+              </a:rPr>
+              <a:t>System.out.print</a:t>
+            </a:r>
             <a:r>
               <a:rPr lang="de-DE" sz="1100" dirty="0">
-                <a:latin typeface="Consolas" charset="0"/>
-                <a:ea typeface="Consolas" charset="0"/>
-                <a:cs typeface="Consolas" charset="0"/>
-              </a:rPr>
-              <a:t>        }</a:t>
-            </a:r>
-          </a:p>
-          <a:p>
+                <a:solidFill>
+                  <a:srgbClr val="000000"/>
+                </a:solidFill>
+                <a:latin typeface="Consolas" charset="0"/>
+                <a:ea typeface="Consolas" charset="0"/>
+                <a:cs typeface="Consolas" charset="0"/>
+              </a:rPr>
+              <a:t>(</a:t>
+            </a:r>
             <a:r>
               <a:rPr lang="de-DE" sz="1100" dirty="0">
-                <a:latin typeface="Consolas" charset="0"/>
-                <a:ea typeface="Consolas" charset="0"/>
-                <a:cs typeface="Consolas" charset="0"/>
-              </a:rPr>
-              <a:t>    }</a:t>
-            </a:r>
-          </a:p>
-          <a:p>
+                <a:solidFill>
+                  <a:srgbClr val="E7232E"/>
+                </a:solidFill>
+                <a:latin typeface="Consolas" charset="0"/>
+                <a:ea typeface="Consolas" charset="0"/>
+                <a:cs typeface="Consolas" charset="0"/>
+              </a:rPr>
+              <a:t>"E"</a:t>
+            </a:r>
             <a:r>
               <a:rPr lang="de-DE" sz="1100" dirty="0">
+                <a:solidFill>
+                  <a:srgbClr val="000000"/>
+                </a:solidFill>
+                <a:latin typeface="Consolas" charset="0"/>
+                <a:ea typeface="Consolas" charset="0"/>
+                <a:cs typeface="Consolas" charset="0"/>
+              </a:rPr>
+              <a:t>); </a:t>
+            </a:r>
+          </a:p>
+          <a:p>
+            <a:r>
+              <a:rPr lang="de-DE" sz="1100" dirty="0">
+                <a:solidFill>
+                  <a:srgbClr val="000000"/>
+                </a:solidFill>
+                <a:latin typeface="Consolas" charset="0"/>
+                <a:ea typeface="Consolas" charset="0"/>
+                <a:cs typeface="Consolas" charset="0"/>
+              </a:rPr>
+              <a:t>    } </a:t>
+            </a:r>
+          </a:p>
+          <a:p>
+            <a:r>
+              <a:rPr lang="de-DE" sz="1100" dirty="0">
+                <a:solidFill>
+                  <a:srgbClr val="000000"/>
+                </a:solidFill>
+                <a:latin typeface="Consolas" charset="0"/>
+                <a:ea typeface="Consolas" charset="0"/>
+                <a:cs typeface="Consolas" charset="0"/>
+              </a:rPr>
+              <a:t>    </a:t>
+            </a:r>
+            <a:r>
+              <a:rPr lang="de-DE" sz="1100" dirty="0" err="1">
+                <a:solidFill>
+                  <a:srgbClr val="0000FF"/>
+                </a:solidFill>
+                <a:latin typeface="Consolas" charset="0"/>
+                <a:ea typeface="Consolas" charset="0"/>
+                <a:cs typeface="Consolas" charset="0"/>
+              </a:rPr>
+              <a:t>public</a:t>
+            </a:r>
+            <a:r>
+              <a:rPr lang="de-DE" sz="1100" dirty="0">
+                <a:solidFill>
+                  <a:srgbClr val="000000"/>
+                </a:solidFill>
+                <a:latin typeface="Consolas" charset="0"/>
+                <a:ea typeface="Consolas" charset="0"/>
+                <a:cs typeface="Consolas" charset="0"/>
+              </a:rPr>
+              <a:t> </a:t>
+            </a:r>
+            <a:r>
+              <a:rPr lang="de-DE" sz="1100" dirty="0" err="1">
+                <a:solidFill>
+                  <a:srgbClr val="0000FF"/>
+                </a:solidFill>
+                <a:latin typeface="Consolas" charset="0"/>
+                <a:ea typeface="Consolas" charset="0"/>
+                <a:cs typeface="Consolas" charset="0"/>
+              </a:rPr>
+              <a:t>static</a:t>
+            </a:r>
+            <a:r>
+              <a:rPr lang="de-DE" sz="1100" dirty="0">
+                <a:solidFill>
+                  <a:srgbClr val="000000"/>
+                </a:solidFill>
+                <a:latin typeface="Consolas" charset="0"/>
+                <a:ea typeface="Consolas" charset="0"/>
+                <a:cs typeface="Consolas" charset="0"/>
+              </a:rPr>
+              <a:t> </a:t>
+            </a:r>
+            <a:r>
+              <a:rPr lang="de-DE" sz="1100" dirty="0" err="1">
+                <a:solidFill>
+                  <a:srgbClr val="0000FF"/>
+                </a:solidFill>
+                <a:latin typeface="Consolas" charset="0"/>
+                <a:ea typeface="Consolas" charset="0"/>
+                <a:cs typeface="Consolas" charset="0"/>
+              </a:rPr>
+              <a:t>void</a:t>
+            </a:r>
+            <a:r>
+              <a:rPr lang="de-DE" sz="1100" dirty="0">
+                <a:solidFill>
+                  <a:srgbClr val="000000"/>
+                </a:solidFill>
+                <a:latin typeface="Consolas" charset="0"/>
+                <a:ea typeface="Consolas" charset="0"/>
+                <a:cs typeface="Consolas" charset="0"/>
+              </a:rPr>
+              <a:t> </a:t>
+            </a:r>
+            <a:r>
+              <a:rPr lang="de-DE" sz="1100" dirty="0" err="1">
+                <a:solidFill>
+                  <a:srgbClr val="000000"/>
+                </a:solidFill>
+                <a:latin typeface="Consolas" charset="0"/>
+                <a:ea typeface="Consolas" charset="0"/>
+                <a:cs typeface="Consolas" charset="0"/>
+              </a:rPr>
+              <a:t>badMethod</a:t>
+            </a:r>
+            <a:r>
+              <a:rPr lang="de-DE" sz="1100" dirty="0">
+                <a:solidFill>
+                  <a:srgbClr val="000000"/>
+                </a:solidFill>
+                <a:latin typeface="Consolas" charset="0"/>
+                <a:ea typeface="Consolas" charset="0"/>
+                <a:cs typeface="Consolas" charset="0"/>
+              </a:rPr>
+              <a:t>() </a:t>
+            </a:r>
+          </a:p>
+          <a:p>
+            <a:r>
+              <a:rPr lang="de-DE" sz="1100" dirty="0">
+                <a:solidFill>
+                  <a:srgbClr val="000000"/>
+                </a:solidFill>
+                <a:latin typeface="Consolas" charset="0"/>
+                <a:ea typeface="Consolas" charset="0"/>
+                <a:cs typeface="Consolas" charset="0"/>
+              </a:rPr>
+              <a:t>    { </a:t>
+            </a:r>
+          </a:p>
+          <a:p>
+            <a:r>
+              <a:rPr lang="de-DE" sz="1100" dirty="0">
+                <a:solidFill>
+                  <a:srgbClr val="000000"/>
+                </a:solidFill>
+                <a:latin typeface="Consolas" charset="0"/>
+                <a:ea typeface="Consolas" charset="0"/>
+                <a:cs typeface="Consolas" charset="0"/>
+              </a:rPr>
+              <a:t>        </a:t>
+            </a:r>
+            <a:r>
+              <a:rPr lang="de-DE" sz="1100" dirty="0" err="1">
+                <a:solidFill>
+                  <a:srgbClr val="0000FF"/>
+                </a:solidFill>
+                <a:latin typeface="Consolas" charset="0"/>
+                <a:ea typeface="Consolas" charset="0"/>
+                <a:cs typeface="Consolas" charset="0"/>
+              </a:rPr>
+              <a:t>throw</a:t>
+            </a:r>
+            <a:r>
+              <a:rPr lang="de-DE" sz="1100" dirty="0">
+                <a:solidFill>
+                  <a:srgbClr val="000000"/>
+                </a:solidFill>
+                <a:latin typeface="Consolas" charset="0"/>
+                <a:ea typeface="Consolas" charset="0"/>
+                <a:cs typeface="Consolas" charset="0"/>
+              </a:rPr>
+              <a:t> </a:t>
+            </a:r>
+            <a:r>
+              <a:rPr lang="de-DE" sz="1100" dirty="0" err="1">
+                <a:solidFill>
+                  <a:srgbClr val="0000FF"/>
+                </a:solidFill>
+                <a:latin typeface="Consolas" charset="0"/>
+                <a:ea typeface="Consolas" charset="0"/>
+                <a:cs typeface="Consolas" charset="0"/>
+              </a:rPr>
+              <a:t>new</a:t>
+            </a:r>
+            <a:r>
+              <a:rPr lang="de-DE" sz="1100" dirty="0">
+                <a:solidFill>
+                  <a:srgbClr val="000000"/>
+                </a:solidFill>
+                <a:latin typeface="Consolas" charset="0"/>
+                <a:ea typeface="Consolas" charset="0"/>
+                <a:cs typeface="Consolas" charset="0"/>
+              </a:rPr>
+              <a:t> </a:t>
+            </a:r>
+            <a:r>
+              <a:rPr lang="de-DE" sz="1100" dirty="0" err="1">
+                <a:solidFill>
+                  <a:srgbClr val="000000"/>
+                </a:solidFill>
+                <a:latin typeface="Consolas" charset="0"/>
+                <a:ea typeface="Consolas" charset="0"/>
+                <a:cs typeface="Consolas" charset="0"/>
+              </a:rPr>
+              <a:t>RuntimeException</a:t>
+            </a:r>
+            <a:r>
+              <a:rPr lang="de-DE" sz="1100" dirty="0">
+                <a:solidFill>
+                  <a:srgbClr val="000000"/>
+                </a:solidFill>
+                <a:latin typeface="Consolas" charset="0"/>
+                <a:ea typeface="Consolas" charset="0"/>
+                <a:cs typeface="Consolas" charset="0"/>
+              </a:rPr>
+              <a:t>(); </a:t>
+            </a:r>
+          </a:p>
+          <a:p>
+            <a:r>
+              <a:rPr lang="de-DE" sz="1100" dirty="0">
+                <a:solidFill>
+                  <a:srgbClr val="000000"/>
+                </a:solidFill>
+                <a:latin typeface="Consolas" charset="0"/>
+                <a:ea typeface="Consolas" charset="0"/>
+                <a:cs typeface="Consolas" charset="0"/>
+              </a:rPr>
+              <a:t>    } </a:t>
+            </a:r>
+          </a:p>
+          <a:p>
+            <a:r>
+              <a:rPr lang="de-DE" sz="1100" dirty="0">
+                <a:solidFill>
+                  <a:srgbClr val="000000"/>
+                </a:solidFill>
                 <a:latin typeface="Consolas" charset="0"/>
                 <a:ea typeface="Consolas" charset="0"/>
                 <a:cs typeface="Consolas" charset="0"/>
               </a:rPr>
               <a:t>}</a:t>
             </a:r>
-          </a:p>
-          <a:p>
-            <a:endParaRPr lang="de-DE" sz="1100" dirty="0">
-              <a:latin typeface="Consolas" charset="0"/>
-              <a:ea typeface="Consolas" charset="0"/>
-              <a:cs typeface="Consolas" charset="0"/>
-            </a:endParaRPr>
           </a:p>
         </p:txBody>
       </p:sp>
     </p:spTree>
     <p:extLst>
       <p:ext uri="{BB962C8B-B14F-4D97-AF65-F5344CB8AC3E}">
-        <p14:creationId xmlns:p14="http://schemas.microsoft.com/office/powerpoint/2010/main" val="2022769110"/>
+        <p14:creationId xmlns:p14="http://schemas.microsoft.com/office/powerpoint/2010/main" val="1978717136"/>
       </p:ext>
     </p:extLst>
   </p:cSld>
@@ -10617,211 +14647,2195 @@
       </p:sp>
       <p:sp>
         <p:nvSpPr>
-          <p:cNvPr id="10" name="TextBox 9"/>
-          <p:cNvSpPr txBox="1"/>
+          <p:cNvPr id="2" name="Rectangle 1"/>
+          <p:cNvSpPr/>
           <p:nvPr/>
         </p:nvSpPr>
         <p:spPr>
           <a:xfrm>
-            <a:off x="900239" y="3933056"/>
-            <a:ext cx="184731" cy="369332"/>
+            <a:off x="217185" y="1020649"/>
+            <a:ext cx="4572000" cy="3647152"/>
+          </a:xfrm>
+          <a:prstGeom prst="rect">
+            <a:avLst/>
+          </a:prstGeom>
+        </p:spPr>
+        <p:txBody>
+          <a:bodyPr>
+            <a:spAutoFit/>
+          </a:bodyPr>
+          <a:lstStyle/>
+          <a:p>
+            <a:r>
+              <a:rPr lang="en-US" sz="1100" dirty="0" err="1">
+                <a:solidFill>
+                  <a:srgbClr val="0000FF"/>
+                </a:solidFill>
+                <a:latin typeface="Consolas" charset="0"/>
+                <a:ea typeface="Consolas" charset="0"/>
+                <a:cs typeface="Consolas" charset="0"/>
+              </a:rPr>
+              <a:t>mport</a:t>
+            </a:r>
+            <a:r>
+              <a:rPr lang="en-US" sz="1100" dirty="0">
+                <a:solidFill>
+                  <a:srgbClr val="000000"/>
+                </a:solidFill>
+                <a:latin typeface="Consolas" charset="0"/>
+                <a:ea typeface="Consolas" charset="0"/>
+                <a:cs typeface="Consolas" charset="0"/>
+              </a:rPr>
+              <a:t> </a:t>
+            </a:r>
+            <a:r>
+              <a:rPr lang="en-US" sz="1100" dirty="0" err="1">
+                <a:solidFill>
+                  <a:srgbClr val="000000"/>
+                </a:solidFill>
+                <a:latin typeface="Consolas" charset="0"/>
+                <a:ea typeface="Consolas" charset="0"/>
+                <a:cs typeface="Consolas" charset="0"/>
+              </a:rPr>
+              <a:t>java.io</a:t>
+            </a:r>
+            <a:r>
+              <a:rPr lang="en-US" sz="1100" dirty="0">
+                <a:solidFill>
+                  <a:srgbClr val="000000"/>
+                </a:solidFill>
+                <a:latin typeface="Consolas" charset="0"/>
+                <a:ea typeface="Consolas" charset="0"/>
+                <a:cs typeface="Consolas" charset="0"/>
+              </a:rPr>
+              <a:t>.*;</a:t>
+            </a:r>
+          </a:p>
+          <a:p>
+            <a:r>
+              <a:rPr lang="en-US" sz="1100" dirty="0">
+                <a:solidFill>
+                  <a:srgbClr val="0000FF"/>
+                </a:solidFill>
+                <a:latin typeface="Consolas" charset="0"/>
+                <a:ea typeface="Consolas" charset="0"/>
+                <a:cs typeface="Consolas" charset="0"/>
+              </a:rPr>
+              <a:t>public</a:t>
+            </a:r>
+            <a:r>
+              <a:rPr lang="en-US" sz="1100" dirty="0">
+                <a:solidFill>
+                  <a:srgbClr val="000000"/>
+                </a:solidFill>
+                <a:latin typeface="Consolas" charset="0"/>
+                <a:ea typeface="Consolas" charset="0"/>
+                <a:cs typeface="Consolas" charset="0"/>
+              </a:rPr>
+              <a:t> </a:t>
+            </a:r>
+            <a:r>
+              <a:rPr lang="en-US" sz="1100" dirty="0">
+                <a:solidFill>
+                  <a:srgbClr val="0000FF"/>
+                </a:solidFill>
+                <a:latin typeface="Consolas" charset="0"/>
+                <a:ea typeface="Consolas" charset="0"/>
+                <a:cs typeface="Consolas" charset="0"/>
+              </a:rPr>
+              <a:t>class</a:t>
+            </a:r>
+            <a:r>
+              <a:rPr lang="en-US" sz="1100" dirty="0">
+                <a:solidFill>
+                  <a:srgbClr val="000000"/>
+                </a:solidFill>
+                <a:latin typeface="Consolas" charset="0"/>
+                <a:ea typeface="Consolas" charset="0"/>
+                <a:cs typeface="Consolas" charset="0"/>
+              </a:rPr>
+              <a:t> </a:t>
+            </a:r>
+            <a:r>
+              <a:rPr lang="en-US" sz="1100" dirty="0" err="1">
+                <a:solidFill>
+                  <a:srgbClr val="E7232E"/>
+                </a:solidFill>
+                <a:latin typeface="Consolas" charset="0"/>
+                <a:ea typeface="Consolas" charset="0"/>
+                <a:cs typeface="Consolas" charset="0"/>
+              </a:rPr>
+              <a:t>MyProgram</a:t>
+            </a:r>
+            <a:r>
+              <a:rPr lang="en-US" sz="1100" dirty="0">
+                <a:solidFill>
+                  <a:srgbClr val="000000"/>
+                </a:solidFill>
+                <a:latin typeface="Consolas" charset="0"/>
+                <a:ea typeface="Consolas" charset="0"/>
+                <a:cs typeface="Consolas" charset="0"/>
+              </a:rPr>
+              <a:t> </a:t>
+            </a:r>
+          </a:p>
+          <a:p>
+            <a:r>
+              <a:rPr lang="en-US" sz="1100" dirty="0">
+                <a:solidFill>
+                  <a:srgbClr val="000000"/>
+                </a:solidFill>
+                <a:latin typeface="Consolas" charset="0"/>
+                <a:ea typeface="Consolas" charset="0"/>
+                <a:cs typeface="Consolas" charset="0"/>
+              </a:rPr>
+              <a:t>{</a:t>
+            </a:r>
+          </a:p>
+          <a:p>
+            <a:r>
+              <a:rPr lang="en-US" sz="1100" dirty="0">
+                <a:solidFill>
+                  <a:srgbClr val="000000"/>
+                </a:solidFill>
+                <a:latin typeface="Consolas" charset="0"/>
+                <a:ea typeface="Consolas" charset="0"/>
+                <a:cs typeface="Consolas" charset="0"/>
+              </a:rPr>
+              <a:t>    </a:t>
+            </a:r>
+            <a:r>
+              <a:rPr lang="en-US" sz="1100" dirty="0">
+                <a:solidFill>
+                  <a:srgbClr val="0000FF"/>
+                </a:solidFill>
+                <a:latin typeface="Consolas" charset="0"/>
+                <a:ea typeface="Consolas" charset="0"/>
+                <a:cs typeface="Consolas" charset="0"/>
+              </a:rPr>
+              <a:t>public</a:t>
+            </a:r>
+            <a:r>
+              <a:rPr lang="en-US" sz="1100" dirty="0">
+                <a:solidFill>
+                  <a:srgbClr val="000000"/>
+                </a:solidFill>
+                <a:latin typeface="Consolas" charset="0"/>
+                <a:ea typeface="Consolas" charset="0"/>
+                <a:cs typeface="Consolas" charset="0"/>
+              </a:rPr>
+              <a:t> </a:t>
+            </a:r>
+            <a:r>
+              <a:rPr lang="en-US" sz="1100" dirty="0">
+                <a:solidFill>
+                  <a:srgbClr val="0000FF"/>
+                </a:solidFill>
+                <a:latin typeface="Consolas" charset="0"/>
+                <a:ea typeface="Consolas" charset="0"/>
+                <a:cs typeface="Consolas" charset="0"/>
+              </a:rPr>
+              <a:t>static</a:t>
+            </a:r>
+            <a:r>
+              <a:rPr lang="en-US" sz="1100" dirty="0">
+                <a:solidFill>
+                  <a:srgbClr val="000000"/>
+                </a:solidFill>
+                <a:latin typeface="Consolas" charset="0"/>
+                <a:ea typeface="Consolas" charset="0"/>
+                <a:cs typeface="Consolas" charset="0"/>
+              </a:rPr>
+              <a:t> </a:t>
+            </a:r>
+            <a:r>
+              <a:rPr lang="en-US" sz="1100" dirty="0">
+                <a:solidFill>
+                  <a:srgbClr val="0000FF"/>
+                </a:solidFill>
+                <a:latin typeface="Consolas" charset="0"/>
+                <a:ea typeface="Consolas" charset="0"/>
+                <a:cs typeface="Consolas" charset="0"/>
+              </a:rPr>
+              <a:t>void</a:t>
+            </a:r>
+            <a:r>
+              <a:rPr lang="en-US" sz="1100" dirty="0">
+                <a:solidFill>
+                  <a:srgbClr val="000000"/>
+                </a:solidFill>
+                <a:latin typeface="Consolas" charset="0"/>
+                <a:ea typeface="Consolas" charset="0"/>
+                <a:cs typeface="Consolas" charset="0"/>
+              </a:rPr>
+              <a:t> main(String </a:t>
+            </a:r>
+            <a:r>
+              <a:rPr lang="en-US" sz="1100" dirty="0" err="1">
+                <a:solidFill>
+                  <a:srgbClr val="000000"/>
+                </a:solidFill>
+                <a:latin typeface="Consolas" charset="0"/>
+                <a:ea typeface="Consolas" charset="0"/>
+                <a:cs typeface="Consolas" charset="0"/>
+              </a:rPr>
+              <a:t>args</a:t>
+            </a:r>
+            <a:r>
+              <a:rPr lang="en-US" sz="1100" dirty="0">
+                <a:solidFill>
+                  <a:srgbClr val="000000"/>
+                </a:solidFill>
+                <a:latin typeface="Consolas" charset="0"/>
+                <a:ea typeface="Consolas" charset="0"/>
+                <a:cs typeface="Consolas" charset="0"/>
+              </a:rPr>
+              <a:t>[])</a:t>
+            </a:r>
+          </a:p>
+          <a:p>
+            <a:r>
+              <a:rPr lang="de-DE" sz="1100" dirty="0">
+                <a:solidFill>
+                  <a:srgbClr val="000000"/>
+                </a:solidFill>
+                <a:latin typeface="Consolas" charset="0"/>
+                <a:ea typeface="Consolas" charset="0"/>
+                <a:cs typeface="Consolas" charset="0"/>
+              </a:rPr>
+              <a:t>    {</a:t>
+            </a:r>
+          </a:p>
+          <a:p>
+            <a:r>
+              <a:rPr lang="de-DE" sz="1100" dirty="0">
+                <a:solidFill>
+                  <a:srgbClr val="000000"/>
+                </a:solidFill>
+                <a:latin typeface="Consolas" charset="0"/>
+                <a:ea typeface="Consolas" charset="0"/>
+                <a:cs typeface="Consolas" charset="0"/>
+              </a:rPr>
+              <a:t>        </a:t>
+            </a:r>
+            <a:r>
+              <a:rPr lang="de-DE" sz="1100" dirty="0" err="1">
+                <a:solidFill>
+                  <a:srgbClr val="000000"/>
+                </a:solidFill>
+                <a:latin typeface="Consolas" charset="0"/>
+                <a:ea typeface="Consolas" charset="0"/>
+                <a:cs typeface="Consolas" charset="0"/>
+              </a:rPr>
+              <a:t>FileOutputStream</a:t>
+            </a:r>
+            <a:r>
+              <a:rPr lang="de-DE" sz="1100" dirty="0">
+                <a:solidFill>
+                  <a:srgbClr val="000000"/>
+                </a:solidFill>
+                <a:latin typeface="Consolas" charset="0"/>
+                <a:ea typeface="Consolas" charset="0"/>
+                <a:cs typeface="Consolas" charset="0"/>
+              </a:rPr>
+              <a:t> out = </a:t>
+            </a:r>
+            <a:r>
+              <a:rPr lang="de-DE" sz="1100" dirty="0">
+                <a:solidFill>
+                  <a:srgbClr val="0000FF"/>
+                </a:solidFill>
+                <a:latin typeface="Consolas" charset="0"/>
+                <a:ea typeface="Consolas" charset="0"/>
+                <a:cs typeface="Consolas" charset="0"/>
+              </a:rPr>
+              <a:t>null</a:t>
+            </a:r>
+            <a:r>
+              <a:rPr lang="de-DE" sz="1100" dirty="0">
+                <a:solidFill>
+                  <a:srgbClr val="000000"/>
+                </a:solidFill>
+                <a:latin typeface="Consolas" charset="0"/>
+                <a:ea typeface="Consolas" charset="0"/>
+                <a:cs typeface="Consolas" charset="0"/>
+              </a:rPr>
+              <a:t>;</a:t>
+            </a:r>
+          </a:p>
+          <a:p>
+            <a:r>
+              <a:rPr lang="en-US" sz="1100" dirty="0">
+                <a:solidFill>
+                  <a:srgbClr val="000000"/>
+                </a:solidFill>
+                <a:latin typeface="Consolas" charset="0"/>
+                <a:ea typeface="Consolas" charset="0"/>
+                <a:cs typeface="Consolas" charset="0"/>
+              </a:rPr>
+              <a:t>        </a:t>
+            </a:r>
+            <a:r>
+              <a:rPr lang="en-US" sz="1100" dirty="0">
+                <a:solidFill>
+                  <a:srgbClr val="0000FF"/>
+                </a:solidFill>
+                <a:latin typeface="Consolas" charset="0"/>
+                <a:ea typeface="Consolas" charset="0"/>
+                <a:cs typeface="Consolas" charset="0"/>
+              </a:rPr>
+              <a:t>try</a:t>
+            </a:r>
+            <a:r>
+              <a:rPr lang="en-US" sz="1100" dirty="0">
+                <a:solidFill>
+                  <a:srgbClr val="000000"/>
+                </a:solidFill>
+                <a:latin typeface="Consolas" charset="0"/>
+                <a:ea typeface="Consolas" charset="0"/>
+                <a:cs typeface="Consolas" charset="0"/>
+              </a:rPr>
+              <a:t> </a:t>
+            </a:r>
+          </a:p>
+          <a:p>
+            <a:r>
+              <a:rPr lang="de-DE" sz="1100" dirty="0">
+                <a:solidFill>
+                  <a:srgbClr val="000000"/>
+                </a:solidFill>
+                <a:latin typeface="Consolas" charset="0"/>
+                <a:ea typeface="Consolas" charset="0"/>
+                <a:cs typeface="Consolas" charset="0"/>
+              </a:rPr>
+              <a:t>        {</a:t>
+            </a:r>
+          </a:p>
+          <a:p>
+            <a:r>
+              <a:rPr lang="de-DE" sz="1100" dirty="0">
+                <a:solidFill>
+                  <a:srgbClr val="000000"/>
+                </a:solidFill>
+                <a:latin typeface="Consolas" charset="0"/>
+                <a:ea typeface="Consolas" charset="0"/>
+                <a:cs typeface="Consolas" charset="0"/>
+              </a:rPr>
+              <a:t>            out = </a:t>
+            </a:r>
+            <a:r>
+              <a:rPr lang="de-DE" sz="1100" dirty="0" err="1">
+                <a:solidFill>
+                  <a:srgbClr val="0000FF"/>
+                </a:solidFill>
+                <a:latin typeface="Consolas" charset="0"/>
+                <a:ea typeface="Consolas" charset="0"/>
+                <a:cs typeface="Consolas" charset="0"/>
+              </a:rPr>
+              <a:t>new</a:t>
+            </a:r>
+            <a:r>
+              <a:rPr lang="de-DE" sz="1100" dirty="0">
+                <a:solidFill>
+                  <a:srgbClr val="000000"/>
+                </a:solidFill>
+                <a:latin typeface="Consolas" charset="0"/>
+                <a:ea typeface="Consolas" charset="0"/>
+                <a:cs typeface="Consolas" charset="0"/>
+              </a:rPr>
+              <a:t> </a:t>
+            </a:r>
+            <a:r>
+              <a:rPr lang="de-DE" sz="1100" dirty="0" err="1">
+                <a:solidFill>
+                  <a:srgbClr val="000000"/>
+                </a:solidFill>
+                <a:latin typeface="Consolas" charset="0"/>
+                <a:ea typeface="Consolas" charset="0"/>
+                <a:cs typeface="Consolas" charset="0"/>
+              </a:rPr>
+              <a:t>FileOutputStream</a:t>
+            </a:r>
+            <a:r>
+              <a:rPr lang="de-DE" sz="1100" dirty="0">
+                <a:solidFill>
+                  <a:srgbClr val="000000"/>
+                </a:solidFill>
+                <a:latin typeface="Consolas" charset="0"/>
+                <a:ea typeface="Consolas" charset="0"/>
+                <a:cs typeface="Consolas" charset="0"/>
+              </a:rPr>
+              <a:t>(</a:t>
+            </a:r>
+            <a:r>
+              <a:rPr lang="de-DE" sz="1100" dirty="0">
+                <a:solidFill>
+                  <a:srgbClr val="E7232E"/>
+                </a:solidFill>
+                <a:latin typeface="Consolas" charset="0"/>
+                <a:ea typeface="Consolas" charset="0"/>
+                <a:cs typeface="Consolas" charset="0"/>
+              </a:rPr>
+              <a:t>"</a:t>
+            </a:r>
+            <a:r>
+              <a:rPr lang="de-DE" sz="1100" dirty="0" err="1">
+                <a:solidFill>
+                  <a:srgbClr val="E7232E"/>
+                </a:solidFill>
+                <a:latin typeface="Consolas" charset="0"/>
+                <a:ea typeface="Consolas" charset="0"/>
+                <a:cs typeface="Consolas" charset="0"/>
+              </a:rPr>
+              <a:t>test.txt</a:t>
+            </a:r>
+            <a:r>
+              <a:rPr lang="de-DE" sz="1100" dirty="0">
+                <a:solidFill>
+                  <a:srgbClr val="E7232E"/>
+                </a:solidFill>
+                <a:latin typeface="Consolas" charset="0"/>
+                <a:ea typeface="Consolas" charset="0"/>
+                <a:cs typeface="Consolas" charset="0"/>
+              </a:rPr>
+              <a:t>"</a:t>
+            </a:r>
+            <a:r>
+              <a:rPr lang="de-DE" sz="1100" dirty="0">
+                <a:solidFill>
+                  <a:srgbClr val="000000"/>
+                </a:solidFill>
+                <a:latin typeface="Consolas" charset="0"/>
+                <a:ea typeface="Consolas" charset="0"/>
+                <a:cs typeface="Consolas" charset="0"/>
+              </a:rPr>
+              <a:t>);</a:t>
+            </a:r>
+          </a:p>
+          <a:p>
+            <a:r>
+              <a:rPr lang="en-US" sz="1100" dirty="0">
+                <a:solidFill>
+                  <a:srgbClr val="000000"/>
+                </a:solidFill>
+                <a:latin typeface="Consolas" charset="0"/>
+                <a:ea typeface="Consolas" charset="0"/>
+                <a:cs typeface="Consolas" charset="0"/>
+              </a:rPr>
+              <a:t>            </a:t>
+            </a:r>
+            <a:r>
+              <a:rPr lang="en-US" sz="1100" dirty="0" err="1">
+                <a:solidFill>
+                  <a:srgbClr val="000000"/>
+                </a:solidFill>
+                <a:latin typeface="Consolas" charset="0"/>
+                <a:ea typeface="Consolas" charset="0"/>
+                <a:cs typeface="Consolas" charset="0"/>
+              </a:rPr>
+              <a:t>out.write</a:t>
+            </a:r>
+            <a:r>
+              <a:rPr lang="en-US" sz="1100" dirty="0">
+                <a:solidFill>
+                  <a:srgbClr val="000000"/>
+                </a:solidFill>
+                <a:latin typeface="Consolas" charset="0"/>
+                <a:ea typeface="Consolas" charset="0"/>
+                <a:cs typeface="Consolas" charset="0"/>
+              </a:rPr>
+              <a:t>(122);</a:t>
+            </a:r>
+          </a:p>
+          <a:p>
+            <a:r>
+              <a:rPr lang="de-DE" sz="1100" dirty="0">
+                <a:solidFill>
+                  <a:srgbClr val="000000"/>
+                </a:solidFill>
+                <a:latin typeface="Consolas" charset="0"/>
+                <a:ea typeface="Consolas" charset="0"/>
+                <a:cs typeface="Consolas" charset="0"/>
+              </a:rPr>
+              <a:t>        }</a:t>
+            </a:r>
+          </a:p>
+          <a:p>
+            <a:r>
+              <a:rPr lang="de-DE" sz="1100" dirty="0">
+                <a:solidFill>
+                  <a:srgbClr val="000000"/>
+                </a:solidFill>
+                <a:latin typeface="Consolas" charset="0"/>
+                <a:ea typeface="Consolas" charset="0"/>
+                <a:cs typeface="Consolas" charset="0"/>
+              </a:rPr>
+              <a:t>        </a:t>
+            </a:r>
+            <a:r>
+              <a:rPr lang="de-DE" sz="1100" dirty="0">
+                <a:solidFill>
+                  <a:srgbClr val="0000FF"/>
+                </a:solidFill>
+                <a:latin typeface="Consolas" charset="0"/>
+                <a:ea typeface="Consolas" charset="0"/>
+                <a:cs typeface="Consolas" charset="0"/>
+              </a:rPr>
+              <a:t>catch</a:t>
+            </a:r>
+            <a:r>
+              <a:rPr lang="de-DE" sz="1100" dirty="0">
+                <a:solidFill>
+                  <a:srgbClr val="000000"/>
+                </a:solidFill>
+                <a:latin typeface="Consolas" charset="0"/>
+                <a:ea typeface="Consolas" charset="0"/>
+                <a:cs typeface="Consolas" charset="0"/>
+              </a:rPr>
+              <a:t>(</a:t>
+            </a:r>
+            <a:r>
+              <a:rPr lang="de-DE" sz="1100" dirty="0" err="1">
+                <a:solidFill>
+                  <a:srgbClr val="000000"/>
+                </a:solidFill>
+                <a:latin typeface="Consolas" charset="0"/>
+                <a:ea typeface="Consolas" charset="0"/>
+                <a:cs typeface="Consolas" charset="0"/>
+              </a:rPr>
+              <a:t>IOException</a:t>
+            </a:r>
+            <a:r>
+              <a:rPr lang="de-DE" sz="1100" dirty="0">
+                <a:solidFill>
+                  <a:srgbClr val="000000"/>
+                </a:solidFill>
+                <a:latin typeface="Consolas" charset="0"/>
+                <a:ea typeface="Consolas" charset="0"/>
+                <a:cs typeface="Consolas" charset="0"/>
+              </a:rPr>
+              <a:t> </a:t>
+            </a:r>
+            <a:r>
+              <a:rPr lang="de-DE" sz="1100" dirty="0" err="1">
+                <a:solidFill>
+                  <a:srgbClr val="000000"/>
+                </a:solidFill>
+                <a:latin typeface="Consolas" charset="0"/>
+                <a:ea typeface="Consolas" charset="0"/>
+                <a:cs typeface="Consolas" charset="0"/>
+              </a:rPr>
+              <a:t>io</a:t>
+            </a:r>
+            <a:r>
+              <a:rPr lang="de-DE" sz="1100" dirty="0">
+                <a:solidFill>
+                  <a:srgbClr val="000000"/>
+                </a:solidFill>
+                <a:latin typeface="Consolas" charset="0"/>
+                <a:ea typeface="Consolas" charset="0"/>
+                <a:cs typeface="Consolas" charset="0"/>
+              </a:rPr>
+              <a:t>) </a:t>
+            </a:r>
+          </a:p>
+          <a:p>
+            <a:r>
+              <a:rPr lang="de-DE" sz="1100" dirty="0">
+                <a:solidFill>
+                  <a:srgbClr val="000000"/>
+                </a:solidFill>
+                <a:latin typeface="Consolas" charset="0"/>
+                <a:ea typeface="Consolas" charset="0"/>
+                <a:cs typeface="Consolas" charset="0"/>
+              </a:rPr>
+              <a:t>        {</a:t>
+            </a:r>
+          </a:p>
+          <a:p>
+            <a:r>
+              <a:rPr lang="de-DE" sz="1100" dirty="0">
+                <a:solidFill>
+                  <a:srgbClr val="000000"/>
+                </a:solidFill>
+                <a:latin typeface="Consolas" charset="0"/>
+                <a:ea typeface="Consolas" charset="0"/>
+                <a:cs typeface="Consolas" charset="0"/>
+              </a:rPr>
+              <a:t>            </a:t>
+            </a:r>
+            <a:r>
+              <a:rPr lang="de-DE" sz="1100" dirty="0" err="1">
+                <a:solidFill>
+                  <a:srgbClr val="000000"/>
+                </a:solidFill>
+                <a:latin typeface="Consolas" charset="0"/>
+                <a:ea typeface="Consolas" charset="0"/>
+                <a:cs typeface="Consolas" charset="0"/>
+              </a:rPr>
+              <a:t>System.out.println</a:t>
+            </a:r>
+            <a:r>
+              <a:rPr lang="de-DE" sz="1100" dirty="0">
+                <a:solidFill>
+                  <a:srgbClr val="000000"/>
+                </a:solidFill>
+                <a:latin typeface="Consolas" charset="0"/>
+                <a:ea typeface="Consolas" charset="0"/>
+                <a:cs typeface="Consolas" charset="0"/>
+              </a:rPr>
+              <a:t>(</a:t>
+            </a:r>
+            <a:r>
+              <a:rPr lang="de-DE" sz="1100" dirty="0">
+                <a:solidFill>
+                  <a:srgbClr val="E7232E"/>
+                </a:solidFill>
+                <a:latin typeface="Consolas" charset="0"/>
+                <a:ea typeface="Consolas" charset="0"/>
+                <a:cs typeface="Consolas" charset="0"/>
+              </a:rPr>
+              <a:t>"IO Error."</a:t>
+            </a:r>
+            <a:r>
+              <a:rPr lang="de-DE" sz="1100" dirty="0">
+                <a:solidFill>
+                  <a:srgbClr val="000000"/>
+                </a:solidFill>
+                <a:latin typeface="Consolas" charset="0"/>
+                <a:ea typeface="Consolas" charset="0"/>
+                <a:cs typeface="Consolas" charset="0"/>
+              </a:rPr>
+              <a:t>);</a:t>
+            </a:r>
+          </a:p>
+          <a:p>
+            <a:r>
+              <a:rPr lang="de-DE" sz="1100" dirty="0">
+                <a:solidFill>
+                  <a:srgbClr val="000000"/>
+                </a:solidFill>
+                <a:latin typeface="Consolas" charset="0"/>
+                <a:ea typeface="Consolas" charset="0"/>
+                <a:cs typeface="Consolas" charset="0"/>
+              </a:rPr>
+              <a:t>        }</a:t>
+            </a:r>
+          </a:p>
+          <a:p>
+            <a:r>
+              <a:rPr lang="en-US" sz="1100" dirty="0">
+                <a:solidFill>
+                  <a:srgbClr val="000000"/>
+                </a:solidFill>
+                <a:latin typeface="Consolas" charset="0"/>
+                <a:ea typeface="Consolas" charset="0"/>
+                <a:cs typeface="Consolas" charset="0"/>
+              </a:rPr>
+              <a:t>        </a:t>
+            </a:r>
+            <a:r>
+              <a:rPr lang="en-US" sz="1100" dirty="0">
+                <a:solidFill>
+                  <a:srgbClr val="0000FF"/>
+                </a:solidFill>
+                <a:latin typeface="Consolas" charset="0"/>
+                <a:ea typeface="Consolas" charset="0"/>
+                <a:cs typeface="Consolas" charset="0"/>
+              </a:rPr>
+              <a:t>finally</a:t>
+            </a:r>
+            <a:r>
+              <a:rPr lang="en-US" sz="1100" dirty="0">
+                <a:solidFill>
+                  <a:srgbClr val="000000"/>
+                </a:solidFill>
+                <a:latin typeface="Consolas" charset="0"/>
+                <a:ea typeface="Consolas" charset="0"/>
+                <a:cs typeface="Consolas" charset="0"/>
+              </a:rPr>
+              <a:t> </a:t>
+            </a:r>
+          </a:p>
+          <a:p>
+            <a:r>
+              <a:rPr lang="de-DE" sz="1100" dirty="0">
+                <a:solidFill>
+                  <a:srgbClr val="000000"/>
+                </a:solidFill>
+                <a:latin typeface="Consolas" charset="0"/>
+                <a:ea typeface="Consolas" charset="0"/>
+                <a:cs typeface="Consolas" charset="0"/>
+              </a:rPr>
+              <a:t>        {</a:t>
+            </a:r>
+          </a:p>
+          <a:p>
+            <a:r>
+              <a:rPr lang="en-US" sz="1100" dirty="0">
+                <a:solidFill>
+                  <a:srgbClr val="000000"/>
+                </a:solidFill>
+                <a:latin typeface="Consolas" charset="0"/>
+                <a:ea typeface="Consolas" charset="0"/>
+                <a:cs typeface="Consolas" charset="0"/>
+              </a:rPr>
+              <a:t>            </a:t>
+            </a:r>
+            <a:r>
+              <a:rPr lang="en-US" sz="1100" dirty="0" err="1">
+                <a:solidFill>
+                  <a:srgbClr val="000000"/>
+                </a:solidFill>
+                <a:latin typeface="Consolas" charset="0"/>
+                <a:ea typeface="Consolas" charset="0"/>
+                <a:cs typeface="Consolas" charset="0"/>
+              </a:rPr>
+              <a:t>out.close</a:t>
+            </a:r>
+            <a:r>
+              <a:rPr lang="en-US" sz="1100" dirty="0">
+                <a:solidFill>
+                  <a:srgbClr val="000000"/>
+                </a:solidFill>
+                <a:latin typeface="Consolas" charset="0"/>
+                <a:ea typeface="Consolas" charset="0"/>
+                <a:cs typeface="Consolas" charset="0"/>
+              </a:rPr>
+              <a:t>();</a:t>
+            </a:r>
+          </a:p>
+          <a:p>
+            <a:r>
+              <a:rPr lang="de-DE" sz="1100" dirty="0">
+                <a:solidFill>
+                  <a:srgbClr val="000000"/>
+                </a:solidFill>
+                <a:latin typeface="Consolas" charset="0"/>
+                <a:ea typeface="Consolas" charset="0"/>
+                <a:cs typeface="Consolas" charset="0"/>
+              </a:rPr>
+              <a:t>        }</a:t>
+            </a:r>
+          </a:p>
+          <a:p>
+            <a:r>
+              <a:rPr lang="de-DE" sz="1100" dirty="0">
+                <a:solidFill>
+                  <a:srgbClr val="000000"/>
+                </a:solidFill>
+                <a:latin typeface="Consolas" charset="0"/>
+                <a:ea typeface="Consolas" charset="0"/>
+                <a:cs typeface="Consolas" charset="0"/>
+              </a:rPr>
+              <a:t>    }</a:t>
+            </a:r>
+          </a:p>
+          <a:p>
+            <a:r>
+              <a:rPr lang="de-DE" sz="1100" dirty="0">
+                <a:solidFill>
+                  <a:srgbClr val="000000"/>
+                </a:solidFill>
+                <a:latin typeface="Consolas" charset="0"/>
+                <a:ea typeface="Consolas" charset="0"/>
+                <a:cs typeface="Consolas" charset="0"/>
+              </a:rPr>
+              <a:t>}</a:t>
+            </a:r>
+          </a:p>
+        </p:txBody>
+      </p:sp>
+      <p:sp>
+        <p:nvSpPr>
+          <p:cNvPr id="6" name="Rectangle 5"/>
+          <p:cNvSpPr/>
+          <p:nvPr/>
+        </p:nvSpPr>
+        <p:spPr>
+          <a:xfrm>
+            <a:off x="3851920" y="836613"/>
+            <a:ext cx="5184576" cy="4801314"/>
+          </a:xfrm>
+          <a:prstGeom prst="rect">
+            <a:avLst/>
+          </a:prstGeom>
+        </p:spPr>
+        <p:txBody>
+          <a:bodyPr wrap="square">
+            <a:spAutoFit/>
+          </a:bodyPr>
+          <a:lstStyle/>
+          <a:p>
+            <a:r>
+              <a:rPr lang="en-US" i="1" dirty="0"/>
+              <a:t>and given that all methods of class </a:t>
+            </a:r>
+            <a:r>
+              <a:rPr lang="en-US" i="1" dirty="0" err="1"/>
+              <a:t>FileOutputStream</a:t>
+            </a:r>
+            <a:r>
+              <a:rPr lang="en-US" i="1" dirty="0"/>
+              <a:t>, including close(), throw </a:t>
+            </a:r>
+            <a:r>
+              <a:rPr lang="en-US" i="1" dirty="0" err="1"/>
+              <a:t>anIOException</a:t>
+            </a:r>
+            <a:r>
+              <a:rPr lang="en-US" i="1" dirty="0"/>
+              <a:t>, which of these is true?</a:t>
+            </a:r>
+          </a:p>
+          <a:p>
+            <a:endParaRPr lang="en-US" dirty="0" smtClean="0"/>
+          </a:p>
+          <a:p>
+            <a:endParaRPr lang="en-US" dirty="0"/>
+          </a:p>
+          <a:p>
+            <a:endParaRPr lang="en-US" dirty="0" smtClean="0"/>
+          </a:p>
+          <a:p>
+            <a:endParaRPr lang="en-US" dirty="0"/>
+          </a:p>
+          <a:p>
+            <a:endParaRPr lang="en-US" dirty="0" smtClean="0"/>
+          </a:p>
+          <a:p>
+            <a:endParaRPr lang="en-US" dirty="0"/>
+          </a:p>
+          <a:p>
+            <a:endParaRPr lang="en-US" dirty="0"/>
+          </a:p>
+          <a:p>
+            <a:r>
+              <a:rPr lang="en-US" dirty="0" err="1" smtClean="0"/>
+              <a:t>A.This</a:t>
+            </a:r>
+            <a:r>
+              <a:rPr lang="en-US" dirty="0" smtClean="0"/>
+              <a:t> </a:t>
+            </a:r>
+            <a:r>
+              <a:rPr lang="en-US" dirty="0"/>
+              <a:t>program will compile </a:t>
+            </a:r>
+            <a:r>
+              <a:rPr lang="en-US" dirty="0" smtClean="0"/>
+              <a:t>successfully.</a:t>
+            </a:r>
+          </a:p>
+          <a:p>
+            <a:r>
+              <a:rPr lang="en-US" dirty="0" err="1" smtClean="0"/>
+              <a:t>B.This</a:t>
+            </a:r>
+            <a:r>
+              <a:rPr lang="en-US" dirty="0" smtClean="0"/>
+              <a:t> </a:t>
+            </a:r>
+            <a:r>
+              <a:rPr lang="en-US" dirty="0"/>
+              <a:t>program fails to compile due to an error at line 4.	</a:t>
+            </a:r>
+          </a:p>
+          <a:p>
+            <a:r>
+              <a:rPr lang="en-US" dirty="0" err="1" smtClean="0"/>
+              <a:t>C.This</a:t>
+            </a:r>
+            <a:r>
+              <a:rPr lang="en-US" dirty="0" smtClean="0"/>
+              <a:t> </a:t>
+            </a:r>
+            <a:r>
+              <a:rPr lang="en-US" dirty="0"/>
+              <a:t>program fails to compile due to an error at line 6.	</a:t>
+            </a:r>
+          </a:p>
+          <a:p>
+            <a:r>
+              <a:rPr lang="en-US" dirty="0" err="1" smtClean="0"/>
+              <a:t>D.This</a:t>
+            </a:r>
+            <a:r>
+              <a:rPr lang="en-US" dirty="0" smtClean="0"/>
+              <a:t> </a:t>
+            </a:r>
+            <a:r>
+              <a:rPr lang="en-US" dirty="0"/>
+              <a:t>program fails to compile due to an error at line 18.	</a:t>
+            </a:r>
+          </a:p>
+        </p:txBody>
+      </p:sp>
+    </p:spTree>
+    <p:extLst>
+      <p:ext uri="{BB962C8B-B14F-4D97-AF65-F5344CB8AC3E}">
+        <p14:creationId xmlns:p14="http://schemas.microsoft.com/office/powerpoint/2010/main" val="404310996"/>
+      </p:ext>
+    </p:extLst>
+  </p:cSld>
+  <p:clrMapOvr>
+    <a:masterClrMapping/>
+  </p:clrMapOvr>
+  <p:timing>
+    <p:tnLst>
+      <p:par>
+        <p:cTn id="1" dur="indefinite" restart="never" nodeType="tmRoot"/>
+      </p:par>
+    </p:tnLst>
+  </p:timing>
+</p:sld>
+</file>
+
+<file path=ppt/slides/slide8.xml><?xml version="1.0" encoding="utf-8"?>
+<p:sld xmlns:a="http://schemas.openxmlformats.org/drawingml/2006/main" xmlns:r="http://schemas.openxmlformats.org/officeDocument/2006/relationships" xmlns:p="http://schemas.openxmlformats.org/presentationml/2006/main">
+  <p:cSld>
+    <p:spTree>
+      <p:nvGrpSpPr>
+        <p:cNvPr id="1" name=""/>
+        <p:cNvGrpSpPr/>
+        <p:nvPr/>
+      </p:nvGrpSpPr>
+      <p:grpSpPr>
+        <a:xfrm>
+          <a:off x="0" y="0"/>
+          <a:ext cx="0" cy="0"/>
+          <a:chOff x="0" y="0"/>
+          <a:chExt cx="0" cy="0"/>
+        </a:xfrm>
+      </p:grpSpPr>
+      <p:sp>
+        <p:nvSpPr>
+          <p:cNvPr id="4098" name="Rectangle 2"/>
+          <p:cNvSpPr>
+            <a:spLocks noGrp="1" noChangeArrowheads="1"/>
+          </p:cNvSpPr>
+          <p:nvPr>
+            <p:ph type="title"/>
+          </p:nvPr>
+        </p:nvSpPr>
+        <p:spPr/>
+        <p:txBody>
+          <a:bodyPr/>
+          <a:lstStyle/>
+          <a:p>
+            <a:r>
+              <a:rPr lang="it-IT" altLang="it-IT" dirty="0" err="1" smtClean="0"/>
+              <a:t>Exception</a:t>
+            </a:r>
+            <a:r>
+              <a:rPr lang="it-IT" altLang="it-IT" dirty="0" smtClean="0"/>
+              <a:t/>
+            </a:r>
+            <a:br>
+              <a:rPr lang="it-IT" altLang="it-IT" dirty="0" smtClean="0"/>
+            </a:br>
+            <a:endParaRPr lang="it-IT" altLang="it-IT" dirty="0" smtClean="0"/>
+          </a:p>
+        </p:txBody>
+      </p:sp>
+      <p:sp>
+        <p:nvSpPr>
+          <p:cNvPr id="4" name="Rectangle 1"/>
+          <p:cNvSpPr>
+            <a:spLocks noChangeArrowheads="1"/>
+          </p:cNvSpPr>
+          <p:nvPr/>
+        </p:nvSpPr>
+        <p:spPr bwMode="auto">
+          <a:xfrm>
+            <a:off x="900239" y="1556953"/>
+            <a:ext cx="9144000" cy="0"/>
           </a:xfrm>
           <a:prstGeom prst="rect">
             <a:avLst/>
           </a:prstGeom>
           <a:noFill/>
+          <a:ln>
+            <a:noFill/>
+          </a:ln>
+          <a:effectLst/>
+          <a:extLst>
+            <a:ext uri="{909E8E84-426E-40DD-AFC4-6F175D3DCCD1}">
+              <a14:hiddenFill xmlns:a14="http://schemas.microsoft.com/office/drawing/2010/main">
+                <a:solidFill>
+                  <a:schemeClr val="accent1"/>
+                </a:solidFill>
+              </a14:hiddenFill>
+            </a:ext>
+            <a:ext uri="{91240B29-F687-4F45-9708-019B960494DF}">
+              <a14:hiddenLine xmlns:a14="http://schemas.microsoft.com/office/drawing/2010/main" w="9525">
+                <a:solidFill>
+                  <a:schemeClr val="tx1"/>
+                </a:solidFill>
+                <a:miter lim="800000"/>
+                <a:headEnd/>
+                <a:tailEnd/>
+              </a14:hiddenLine>
+            </a:ext>
+            <a:ext uri="{AF507438-7753-43E0-B8FC-AC1667EBCBE1}">
+              <a14:hiddenEffects xmlns:a14="http://schemas.microsoft.com/office/drawing/2010/main">
+                <a:effectLst>
+                  <a:outerShdw blurRad="63500" dist="38099" dir="2700000" algn="ctr" rotWithShape="0">
+                    <a:schemeClr val="bg2">
+                      <a:alpha val="74998"/>
+                    </a:schemeClr>
+                  </a:outerShdw>
+                </a:effectLst>
+              </a14:hiddenEffects>
+            </a:ext>
+          </a:extLst>
         </p:spPr>
         <p:txBody>
-          <a:bodyPr wrap="none" rtlCol="0">
+          <a:bodyPr vert="horz" wrap="none" lIns="91440" tIns="45720" rIns="91440" bIns="45720" numCol="1" anchor="ctr" anchorCtr="0" compatLnSpc="1">
+            <a:prstTxWarp prst="textNoShape">
+              <a:avLst/>
+            </a:prstTxWarp>
             <a:spAutoFit/>
           </a:bodyPr>
           <a:lstStyle/>
           <a:p>
-            <a:endParaRPr lang="en-US" dirty="0"/>
+            <a:pPr marL="0" marR="0" lvl="0" indent="0" algn="l" defTabSz="914400" rtl="0" eaLnBrk="0" fontAlgn="base" latinLnBrk="0" hangingPunct="0">
+              <a:lnSpc>
+                <a:spcPct val="100000"/>
+              </a:lnSpc>
+              <a:spcBef>
+                <a:spcPct val="0"/>
+              </a:spcBef>
+              <a:spcAft>
+                <a:spcPct val="0"/>
+              </a:spcAft>
+              <a:buClrTx/>
+              <a:buSzTx/>
+              <a:buFontTx/>
+              <a:buNone/>
+              <a:tabLst/>
+            </a:pPr>
+            <a:r>
+              <a:rPr kumimoji="0" lang="en-US" altLang="en-US" sz="1800" b="0" i="0" u="none" strike="noStrike" cap="none" normalizeH="0" baseline="0">
+                <a:ln>
+                  <a:noFill/>
+                </a:ln>
+                <a:solidFill>
+                  <a:schemeClr val="tx1"/>
+                </a:solidFill>
+                <a:effectLst/>
+                <a:latin typeface="Arial" charset="0"/>
+              </a:rPr>
+              <a:t/>
+            </a:r>
+            <a:br>
+              <a:rPr kumimoji="0" lang="en-US" altLang="en-US" sz="1800" b="0" i="0" u="none" strike="noStrike" cap="none" normalizeH="0" baseline="0">
+                <a:ln>
+                  <a:noFill/>
+                </a:ln>
+                <a:solidFill>
+                  <a:schemeClr val="tx1"/>
+                </a:solidFill>
+                <a:effectLst/>
+                <a:latin typeface="Arial" charset="0"/>
+              </a:rPr>
+            </a:br>
+            <a:endParaRPr kumimoji="0" lang="en-US" altLang="en-US" sz="1800" b="0" i="0" u="none" strike="noStrike" cap="none" normalizeH="0" baseline="0">
+              <a:ln>
+                <a:noFill/>
+              </a:ln>
+              <a:solidFill>
+                <a:schemeClr val="tx1"/>
+              </a:solidFill>
+              <a:effectLst/>
+              <a:latin typeface="Arial" charset="0"/>
+            </a:endParaRPr>
           </a:p>
         </p:txBody>
       </p:sp>
       <p:sp>
         <p:nvSpPr>
-          <p:cNvPr id="2" name="TextBox 1"/>
-          <p:cNvSpPr txBox="1"/>
+          <p:cNvPr id="3" name="Rectangle 2"/>
+          <p:cNvSpPr/>
           <p:nvPr/>
         </p:nvSpPr>
         <p:spPr>
           <a:xfrm>
-            <a:off x="457200" y="836613"/>
-            <a:ext cx="7608768" cy="1200329"/>
+            <a:off x="1547664" y="827381"/>
+            <a:ext cx="4572000" cy="2631490"/>
+          </a:xfrm>
+          <a:prstGeom prst="rect">
+            <a:avLst/>
+          </a:prstGeom>
+        </p:spPr>
+        <p:txBody>
+          <a:bodyPr>
+            <a:spAutoFit/>
+          </a:bodyPr>
+          <a:lstStyle/>
+          <a:p>
+            <a:r>
+              <a:rPr lang="en-US" sz="1100" dirty="0" err="1">
+                <a:solidFill>
+                  <a:srgbClr val="000000"/>
+                </a:solidFill>
+                <a:latin typeface="Consolas" charset="0"/>
+                <a:ea typeface="Consolas" charset="0"/>
+                <a:cs typeface="Consolas" charset="0"/>
+              </a:rPr>
+              <a:t>System.out.print</a:t>
+            </a:r>
+            <a:r>
+              <a:rPr lang="en-US" sz="1100" dirty="0">
+                <a:solidFill>
+                  <a:srgbClr val="000000"/>
+                </a:solidFill>
+                <a:latin typeface="Consolas" charset="0"/>
+                <a:ea typeface="Consolas" charset="0"/>
+                <a:cs typeface="Consolas" charset="0"/>
+              </a:rPr>
+              <a:t>(</a:t>
+            </a:r>
+            <a:r>
+              <a:rPr lang="en-US" sz="1100" dirty="0">
+                <a:solidFill>
+                  <a:srgbClr val="E7232E"/>
+                </a:solidFill>
+                <a:latin typeface="Consolas" charset="0"/>
+                <a:ea typeface="Consolas" charset="0"/>
+                <a:cs typeface="Consolas" charset="0"/>
+              </a:rPr>
+              <a:t>"Start "</a:t>
+            </a:r>
+            <a:r>
+              <a:rPr lang="en-US" sz="1100" dirty="0">
+                <a:solidFill>
+                  <a:srgbClr val="000000"/>
+                </a:solidFill>
+                <a:latin typeface="Consolas" charset="0"/>
+                <a:ea typeface="Consolas" charset="0"/>
+                <a:cs typeface="Consolas" charset="0"/>
+              </a:rPr>
+              <a:t>);</a:t>
+            </a:r>
+          </a:p>
+          <a:p>
+            <a:r>
+              <a:rPr lang="en-US" sz="1100" dirty="0">
+                <a:solidFill>
+                  <a:srgbClr val="0000FF"/>
+                </a:solidFill>
+                <a:latin typeface="Consolas" charset="0"/>
+                <a:ea typeface="Consolas" charset="0"/>
+                <a:cs typeface="Consolas" charset="0"/>
+              </a:rPr>
+              <a:t>try</a:t>
+            </a:r>
+            <a:r>
+              <a:rPr lang="en-US" sz="1100" dirty="0">
+                <a:solidFill>
+                  <a:srgbClr val="000000"/>
+                </a:solidFill>
+                <a:latin typeface="Consolas" charset="0"/>
+                <a:ea typeface="Consolas" charset="0"/>
+                <a:cs typeface="Consolas" charset="0"/>
+              </a:rPr>
+              <a:t> </a:t>
+            </a:r>
+          </a:p>
+          <a:p>
+            <a:r>
+              <a:rPr lang="en-US" sz="1100" dirty="0">
+                <a:solidFill>
+                  <a:srgbClr val="000000"/>
+                </a:solidFill>
+                <a:latin typeface="Consolas" charset="0"/>
+                <a:ea typeface="Consolas" charset="0"/>
+                <a:cs typeface="Consolas" charset="0"/>
+              </a:rPr>
+              <a:t>{</a:t>
+            </a:r>
+          </a:p>
+          <a:p>
+            <a:r>
+              <a:rPr lang="en-US" sz="1100" dirty="0">
+                <a:solidFill>
+                  <a:srgbClr val="000000"/>
+                </a:solidFill>
+                <a:latin typeface="Consolas" charset="0"/>
+                <a:ea typeface="Consolas" charset="0"/>
+                <a:cs typeface="Consolas" charset="0"/>
+              </a:rPr>
+              <a:t>    </a:t>
+            </a:r>
+            <a:r>
+              <a:rPr lang="en-US" sz="1100" dirty="0" err="1">
+                <a:solidFill>
+                  <a:srgbClr val="000000"/>
+                </a:solidFill>
+                <a:latin typeface="Consolas" charset="0"/>
+                <a:ea typeface="Consolas" charset="0"/>
+                <a:cs typeface="Consolas" charset="0"/>
+              </a:rPr>
+              <a:t>System.out.print</a:t>
+            </a:r>
+            <a:r>
+              <a:rPr lang="en-US" sz="1100" dirty="0">
+                <a:solidFill>
+                  <a:srgbClr val="000000"/>
+                </a:solidFill>
+                <a:latin typeface="Consolas" charset="0"/>
+                <a:ea typeface="Consolas" charset="0"/>
+                <a:cs typeface="Consolas" charset="0"/>
+              </a:rPr>
+              <a:t>(</a:t>
+            </a:r>
+            <a:r>
+              <a:rPr lang="en-US" sz="1100" dirty="0">
+                <a:solidFill>
+                  <a:srgbClr val="E7232E"/>
+                </a:solidFill>
+                <a:latin typeface="Consolas" charset="0"/>
+                <a:ea typeface="Consolas" charset="0"/>
+                <a:cs typeface="Consolas" charset="0"/>
+              </a:rPr>
+              <a:t>"Hello world"</a:t>
+            </a:r>
+            <a:r>
+              <a:rPr lang="en-US" sz="1100" dirty="0">
+                <a:solidFill>
+                  <a:srgbClr val="000000"/>
+                </a:solidFill>
+                <a:latin typeface="Consolas" charset="0"/>
+                <a:ea typeface="Consolas" charset="0"/>
+                <a:cs typeface="Consolas" charset="0"/>
+              </a:rPr>
+              <a:t>);</a:t>
+            </a:r>
+          </a:p>
+          <a:p>
+            <a:r>
+              <a:rPr lang="en-US" sz="1100" dirty="0">
+                <a:solidFill>
+                  <a:srgbClr val="000000"/>
+                </a:solidFill>
+                <a:latin typeface="Consolas" charset="0"/>
+                <a:ea typeface="Consolas" charset="0"/>
+                <a:cs typeface="Consolas" charset="0"/>
+              </a:rPr>
+              <a:t>    </a:t>
+            </a:r>
+            <a:r>
+              <a:rPr lang="en-US" sz="1100" dirty="0">
+                <a:solidFill>
+                  <a:srgbClr val="0000FF"/>
+                </a:solidFill>
+                <a:latin typeface="Consolas" charset="0"/>
+                <a:ea typeface="Consolas" charset="0"/>
+                <a:cs typeface="Consolas" charset="0"/>
+              </a:rPr>
+              <a:t>throw</a:t>
+            </a:r>
+            <a:r>
+              <a:rPr lang="en-US" sz="1100" dirty="0">
+                <a:solidFill>
+                  <a:srgbClr val="000000"/>
+                </a:solidFill>
+                <a:latin typeface="Consolas" charset="0"/>
+                <a:ea typeface="Consolas" charset="0"/>
+                <a:cs typeface="Consolas" charset="0"/>
+              </a:rPr>
+              <a:t> </a:t>
+            </a:r>
+            <a:r>
+              <a:rPr lang="en-US" sz="1100" dirty="0">
+                <a:solidFill>
+                  <a:srgbClr val="0000FF"/>
+                </a:solidFill>
+                <a:latin typeface="Consolas" charset="0"/>
+                <a:ea typeface="Consolas" charset="0"/>
+                <a:cs typeface="Consolas" charset="0"/>
+              </a:rPr>
+              <a:t>new</a:t>
+            </a:r>
+            <a:r>
+              <a:rPr lang="en-US" sz="1100" dirty="0">
+                <a:solidFill>
+                  <a:srgbClr val="000000"/>
+                </a:solidFill>
+                <a:latin typeface="Consolas" charset="0"/>
+                <a:ea typeface="Consolas" charset="0"/>
+                <a:cs typeface="Consolas" charset="0"/>
+              </a:rPr>
+              <a:t> </a:t>
+            </a:r>
+            <a:r>
+              <a:rPr lang="en-US" sz="1100" dirty="0" err="1">
+                <a:solidFill>
+                  <a:srgbClr val="000000"/>
+                </a:solidFill>
+                <a:latin typeface="Consolas" charset="0"/>
+                <a:ea typeface="Consolas" charset="0"/>
+                <a:cs typeface="Consolas" charset="0"/>
+              </a:rPr>
+              <a:t>FileNotFoundException</a:t>
+            </a:r>
+            <a:r>
+              <a:rPr lang="en-US" sz="1100" dirty="0">
+                <a:solidFill>
+                  <a:srgbClr val="000000"/>
+                </a:solidFill>
+                <a:latin typeface="Consolas" charset="0"/>
+                <a:ea typeface="Consolas" charset="0"/>
+                <a:cs typeface="Consolas" charset="0"/>
+              </a:rPr>
+              <a:t>();</a:t>
+            </a:r>
+          </a:p>
+          <a:p>
+            <a:r>
+              <a:rPr lang="en-US" sz="1100" dirty="0">
+                <a:solidFill>
+                  <a:srgbClr val="000000"/>
+                </a:solidFill>
+                <a:latin typeface="Consolas" charset="0"/>
+                <a:ea typeface="Consolas" charset="0"/>
+                <a:cs typeface="Consolas" charset="0"/>
+              </a:rPr>
+              <a:t>}</a:t>
+            </a:r>
+          </a:p>
+          <a:p>
+            <a:r>
+              <a:rPr lang="en-US" sz="1100" dirty="0" err="1">
+                <a:solidFill>
+                  <a:srgbClr val="000000"/>
+                </a:solidFill>
+                <a:latin typeface="Consolas" charset="0"/>
+                <a:ea typeface="Consolas" charset="0"/>
+                <a:cs typeface="Consolas" charset="0"/>
+              </a:rPr>
+              <a:t>System.out.print</a:t>
+            </a:r>
+            <a:r>
+              <a:rPr lang="en-US" sz="1100" dirty="0">
+                <a:solidFill>
+                  <a:srgbClr val="000000"/>
+                </a:solidFill>
+                <a:latin typeface="Consolas" charset="0"/>
+                <a:ea typeface="Consolas" charset="0"/>
+                <a:cs typeface="Consolas" charset="0"/>
+              </a:rPr>
+              <a:t>(</a:t>
+            </a:r>
+            <a:r>
+              <a:rPr lang="en-US" sz="1100" dirty="0">
+                <a:solidFill>
+                  <a:srgbClr val="E7232E"/>
+                </a:solidFill>
+                <a:latin typeface="Consolas" charset="0"/>
+                <a:ea typeface="Consolas" charset="0"/>
+                <a:cs typeface="Consolas" charset="0"/>
+              </a:rPr>
+              <a:t>" Catch Here "</a:t>
+            </a:r>
+            <a:r>
+              <a:rPr lang="en-US" sz="1100" dirty="0">
+                <a:solidFill>
+                  <a:srgbClr val="000000"/>
+                </a:solidFill>
+                <a:latin typeface="Consolas" charset="0"/>
+                <a:ea typeface="Consolas" charset="0"/>
+                <a:cs typeface="Consolas" charset="0"/>
+              </a:rPr>
+              <a:t>); </a:t>
+            </a:r>
+            <a:r>
+              <a:rPr lang="en-US" sz="1100" dirty="0">
+                <a:solidFill>
+                  <a:srgbClr val="128B02"/>
+                </a:solidFill>
+                <a:latin typeface="Consolas" charset="0"/>
+                <a:ea typeface="Consolas" charset="0"/>
+                <a:cs typeface="Consolas" charset="0"/>
+              </a:rPr>
+              <a:t>/* Line 7 */</a:t>
+            </a:r>
+            <a:endParaRPr lang="en-US" sz="1100" dirty="0">
+              <a:solidFill>
+                <a:srgbClr val="000000"/>
+              </a:solidFill>
+              <a:latin typeface="Consolas" charset="0"/>
+              <a:ea typeface="Consolas" charset="0"/>
+              <a:cs typeface="Consolas" charset="0"/>
+            </a:endParaRPr>
+          </a:p>
+          <a:p>
+            <a:r>
+              <a:rPr lang="en-US" sz="1100" dirty="0">
+                <a:solidFill>
+                  <a:srgbClr val="0000FF"/>
+                </a:solidFill>
+                <a:latin typeface="Consolas" charset="0"/>
+                <a:ea typeface="Consolas" charset="0"/>
+                <a:cs typeface="Consolas" charset="0"/>
+              </a:rPr>
+              <a:t>catch</a:t>
+            </a:r>
+            <a:r>
+              <a:rPr lang="en-US" sz="1100" dirty="0">
+                <a:solidFill>
+                  <a:srgbClr val="000000"/>
+                </a:solidFill>
+                <a:latin typeface="Consolas" charset="0"/>
+                <a:ea typeface="Consolas" charset="0"/>
+                <a:cs typeface="Consolas" charset="0"/>
+              </a:rPr>
+              <a:t>(</a:t>
+            </a:r>
+            <a:r>
+              <a:rPr lang="en-US" sz="1100" dirty="0" err="1">
+                <a:solidFill>
+                  <a:srgbClr val="000000"/>
+                </a:solidFill>
+                <a:latin typeface="Consolas" charset="0"/>
+                <a:ea typeface="Consolas" charset="0"/>
+                <a:cs typeface="Consolas" charset="0"/>
+              </a:rPr>
+              <a:t>EOFException</a:t>
+            </a:r>
+            <a:r>
+              <a:rPr lang="en-US" sz="1100" dirty="0">
+                <a:solidFill>
+                  <a:srgbClr val="000000"/>
+                </a:solidFill>
+                <a:latin typeface="Consolas" charset="0"/>
+                <a:ea typeface="Consolas" charset="0"/>
+                <a:cs typeface="Consolas" charset="0"/>
+              </a:rPr>
+              <a:t> e) </a:t>
+            </a:r>
+          </a:p>
+          <a:p>
+            <a:r>
+              <a:rPr lang="en-US" sz="1100" dirty="0">
+                <a:solidFill>
+                  <a:srgbClr val="000000"/>
+                </a:solidFill>
+                <a:latin typeface="Consolas" charset="0"/>
+                <a:ea typeface="Consolas" charset="0"/>
+                <a:cs typeface="Consolas" charset="0"/>
+              </a:rPr>
+              <a:t>{</a:t>
+            </a:r>
+          </a:p>
+          <a:p>
+            <a:r>
+              <a:rPr lang="en-US" sz="1100" dirty="0">
+                <a:solidFill>
+                  <a:srgbClr val="000000"/>
+                </a:solidFill>
+                <a:latin typeface="Consolas" charset="0"/>
+                <a:ea typeface="Consolas" charset="0"/>
+                <a:cs typeface="Consolas" charset="0"/>
+              </a:rPr>
+              <a:t>    </a:t>
+            </a:r>
+            <a:r>
+              <a:rPr lang="en-US" sz="1100" dirty="0" err="1">
+                <a:solidFill>
+                  <a:srgbClr val="000000"/>
+                </a:solidFill>
+                <a:latin typeface="Consolas" charset="0"/>
+                <a:ea typeface="Consolas" charset="0"/>
+                <a:cs typeface="Consolas" charset="0"/>
+              </a:rPr>
+              <a:t>System.out.print</a:t>
+            </a:r>
+            <a:r>
+              <a:rPr lang="en-US" sz="1100" dirty="0">
+                <a:solidFill>
+                  <a:srgbClr val="000000"/>
+                </a:solidFill>
+                <a:latin typeface="Consolas" charset="0"/>
+                <a:ea typeface="Consolas" charset="0"/>
+                <a:cs typeface="Consolas" charset="0"/>
+              </a:rPr>
+              <a:t>(</a:t>
+            </a:r>
+            <a:r>
+              <a:rPr lang="en-US" sz="1100" dirty="0">
+                <a:solidFill>
+                  <a:srgbClr val="E7232E"/>
+                </a:solidFill>
+                <a:latin typeface="Consolas" charset="0"/>
+                <a:ea typeface="Consolas" charset="0"/>
+                <a:cs typeface="Consolas" charset="0"/>
+              </a:rPr>
+              <a:t>"End of file exception"</a:t>
+            </a:r>
+            <a:r>
+              <a:rPr lang="en-US" sz="1100" dirty="0">
+                <a:solidFill>
+                  <a:srgbClr val="000000"/>
+                </a:solidFill>
+                <a:latin typeface="Consolas" charset="0"/>
+                <a:ea typeface="Consolas" charset="0"/>
+                <a:cs typeface="Consolas" charset="0"/>
+              </a:rPr>
+              <a:t>);</a:t>
+            </a:r>
+          </a:p>
+          <a:p>
+            <a:r>
+              <a:rPr lang="en-US" sz="1100" dirty="0">
+                <a:solidFill>
+                  <a:srgbClr val="000000"/>
+                </a:solidFill>
+                <a:latin typeface="Consolas" charset="0"/>
+                <a:ea typeface="Consolas" charset="0"/>
+                <a:cs typeface="Consolas" charset="0"/>
+              </a:rPr>
+              <a:t>}</a:t>
+            </a:r>
+          </a:p>
+          <a:p>
+            <a:r>
+              <a:rPr lang="en-US" sz="1100" dirty="0">
+                <a:solidFill>
+                  <a:srgbClr val="0000FF"/>
+                </a:solidFill>
+                <a:latin typeface="Consolas" charset="0"/>
+                <a:ea typeface="Consolas" charset="0"/>
+                <a:cs typeface="Consolas" charset="0"/>
+              </a:rPr>
+              <a:t>catch</a:t>
+            </a:r>
+            <a:r>
+              <a:rPr lang="en-US" sz="1100" dirty="0">
+                <a:solidFill>
+                  <a:srgbClr val="000000"/>
+                </a:solidFill>
+                <a:latin typeface="Consolas" charset="0"/>
+                <a:ea typeface="Consolas" charset="0"/>
+                <a:cs typeface="Consolas" charset="0"/>
+              </a:rPr>
+              <a:t>(</a:t>
+            </a:r>
+            <a:r>
+              <a:rPr lang="en-US" sz="1100" dirty="0" err="1">
+                <a:solidFill>
+                  <a:srgbClr val="000000"/>
+                </a:solidFill>
+                <a:latin typeface="Consolas" charset="0"/>
+                <a:ea typeface="Consolas" charset="0"/>
+                <a:cs typeface="Consolas" charset="0"/>
+              </a:rPr>
+              <a:t>FileNotFoundException</a:t>
+            </a:r>
+            <a:r>
+              <a:rPr lang="en-US" sz="1100" dirty="0">
+                <a:solidFill>
+                  <a:srgbClr val="000000"/>
+                </a:solidFill>
+                <a:latin typeface="Consolas" charset="0"/>
+                <a:ea typeface="Consolas" charset="0"/>
+                <a:cs typeface="Consolas" charset="0"/>
+              </a:rPr>
+              <a:t> e) </a:t>
+            </a:r>
+          </a:p>
+          <a:p>
+            <a:r>
+              <a:rPr lang="en-US" sz="1100" dirty="0">
+                <a:solidFill>
+                  <a:srgbClr val="000000"/>
+                </a:solidFill>
+                <a:latin typeface="Consolas" charset="0"/>
+                <a:ea typeface="Consolas" charset="0"/>
+                <a:cs typeface="Consolas" charset="0"/>
+              </a:rPr>
+              <a:t>{</a:t>
+            </a:r>
+          </a:p>
+          <a:p>
+            <a:r>
+              <a:rPr lang="en-US" sz="1100" dirty="0">
+                <a:solidFill>
+                  <a:srgbClr val="000000"/>
+                </a:solidFill>
+                <a:latin typeface="Consolas" charset="0"/>
+                <a:ea typeface="Consolas" charset="0"/>
+                <a:cs typeface="Consolas" charset="0"/>
+              </a:rPr>
+              <a:t>    </a:t>
+            </a:r>
+            <a:r>
+              <a:rPr lang="en-US" sz="1100" dirty="0" err="1">
+                <a:solidFill>
+                  <a:srgbClr val="000000"/>
+                </a:solidFill>
+                <a:latin typeface="Consolas" charset="0"/>
+                <a:ea typeface="Consolas" charset="0"/>
+                <a:cs typeface="Consolas" charset="0"/>
+              </a:rPr>
+              <a:t>System.out.print</a:t>
+            </a:r>
+            <a:r>
+              <a:rPr lang="en-US" sz="1100" dirty="0">
+                <a:solidFill>
+                  <a:srgbClr val="000000"/>
+                </a:solidFill>
+                <a:latin typeface="Consolas" charset="0"/>
+                <a:ea typeface="Consolas" charset="0"/>
+                <a:cs typeface="Consolas" charset="0"/>
+              </a:rPr>
+              <a:t>(</a:t>
+            </a:r>
+            <a:r>
+              <a:rPr lang="en-US" sz="1100" dirty="0">
+                <a:solidFill>
+                  <a:srgbClr val="E7232E"/>
+                </a:solidFill>
+                <a:latin typeface="Consolas" charset="0"/>
+                <a:ea typeface="Consolas" charset="0"/>
+                <a:cs typeface="Consolas" charset="0"/>
+              </a:rPr>
+              <a:t>"File not found"</a:t>
+            </a:r>
+            <a:r>
+              <a:rPr lang="en-US" sz="1100" dirty="0">
+                <a:solidFill>
+                  <a:srgbClr val="000000"/>
+                </a:solidFill>
+                <a:latin typeface="Consolas" charset="0"/>
+                <a:ea typeface="Consolas" charset="0"/>
+                <a:cs typeface="Consolas" charset="0"/>
+              </a:rPr>
+              <a:t>);</a:t>
+            </a:r>
+          </a:p>
+          <a:p>
+            <a:r>
+              <a:rPr lang="en-US" sz="1100" dirty="0">
+                <a:solidFill>
+                  <a:srgbClr val="000000"/>
+                </a:solidFill>
+                <a:latin typeface="Consolas" charset="0"/>
+                <a:ea typeface="Consolas" charset="0"/>
+                <a:cs typeface="Consolas" charset="0"/>
+              </a:rPr>
+              <a:t>}</a:t>
+            </a:r>
+          </a:p>
+        </p:txBody>
+      </p:sp>
+      <p:sp>
+        <p:nvSpPr>
+          <p:cNvPr id="5" name="Rectangle 4"/>
+          <p:cNvSpPr/>
+          <p:nvPr/>
+        </p:nvSpPr>
+        <p:spPr>
+          <a:xfrm>
+            <a:off x="1547663" y="3579046"/>
+            <a:ext cx="7345511" cy="830997"/>
+          </a:xfrm>
+          <a:prstGeom prst="rect">
+            <a:avLst/>
+          </a:prstGeom>
+        </p:spPr>
+        <p:txBody>
+          <a:bodyPr wrap="square">
+            <a:spAutoFit/>
+          </a:bodyPr>
+          <a:lstStyle/>
+          <a:p>
+            <a:r>
+              <a:rPr lang="en-US" sz="1200" dirty="0" smtClean="0">
+                <a:solidFill>
+                  <a:srgbClr val="000000"/>
+                </a:solidFill>
+                <a:latin typeface="Verdana" charset="0"/>
+              </a:rPr>
+              <a:t>and given that </a:t>
+            </a:r>
+            <a:r>
+              <a:rPr lang="en-US" sz="1200" dirty="0" err="1" smtClean="0">
+                <a:solidFill>
+                  <a:srgbClr val="D20005"/>
+                </a:solidFill>
+                <a:latin typeface="CourierNewPSMT" charset="0"/>
+              </a:rPr>
+              <a:t>EOFException</a:t>
+            </a:r>
+            <a:r>
+              <a:rPr lang="en-US" sz="1200" dirty="0" smtClean="0">
+                <a:solidFill>
+                  <a:srgbClr val="000000"/>
+                </a:solidFill>
+                <a:latin typeface="Verdana" charset="0"/>
+              </a:rPr>
+              <a:t> and </a:t>
+            </a:r>
+            <a:r>
+              <a:rPr lang="en-US" sz="1200" dirty="0" err="1" smtClean="0">
+                <a:solidFill>
+                  <a:srgbClr val="D20005"/>
+                </a:solidFill>
+                <a:latin typeface="CourierNewPSMT" charset="0"/>
+              </a:rPr>
+              <a:t>FileNotFoundException</a:t>
+            </a:r>
+            <a:r>
+              <a:rPr lang="en-US" sz="1200" dirty="0" smtClean="0">
+                <a:solidFill>
+                  <a:srgbClr val="000000"/>
+                </a:solidFill>
+                <a:latin typeface="Verdana" charset="0"/>
+              </a:rPr>
+              <a:t> are both subclasses </a:t>
+            </a:r>
+            <a:r>
+              <a:rPr lang="en-US" sz="1200" dirty="0" err="1" smtClean="0">
+                <a:solidFill>
+                  <a:srgbClr val="000000"/>
+                </a:solidFill>
+                <a:latin typeface="Verdana" charset="0"/>
+              </a:rPr>
+              <a:t>of</a:t>
+            </a:r>
+            <a:r>
+              <a:rPr lang="en-US" sz="1200" dirty="0" err="1" smtClean="0">
+                <a:solidFill>
+                  <a:srgbClr val="D20005"/>
+                </a:solidFill>
+                <a:latin typeface="CourierNewPSMT" charset="0"/>
+              </a:rPr>
+              <a:t>IOException</a:t>
+            </a:r>
+            <a:r>
+              <a:rPr lang="en-US" sz="1200" dirty="0" smtClean="0">
+                <a:solidFill>
+                  <a:srgbClr val="000000"/>
+                </a:solidFill>
+                <a:latin typeface="Verdana" charset="0"/>
+              </a:rPr>
+              <a:t>, and further assuming this block of code is placed into a class, which statement is most true concerning this code?</a:t>
+            </a:r>
+          </a:p>
+          <a:p>
+            <a:r>
+              <a:rPr lang="en-US" sz="1200" dirty="0" smtClean="0">
+                <a:solidFill>
+                  <a:srgbClr val="000000"/>
+                </a:solidFill>
+                <a:latin typeface="Verdana" charset="0"/>
+              </a:rPr>
+              <a:t>	</a:t>
+            </a:r>
+            <a:endParaRPr lang="en-US" sz="1200" dirty="0">
+              <a:solidFill>
+                <a:srgbClr val="000000"/>
+              </a:solidFill>
+              <a:latin typeface="Verdana" charset="0"/>
+            </a:endParaRPr>
+          </a:p>
+        </p:txBody>
+      </p:sp>
+      <p:sp>
+        <p:nvSpPr>
+          <p:cNvPr id="7" name="Rectangle 6"/>
+          <p:cNvSpPr/>
+          <p:nvPr/>
+        </p:nvSpPr>
+        <p:spPr>
+          <a:xfrm>
+            <a:off x="1619672" y="4498706"/>
+            <a:ext cx="8243761" cy="954107"/>
+          </a:xfrm>
+          <a:prstGeom prst="rect">
+            <a:avLst/>
+          </a:prstGeom>
+        </p:spPr>
+        <p:txBody>
+          <a:bodyPr wrap="square">
+            <a:spAutoFit/>
+          </a:bodyPr>
+          <a:lstStyle/>
+          <a:p>
+            <a:r>
+              <a:rPr lang="en-US" sz="1400" dirty="0" smtClean="0"/>
+              <a:t>A)The </a:t>
+            </a:r>
+            <a:r>
+              <a:rPr lang="en-US" sz="1400" dirty="0"/>
+              <a:t>code will not </a:t>
+            </a:r>
+            <a:r>
+              <a:rPr lang="en-US" sz="1400" dirty="0" smtClean="0"/>
+              <a:t>compile</a:t>
+            </a:r>
+          </a:p>
+          <a:p>
+            <a:r>
+              <a:rPr lang="en-US" sz="1400" dirty="0" smtClean="0"/>
+              <a:t>B)Code </a:t>
+            </a:r>
+            <a:r>
+              <a:rPr lang="en-US" sz="1400" dirty="0"/>
+              <a:t>output: Start Hello world File Not Found</a:t>
+            </a:r>
+            <a:r>
+              <a:rPr lang="en-US" sz="1400" dirty="0" smtClean="0"/>
+              <a:t>.</a:t>
+            </a:r>
+          </a:p>
+          <a:p>
+            <a:r>
+              <a:rPr lang="en-US" sz="1400" dirty="0" smtClean="0"/>
+              <a:t>C)Code </a:t>
+            </a:r>
+            <a:r>
+              <a:rPr lang="en-US" sz="1400" dirty="0"/>
+              <a:t>output: Start Hello world End of file exception</a:t>
+            </a:r>
+            <a:r>
+              <a:rPr lang="en-US" sz="1400" dirty="0" smtClean="0"/>
+              <a:t>.</a:t>
+            </a:r>
+          </a:p>
+          <a:p>
+            <a:r>
+              <a:rPr lang="en-US" sz="1400" dirty="0" smtClean="0"/>
+              <a:t>D)Code </a:t>
+            </a:r>
+            <a:r>
+              <a:rPr lang="en-US" sz="1400" dirty="0"/>
+              <a:t>output: Start Hello world Catch Here File not found.	</a:t>
+            </a:r>
+          </a:p>
+        </p:txBody>
+      </p:sp>
+    </p:spTree>
+    <p:extLst>
+      <p:ext uri="{BB962C8B-B14F-4D97-AF65-F5344CB8AC3E}">
+        <p14:creationId xmlns:p14="http://schemas.microsoft.com/office/powerpoint/2010/main" val="1319170218"/>
+      </p:ext>
+    </p:extLst>
+  </p:cSld>
+  <p:clrMapOvr>
+    <a:masterClrMapping/>
+  </p:clrMapOvr>
+  <p:timing>
+    <p:tnLst>
+      <p:par>
+        <p:cTn id="1" dur="indefinite" restart="never" nodeType="tmRoot"/>
+      </p:par>
+    </p:tnLst>
+  </p:timing>
+</p:sld>
+</file>
+
+<file path=ppt/slides/slide9.xml><?xml version="1.0" encoding="utf-8"?>
+<p:sld xmlns:a="http://schemas.openxmlformats.org/drawingml/2006/main" xmlns:r="http://schemas.openxmlformats.org/officeDocument/2006/relationships" xmlns:p="http://schemas.openxmlformats.org/presentationml/2006/main">
+  <p:cSld>
+    <p:spTree>
+      <p:nvGrpSpPr>
+        <p:cNvPr id="1" name=""/>
+        <p:cNvGrpSpPr/>
+        <p:nvPr/>
+      </p:nvGrpSpPr>
+      <p:grpSpPr>
+        <a:xfrm>
+          <a:off x="0" y="0"/>
+          <a:ext cx="0" cy="0"/>
+          <a:chOff x="0" y="0"/>
+          <a:chExt cx="0" cy="0"/>
+        </a:xfrm>
+      </p:grpSpPr>
+      <p:sp>
+        <p:nvSpPr>
+          <p:cNvPr id="4098" name="Rectangle 2"/>
+          <p:cNvSpPr>
+            <a:spLocks noGrp="1" noChangeArrowheads="1"/>
+          </p:cNvSpPr>
+          <p:nvPr>
+            <p:ph type="title"/>
+          </p:nvPr>
+        </p:nvSpPr>
+        <p:spPr/>
+        <p:txBody>
+          <a:bodyPr/>
+          <a:lstStyle/>
+          <a:p>
+            <a:r>
+              <a:rPr lang="it-IT" altLang="it-IT" dirty="0" err="1" smtClean="0"/>
+              <a:t>Exception</a:t>
+            </a:r>
+            <a:r>
+              <a:rPr lang="it-IT" altLang="it-IT" dirty="0" smtClean="0"/>
+              <a:t/>
+            </a:r>
+            <a:br>
+              <a:rPr lang="it-IT" altLang="it-IT" dirty="0" smtClean="0"/>
+            </a:br>
+            <a:endParaRPr lang="it-IT" altLang="it-IT" dirty="0" smtClean="0"/>
+          </a:p>
+        </p:txBody>
+      </p:sp>
+      <p:sp>
+        <p:nvSpPr>
+          <p:cNvPr id="4" name="Rectangle 1"/>
+          <p:cNvSpPr>
+            <a:spLocks noChangeArrowheads="1"/>
+          </p:cNvSpPr>
+          <p:nvPr/>
+        </p:nvSpPr>
+        <p:spPr bwMode="auto">
+          <a:xfrm>
+            <a:off x="900239" y="1556953"/>
+            <a:ext cx="9144000" cy="0"/>
           </a:xfrm>
           <a:prstGeom prst="rect">
             <a:avLst/>
           </a:prstGeom>
           <a:noFill/>
+          <a:ln>
+            <a:noFill/>
+          </a:ln>
+          <a:effectLst/>
+          <a:extLst>
+            <a:ext uri="{909E8E84-426E-40DD-AFC4-6F175D3DCCD1}">
+              <a14:hiddenFill xmlns:a14="http://schemas.microsoft.com/office/drawing/2010/main">
+                <a:solidFill>
+                  <a:schemeClr val="accent1"/>
+                </a:solidFill>
+              </a14:hiddenFill>
+            </a:ext>
+            <a:ext uri="{91240B29-F687-4F45-9708-019B960494DF}">
+              <a14:hiddenLine xmlns:a14="http://schemas.microsoft.com/office/drawing/2010/main" w="9525">
+                <a:solidFill>
+                  <a:schemeClr val="tx1"/>
+                </a:solidFill>
+                <a:miter lim="800000"/>
+                <a:headEnd/>
+                <a:tailEnd/>
+              </a14:hiddenLine>
+            </a:ext>
+            <a:ext uri="{AF507438-7753-43E0-B8FC-AC1667EBCBE1}">
+              <a14:hiddenEffects xmlns:a14="http://schemas.microsoft.com/office/drawing/2010/main">
+                <a:effectLst>
+                  <a:outerShdw blurRad="63500" dist="38099" dir="2700000" algn="ctr" rotWithShape="0">
+                    <a:schemeClr val="bg2">
+                      <a:alpha val="74998"/>
+                    </a:schemeClr>
+                  </a:outerShdw>
+                </a:effectLst>
+              </a14:hiddenEffects>
+            </a:ext>
+          </a:extLst>
         </p:spPr>
         <p:txBody>
-          <a:bodyPr wrap="square" rtlCol="0">
+          <a:bodyPr vert="horz" wrap="none" lIns="91440" tIns="45720" rIns="91440" bIns="45720" numCol="1" anchor="ctr" anchorCtr="0" compatLnSpc="1">
+            <a:prstTxWarp prst="textNoShape">
+              <a:avLst/>
+            </a:prstTxWarp>
             <a:spAutoFit/>
           </a:bodyPr>
           <a:lstStyle/>
           <a:p>
-            <a:r>
-              <a:rPr lang="en-US" dirty="0" err="1" smtClean="0"/>
-              <a:t>Utilizzando</a:t>
-            </a:r>
-            <a:r>
-              <a:rPr lang="en-US" dirty="0" smtClean="0"/>
-              <a:t> </a:t>
-            </a:r>
-            <a:r>
-              <a:rPr lang="en-US" dirty="0" err="1" smtClean="0"/>
-              <a:t>ListOfNumbers</a:t>
-            </a:r>
-            <a:r>
-              <a:rPr lang="en-US" dirty="0" smtClean="0"/>
-              <a:t> </a:t>
-            </a:r>
-            <a:r>
-              <a:rPr lang="en-US" dirty="0" err="1" smtClean="0"/>
-              <a:t>aggiungere</a:t>
-            </a:r>
-            <a:r>
-              <a:rPr lang="en-US" dirty="0" smtClean="0"/>
-              <a:t> </a:t>
-            </a:r>
-            <a:r>
-              <a:rPr lang="en-US" dirty="0" err="1" smtClean="0"/>
-              <a:t>il</a:t>
-            </a:r>
-            <a:r>
-              <a:rPr lang="en-US" dirty="0" smtClean="0"/>
-              <a:t> </a:t>
-            </a:r>
-            <a:r>
-              <a:rPr lang="en-US" dirty="0" err="1" smtClean="0"/>
-              <a:t>metodo</a:t>
-            </a:r>
-            <a:r>
-              <a:rPr lang="en-US" dirty="0" smtClean="0"/>
-              <a:t> </a:t>
-            </a:r>
-            <a:r>
-              <a:rPr lang="en-US" dirty="0" err="1" smtClean="0"/>
-              <a:t>readList</a:t>
-            </a:r>
-            <a:r>
-              <a:rPr lang="en-US" dirty="0" smtClean="0"/>
-              <a:t>. </a:t>
-            </a:r>
-          </a:p>
-          <a:p>
-            <a:r>
-              <a:rPr lang="en-US" dirty="0" err="1" smtClean="0"/>
-              <a:t>Questo</a:t>
-            </a:r>
-            <a:r>
-              <a:rPr lang="en-US" dirty="0" smtClean="0"/>
-              <a:t> </a:t>
-            </a:r>
-            <a:r>
-              <a:rPr lang="en-US" dirty="0" err="1" smtClean="0"/>
-              <a:t>metodo</a:t>
-            </a:r>
-            <a:r>
-              <a:rPr lang="en-US" dirty="0" smtClean="0"/>
-              <a:t> </a:t>
-            </a:r>
-            <a:r>
-              <a:rPr lang="en-US" dirty="0" err="1" smtClean="0"/>
-              <a:t>deve</a:t>
-            </a:r>
-            <a:r>
-              <a:rPr lang="en-US" dirty="0" smtClean="0"/>
-              <a:t> </a:t>
-            </a:r>
-            <a:r>
-              <a:rPr lang="en-US" dirty="0" err="1" smtClean="0"/>
-              <a:t>ricevere</a:t>
-            </a:r>
-            <a:r>
-              <a:rPr lang="en-US" dirty="0" smtClean="0"/>
-              <a:t> </a:t>
-            </a:r>
-            <a:r>
-              <a:rPr lang="en-US" dirty="0" err="1" smtClean="0"/>
-              <a:t>leggere</a:t>
-            </a:r>
-            <a:r>
-              <a:rPr lang="en-US" dirty="0" smtClean="0"/>
-              <a:t> </a:t>
-            </a:r>
-            <a:r>
-              <a:rPr lang="en-US" dirty="0" err="1" smtClean="0"/>
-              <a:t>interi</a:t>
-            </a:r>
-            <a:r>
-              <a:rPr lang="en-US" dirty="0" smtClean="0"/>
-              <a:t> da un file, </a:t>
-            </a:r>
-            <a:r>
-              <a:rPr lang="en-US" dirty="0" err="1" smtClean="0"/>
-              <a:t>stamparli</a:t>
-            </a:r>
-            <a:r>
-              <a:rPr lang="en-US" dirty="0" smtClean="0"/>
-              <a:t> e </a:t>
-            </a:r>
-            <a:r>
-              <a:rPr lang="en-US" dirty="0" err="1" smtClean="0"/>
-              <a:t>aggiungerli</a:t>
-            </a:r>
-            <a:r>
-              <a:rPr lang="en-US" dirty="0" smtClean="0"/>
-              <a:t> </a:t>
-            </a:r>
-            <a:r>
-              <a:rPr lang="en-US" dirty="0" err="1" smtClean="0"/>
-              <a:t>alla</a:t>
-            </a:r>
-            <a:r>
-              <a:rPr lang="en-US" dirty="0"/>
-              <a:t> </a:t>
-            </a:r>
-            <a:r>
-              <a:rPr lang="en-US" dirty="0" smtClean="0"/>
-              <a:t>fine di un </a:t>
-            </a:r>
-            <a:r>
-              <a:rPr lang="en-US" dirty="0" err="1" smtClean="0"/>
-              <a:t>vettore</a:t>
-            </a:r>
-            <a:r>
-              <a:rPr lang="en-US" dirty="0" smtClean="0"/>
-              <a:t>.</a:t>
-            </a:r>
-          </a:p>
-          <a:p>
-            <a:r>
-              <a:rPr lang="en-US" dirty="0" err="1" smtClean="0"/>
-              <a:t>Avete</a:t>
-            </a:r>
-            <a:r>
-              <a:rPr lang="en-US" dirty="0" smtClean="0"/>
-              <a:t> </a:t>
-            </a:r>
-            <a:r>
-              <a:rPr lang="en-US" dirty="0" err="1" smtClean="0"/>
-              <a:t>bisogno</a:t>
-            </a:r>
-            <a:r>
-              <a:rPr lang="en-US" dirty="0" smtClean="0"/>
-              <a:t> di un file con </a:t>
-            </a:r>
-            <a:r>
-              <a:rPr lang="en-US" dirty="0" err="1" smtClean="0"/>
-              <a:t>interi</a:t>
-            </a:r>
-            <a:r>
-              <a:rPr lang="en-US" dirty="0" smtClean="0"/>
-              <a:t>.</a:t>
+            <a:pPr marL="0" marR="0" lvl="0" indent="0" algn="l" defTabSz="914400" rtl="0" eaLnBrk="0" fontAlgn="base" latinLnBrk="0" hangingPunct="0">
+              <a:lnSpc>
+                <a:spcPct val="100000"/>
+              </a:lnSpc>
+              <a:spcBef>
+                <a:spcPct val="0"/>
+              </a:spcBef>
+              <a:spcAft>
+                <a:spcPct val="0"/>
+              </a:spcAft>
+              <a:buClrTx/>
+              <a:buSzTx/>
+              <a:buFontTx/>
+              <a:buNone/>
+              <a:tabLst/>
+            </a:pPr>
+            <a:r>
+              <a:rPr kumimoji="0" lang="en-US" altLang="en-US" sz="1800" b="0" i="0" u="none" strike="noStrike" cap="none" normalizeH="0" baseline="0">
+                <a:ln>
+                  <a:noFill/>
+                </a:ln>
+                <a:solidFill>
+                  <a:schemeClr val="tx1"/>
+                </a:solidFill>
+                <a:effectLst/>
+                <a:latin typeface="Arial" charset="0"/>
+              </a:rPr>
+              <a:t/>
+            </a:r>
+            <a:br>
+              <a:rPr kumimoji="0" lang="en-US" altLang="en-US" sz="1800" b="0" i="0" u="none" strike="noStrike" cap="none" normalizeH="0" baseline="0">
+                <a:ln>
+                  <a:noFill/>
+                </a:ln>
+                <a:solidFill>
+                  <a:schemeClr val="tx1"/>
+                </a:solidFill>
+                <a:effectLst/>
+                <a:latin typeface="Arial" charset="0"/>
+              </a:rPr>
+            </a:br>
+            <a:endParaRPr kumimoji="0" lang="en-US" altLang="en-US" sz="1800" b="0" i="0" u="none" strike="noStrike" cap="none" normalizeH="0" baseline="0">
+              <a:ln>
+                <a:noFill/>
+              </a:ln>
+              <a:solidFill>
+                <a:schemeClr val="tx1"/>
+              </a:solidFill>
+              <a:effectLst/>
+              <a:latin typeface="Arial" charset="0"/>
+            </a:endParaRPr>
+          </a:p>
+        </p:txBody>
+      </p:sp>
+      <p:sp>
+        <p:nvSpPr>
+          <p:cNvPr id="5" name="Rectangle 4"/>
+          <p:cNvSpPr/>
+          <p:nvPr/>
+        </p:nvSpPr>
+        <p:spPr>
+          <a:xfrm>
+            <a:off x="323527" y="1613119"/>
+            <a:ext cx="8569647" cy="1815882"/>
+          </a:xfrm>
+          <a:prstGeom prst="rect">
+            <a:avLst/>
+          </a:prstGeom>
+        </p:spPr>
+        <p:txBody>
+          <a:bodyPr wrap="square">
+            <a:spAutoFit/>
+          </a:bodyPr>
+          <a:lstStyle/>
+          <a:p>
+            <a:r>
+              <a:rPr lang="en-US" sz="1400" dirty="0">
+                <a:latin typeface="Consolas" charset="0"/>
+                <a:ea typeface="Consolas" charset="0"/>
+                <a:cs typeface="Consolas" charset="0"/>
+              </a:rPr>
+              <a:t>Which statement is true?</a:t>
+            </a:r>
+          </a:p>
+          <a:p>
+            <a:r>
+              <a:rPr lang="en-US" sz="1400" dirty="0">
+                <a:latin typeface="Consolas" charset="0"/>
+                <a:ea typeface="Consolas" charset="0"/>
+                <a:cs typeface="Consolas" charset="0"/>
+              </a:rPr>
+              <a:t>A	catch(X x) can catch subclasses of X where X is a subclass of </a:t>
+            </a:r>
+            <a:r>
+              <a:rPr lang="en-US" sz="1400" dirty="0" smtClean="0">
+                <a:latin typeface="Consolas" charset="0"/>
+                <a:ea typeface="Consolas" charset="0"/>
+                <a:cs typeface="Consolas" charset="0"/>
+              </a:rPr>
+              <a:t>Exception.</a:t>
+            </a:r>
+          </a:p>
+          <a:p>
+            <a:endParaRPr lang="en-US" sz="1400" dirty="0" smtClean="0">
+              <a:latin typeface="Consolas" charset="0"/>
+              <a:ea typeface="Consolas" charset="0"/>
+              <a:cs typeface="Consolas" charset="0"/>
+            </a:endParaRPr>
+          </a:p>
+          <a:p>
+            <a:r>
+              <a:rPr lang="en-US" sz="1400" dirty="0" smtClean="0">
+                <a:latin typeface="Consolas" charset="0"/>
+                <a:ea typeface="Consolas" charset="0"/>
+                <a:cs typeface="Consolas" charset="0"/>
+              </a:rPr>
+              <a:t>B</a:t>
+            </a:r>
+            <a:r>
+              <a:rPr lang="en-US" sz="1400" dirty="0">
+                <a:latin typeface="Consolas" charset="0"/>
+                <a:ea typeface="Consolas" charset="0"/>
+                <a:cs typeface="Consolas" charset="0"/>
+              </a:rPr>
+              <a:t>	The Error class is a </a:t>
+            </a:r>
+            <a:r>
+              <a:rPr lang="en-US" sz="1400" dirty="0" err="1">
+                <a:latin typeface="Consolas" charset="0"/>
+                <a:ea typeface="Consolas" charset="0"/>
+                <a:cs typeface="Consolas" charset="0"/>
+              </a:rPr>
+              <a:t>RuntimeException</a:t>
+            </a:r>
+            <a:r>
+              <a:rPr lang="en-US" sz="1400" dirty="0">
+                <a:latin typeface="Consolas" charset="0"/>
+                <a:ea typeface="Consolas" charset="0"/>
+                <a:cs typeface="Consolas" charset="0"/>
+              </a:rPr>
+              <a:t>.	</a:t>
+            </a:r>
+          </a:p>
+          <a:p>
+            <a:endParaRPr lang="en-US" sz="1400" dirty="0" smtClean="0">
+              <a:latin typeface="Consolas" charset="0"/>
+              <a:ea typeface="Consolas" charset="0"/>
+              <a:cs typeface="Consolas" charset="0"/>
+            </a:endParaRPr>
+          </a:p>
+          <a:p>
+            <a:r>
+              <a:rPr lang="en-US" sz="1400" dirty="0" smtClean="0">
+                <a:latin typeface="Consolas" charset="0"/>
+                <a:ea typeface="Consolas" charset="0"/>
+                <a:cs typeface="Consolas" charset="0"/>
+              </a:rPr>
+              <a:t>C</a:t>
+            </a:r>
+            <a:r>
+              <a:rPr lang="en-US" sz="1400" dirty="0">
+                <a:latin typeface="Consolas" charset="0"/>
+                <a:ea typeface="Consolas" charset="0"/>
+                <a:cs typeface="Consolas" charset="0"/>
+              </a:rPr>
+              <a:t>	Any statement that can throw an Error must be enclosed in a try block.	</a:t>
+            </a:r>
+          </a:p>
+          <a:p>
+            <a:endParaRPr lang="en-US" sz="1400" dirty="0" smtClean="0">
+              <a:latin typeface="Consolas" charset="0"/>
+              <a:ea typeface="Consolas" charset="0"/>
+              <a:cs typeface="Consolas" charset="0"/>
+            </a:endParaRPr>
+          </a:p>
+          <a:p>
+            <a:r>
+              <a:rPr lang="en-US" sz="1400" dirty="0" smtClean="0">
+                <a:latin typeface="Consolas" charset="0"/>
+                <a:ea typeface="Consolas" charset="0"/>
+                <a:cs typeface="Consolas" charset="0"/>
+              </a:rPr>
+              <a:t>D</a:t>
+            </a:r>
+            <a:r>
+              <a:rPr lang="en-US" sz="1400" dirty="0">
+                <a:latin typeface="Consolas" charset="0"/>
+                <a:ea typeface="Consolas" charset="0"/>
+                <a:cs typeface="Consolas" charset="0"/>
+              </a:rPr>
+              <a:t>	Any statement that can throw an Exception must be enclosed in a try block.	</a:t>
             </a:r>
           </a:p>
         </p:txBody>
@@ -10829,7 +16843,7 @@
     </p:spTree>
     <p:extLst>
       <p:ext uri="{BB962C8B-B14F-4D97-AF65-F5344CB8AC3E}">
-        <p14:creationId xmlns:p14="http://schemas.microsoft.com/office/powerpoint/2010/main" val="1666647338"/>
+        <p14:creationId xmlns:p14="http://schemas.microsoft.com/office/powerpoint/2010/main" val="1540398265"/>
       </p:ext>
     </p:extLst>
   </p:cSld>

--- a/lez 14/ex.pptx
+++ b/lez 14/ex.pptx
@@ -8850,7 +8850,7 @@
               <a:t> - </a:t>
             </a:r>
             <a:r>
-              <a:rPr lang="it-IT" altLang="it-IT" sz="2400" smtClean="0">
+              <a:rPr lang="it-IT" altLang="it-IT" sz="2400" dirty="0" err="1" smtClean="0">
                 <a:latin typeface="Verdana" pitchFamily="34" charset="0"/>
               </a:rPr>
               <a:t>exercises</a:t>
@@ -10774,7 +10774,7 @@
         <p:spPr>
           <a:xfrm>
             <a:off x="457200" y="836613"/>
-            <a:ext cx="7608768" cy="1200329"/>
+            <a:ext cx="7608768" cy="2308324"/>
           </a:xfrm>
           <a:prstGeom prst="rect">
             <a:avLst/>
@@ -10787,8 +10787,20 @@
           </a:bodyPr>
           <a:lstStyle/>
           <a:p>
-            <a:r>
-              <a:rPr lang="en-US" dirty="0" err="1" smtClean="0"/>
+            <a:endParaRPr lang="en-US" dirty="0" smtClean="0"/>
+          </a:p>
+          <a:p>
+            <a:endParaRPr lang="en-US" dirty="0"/>
+          </a:p>
+          <a:p>
+            <a:endParaRPr lang="en-US" dirty="0" smtClean="0"/>
+          </a:p>
+          <a:p>
+            <a:endParaRPr lang="en-US"/>
+          </a:p>
+          <a:p>
+            <a:r>
+              <a:rPr lang="en-US" smtClean="0"/>
               <a:t>Utilizzando</a:t>
             </a:r>
             <a:r>
